--- a/Lectures/CITS1003-1 Overview.pptx
+++ b/Lectures/CITS1003-1 Overview.pptx
@@ -10,18 +10,18 @@
   <p:sldIdLst>
     <p:sldId id="256" r:id="rId2"/>
     <p:sldId id="257" r:id="rId3"/>
-    <p:sldId id="260" r:id="rId4"/>
-    <p:sldId id="269" r:id="rId5"/>
-    <p:sldId id="258" r:id="rId6"/>
-    <p:sldId id="259" r:id="rId7"/>
-    <p:sldId id="262" r:id="rId8"/>
-    <p:sldId id="266" r:id="rId9"/>
-    <p:sldId id="267" r:id="rId10"/>
-    <p:sldId id="261" r:id="rId11"/>
-    <p:sldId id="263" r:id="rId12"/>
-    <p:sldId id="264" r:id="rId13"/>
-    <p:sldId id="265" r:id="rId14"/>
-    <p:sldId id="268" r:id="rId15"/>
+    <p:sldId id="271" r:id="rId4"/>
+    <p:sldId id="260" r:id="rId5"/>
+    <p:sldId id="272" r:id="rId6"/>
+    <p:sldId id="273" r:id="rId7"/>
+    <p:sldId id="274" r:id="rId8"/>
+    <p:sldId id="269" r:id="rId9"/>
+    <p:sldId id="258" r:id="rId10"/>
+    <p:sldId id="266" r:id="rId11"/>
+    <p:sldId id="267" r:id="rId12"/>
+    <p:sldId id="268" r:id="rId13"/>
+    <p:sldId id="270" r:id="rId14"/>
+    <p:sldId id="275" r:id="rId15"/>
   </p:sldIdLst>
   <p:sldSz cx="12192000" cy="6858000"/>
   <p:notesSz cx="6858000" cy="9144000"/>
@@ -140,6 +140,2891 @@
 </p:cmAuthorLst>
 </file>
 
+<file path=ppt/diagrams/colors1.xml><?xml version="1.0" encoding="utf-8"?>
+<dgm:colorsDef xmlns:dgm="http://schemas.openxmlformats.org/drawingml/2006/diagram" xmlns:a="http://schemas.openxmlformats.org/drawingml/2006/main" uniqueId="urn:microsoft.com/office/officeart/2005/8/colors/colorful2">
+  <dgm:title val=""/>
+  <dgm:desc val=""/>
+  <dgm:catLst>
+    <dgm:cat type="colorful" pri="10200"/>
+  </dgm:catLst>
+  <dgm:styleLbl name="node0">
+    <dgm:fillClrLst meth="repeat">
+      <a:schemeClr val="accent1"/>
+    </dgm:fillClrLst>
+    <dgm:linClrLst meth="repeat">
+      <a:schemeClr val="lt1"/>
+    </dgm:linClrLst>
+    <dgm:effectClrLst/>
+    <dgm:txLinClrLst/>
+    <dgm:txFillClrLst/>
+    <dgm:txEffectClrLst/>
+  </dgm:styleLbl>
+  <dgm:styleLbl name="node1">
+    <dgm:fillClrLst>
+      <a:schemeClr val="accent2"/>
+      <a:schemeClr val="accent3"/>
+    </dgm:fillClrLst>
+    <dgm:linClrLst meth="repeat">
+      <a:schemeClr val="lt1"/>
+    </dgm:linClrLst>
+    <dgm:effectClrLst/>
+    <dgm:txLinClrLst/>
+    <dgm:txFillClrLst/>
+    <dgm:txEffectClrLst/>
+  </dgm:styleLbl>
+  <dgm:styleLbl name="alignNode1">
+    <dgm:fillClrLst>
+      <a:schemeClr val="accent2"/>
+      <a:schemeClr val="accent3"/>
+    </dgm:fillClrLst>
+    <dgm:linClrLst>
+      <a:schemeClr val="accent2"/>
+      <a:schemeClr val="accent3"/>
+    </dgm:linClrLst>
+    <dgm:effectClrLst/>
+    <dgm:txLinClrLst/>
+    <dgm:txFillClrLst/>
+    <dgm:txEffectClrLst/>
+  </dgm:styleLbl>
+  <dgm:styleLbl name="lnNode1">
+    <dgm:fillClrLst>
+      <a:schemeClr val="accent2"/>
+      <a:schemeClr val="accent3"/>
+    </dgm:fillClrLst>
+    <dgm:linClrLst meth="repeat">
+      <a:schemeClr val="lt1"/>
+    </dgm:linClrLst>
+    <dgm:effectClrLst/>
+    <dgm:txLinClrLst/>
+    <dgm:txFillClrLst/>
+    <dgm:txEffectClrLst/>
+  </dgm:styleLbl>
+  <dgm:styleLbl name="vennNode1">
+    <dgm:fillClrLst>
+      <a:schemeClr val="accent2">
+        <a:alpha val="50000"/>
+      </a:schemeClr>
+      <a:schemeClr val="accent3">
+        <a:alpha val="50000"/>
+      </a:schemeClr>
+    </dgm:fillClrLst>
+    <dgm:linClrLst meth="repeat">
+      <a:schemeClr val="lt1"/>
+    </dgm:linClrLst>
+    <dgm:effectClrLst/>
+    <dgm:txLinClrLst/>
+    <dgm:txFillClrLst/>
+    <dgm:txEffectClrLst/>
+  </dgm:styleLbl>
+  <dgm:styleLbl name="node2">
+    <dgm:fillClrLst>
+      <a:schemeClr val="accent3"/>
+    </dgm:fillClrLst>
+    <dgm:linClrLst meth="repeat">
+      <a:schemeClr val="lt1"/>
+    </dgm:linClrLst>
+    <dgm:effectClrLst/>
+    <dgm:txLinClrLst/>
+    <dgm:txFillClrLst/>
+    <dgm:txEffectClrLst/>
+  </dgm:styleLbl>
+  <dgm:styleLbl name="node3">
+    <dgm:fillClrLst>
+      <a:schemeClr val="accent4"/>
+    </dgm:fillClrLst>
+    <dgm:linClrLst meth="repeat">
+      <a:schemeClr val="lt1"/>
+    </dgm:linClrLst>
+    <dgm:effectClrLst/>
+    <dgm:txLinClrLst/>
+    <dgm:txFillClrLst/>
+    <dgm:txEffectClrLst/>
+  </dgm:styleLbl>
+  <dgm:styleLbl name="node4">
+    <dgm:fillClrLst>
+      <a:schemeClr val="accent5"/>
+    </dgm:fillClrLst>
+    <dgm:linClrLst meth="repeat">
+      <a:schemeClr val="lt1"/>
+    </dgm:linClrLst>
+    <dgm:effectClrLst/>
+    <dgm:txLinClrLst/>
+    <dgm:txFillClrLst/>
+    <dgm:txEffectClrLst/>
+  </dgm:styleLbl>
+  <dgm:styleLbl name="fgImgPlace1">
+    <dgm:fillClrLst>
+      <a:schemeClr val="accent2">
+        <a:tint val="50000"/>
+      </a:schemeClr>
+      <a:schemeClr val="accent3">
+        <a:tint val="50000"/>
+      </a:schemeClr>
+    </dgm:fillClrLst>
+    <dgm:linClrLst meth="repeat">
+      <a:schemeClr val="lt1"/>
+    </dgm:linClrLst>
+    <dgm:effectClrLst/>
+    <dgm:txLinClrLst/>
+    <dgm:txFillClrLst meth="repeat">
+      <a:schemeClr val="lt1"/>
+    </dgm:txFillClrLst>
+    <dgm:txEffectClrLst/>
+  </dgm:styleLbl>
+  <dgm:styleLbl name="alignImgPlace1">
+    <dgm:fillClrLst>
+      <a:schemeClr val="accent2">
+        <a:tint val="50000"/>
+      </a:schemeClr>
+      <a:schemeClr val="accent3">
+        <a:tint val="20000"/>
+      </a:schemeClr>
+    </dgm:fillClrLst>
+    <dgm:linClrLst meth="repeat">
+      <a:schemeClr val="lt1"/>
+    </dgm:linClrLst>
+    <dgm:effectClrLst/>
+    <dgm:txLinClrLst/>
+    <dgm:txFillClrLst meth="repeat">
+      <a:schemeClr val="lt1"/>
+    </dgm:txFillClrLst>
+    <dgm:txEffectClrLst/>
+  </dgm:styleLbl>
+  <dgm:styleLbl name="bgImgPlace1">
+    <dgm:fillClrLst>
+      <a:schemeClr val="accent2">
+        <a:tint val="50000"/>
+      </a:schemeClr>
+      <a:schemeClr val="accent3">
+        <a:tint val="20000"/>
+      </a:schemeClr>
+    </dgm:fillClrLst>
+    <dgm:linClrLst meth="repeat">
+      <a:schemeClr val="lt1"/>
+    </dgm:linClrLst>
+    <dgm:effectClrLst/>
+    <dgm:txLinClrLst/>
+    <dgm:txFillClrLst meth="repeat">
+      <a:schemeClr val="lt1"/>
+    </dgm:txFillClrLst>
+    <dgm:txEffectClrLst/>
+  </dgm:styleLbl>
+  <dgm:styleLbl name="sibTrans2D1">
+    <dgm:fillClrLst>
+      <a:schemeClr val="accent2"/>
+      <a:schemeClr val="accent3"/>
+    </dgm:fillClrLst>
+    <dgm:linClrLst meth="repeat">
+      <a:schemeClr val="lt1"/>
+    </dgm:linClrLst>
+    <dgm:effectClrLst/>
+    <dgm:txLinClrLst/>
+    <dgm:txFillClrLst/>
+    <dgm:txEffectClrLst/>
+  </dgm:styleLbl>
+  <dgm:styleLbl name="fgSibTrans2D1">
+    <dgm:fillClrLst>
+      <a:schemeClr val="accent2"/>
+      <a:schemeClr val="accent3"/>
+    </dgm:fillClrLst>
+    <dgm:linClrLst meth="repeat">
+      <a:schemeClr val="lt1"/>
+    </dgm:linClrLst>
+    <dgm:effectClrLst/>
+    <dgm:txLinClrLst/>
+    <dgm:txFillClrLst meth="repeat">
+      <a:schemeClr val="lt1"/>
+    </dgm:txFillClrLst>
+    <dgm:txEffectClrLst/>
+  </dgm:styleLbl>
+  <dgm:styleLbl name="bgSibTrans2D1">
+    <dgm:fillClrLst>
+      <a:schemeClr val="accent2"/>
+      <a:schemeClr val="accent3"/>
+    </dgm:fillClrLst>
+    <dgm:linClrLst meth="repeat">
+      <a:schemeClr val="lt1"/>
+    </dgm:linClrLst>
+    <dgm:effectClrLst/>
+    <dgm:txLinClrLst/>
+    <dgm:txFillClrLst meth="repeat">
+      <a:schemeClr val="lt1"/>
+    </dgm:txFillClrLst>
+    <dgm:txEffectClrLst/>
+  </dgm:styleLbl>
+  <dgm:styleLbl name="sibTrans1D1">
+    <dgm:fillClrLst/>
+    <dgm:linClrLst>
+      <a:schemeClr val="accent2"/>
+      <a:schemeClr val="accent3"/>
+    </dgm:linClrLst>
+    <dgm:effectClrLst/>
+    <dgm:txLinClrLst/>
+    <dgm:txFillClrLst meth="repeat">
+      <a:schemeClr val="tx1"/>
+    </dgm:txFillClrLst>
+    <dgm:txEffectClrLst/>
+  </dgm:styleLbl>
+  <dgm:styleLbl name="callout">
+    <dgm:fillClrLst meth="repeat">
+      <a:schemeClr val="accent2"/>
+    </dgm:fillClrLst>
+    <dgm:linClrLst meth="repeat">
+      <a:schemeClr val="accent2">
+        <a:tint val="50000"/>
+      </a:schemeClr>
+    </dgm:linClrLst>
+    <dgm:effectClrLst/>
+    <dgm:txLinClrLst/>
+    <dgm:txFillClrLst meth="repeat">
+      <a:schemeClr val="tx1"/>
+    </dgm:txFillClrLst>
+    <dgm:txEffectClrLst/>
+  </dgm:styleLbl>
+  <dgm:styleLbl name="asst0">
+    <dgm:fillClrLst meth="repeat">
+      <a:schemeClr val="accent2"/>
+    </dgm:fillClrLst>
+    <dgm:linClrLst meth="repeat">
+      <a:schemeClr val="lt1">
+        <a:shade val="80000"/>
+      </a:schemeClr>
+    </dgm:linClrLst>
+    <dgm:effectClrLst/>
+    <dgm:txLinClrLst/>
+    <dgm:txFillClrLst/>
+    <dgm:txEffectClrLst/>
+  </dgm:styleLbl>
+  <dgm:styleLbl name="asst1">
+    <dgm:fillClrLst meth="repeat">
+      <a:schemeClr val="accent3"/>
+    </dgm:fillClrLst>
+    <dgm:linClrLst meth="repeat">
+      <a:schemeClr val="lt1">
+        <a:shade val="80000"/>
+      </a:schemeClr>
+    </dgm:linClrLst>
+    <dgm:effectClrLst/>
+    <dgm:txLinClrLst/>
+    <dgm:txFillClrLst/>
+    <dgm:txEffectClrLst/>
+  </dgm:styleLbl>
+  <dgm:styleLbl name="asst2">
+    <dgm:fillClrLst>
+      <a:schemeClr val="accent4"/>
+    </dgm:fillClrLst>
+    <dgm:linClrLst meth="repeat">
+      <a:schemeClr val="lt1"/>
+    </dgm:linClrLst>
+    <dgm:effectClrLst/>
+    <dgm:txLinClrLst/>
+    <dgm:txFillClrLst/>
+    <dgm:txEffectClrLst/>
+  </dgm:styleLbl>
+  <dgm:styleLbl name="asst3">
+    <dgm:fillClrLst>
+      <a:schemeClr val="accent5"/>
+    </dgm:fillClrLst>
+    <dgm:linClrLst meth="repeat">
+      <a:schemeClr val="lt1"/>
+    </dgm:linClrLst>
+    <dgm:effectClrLst/>
+    <dgm:txLinClrLst/>
+    <dgm:txFillClrLst/>
+    <dgm:txEffectClrLst/>
+  </dgm:styleLbl>
+  <dgm:styleLbl name="asst4">
+    <dgm:fillClrLst>
+      <a:schemeClr val="accent6"/>
+    </dgm:fillClrLst>
+    <dgm:linClrLst meth="repeat">
+      <a:schemeClr val="lt1"/>
+    </dgm:linClrLst>
+    <dgm:effectClrLst/>
+    <dgm:txLinClrLst/>
+    <dgm:txFillClrLst/>
+    <dgm:txEffectClrLst/>
+  </dgm:styleLbl>
+  <dgm:styleLbl name="parChTrans2D1">
+    <dgm:fillClrLst meth="repeat">
+      <a:schemeClr val="accent2"/>
+    </dgm:fillClrLst>
+    <dgm:linClrLst meth="repeat">
+      <a:schemeClr val="lt1"/>
+    </dgm:linClrLst>
+    <dgm:effectClrLst/>
+    <dgm:txLinClrLst/>
+    <dgm:txFillClrLst meth="repeat">
+      <a:schemeClr val="lt1"/>
+    </dgm:txFillClrLst>
+    <dgm:txEffectClrLst/>
+  </dgm:styleLbl>
+  <dgm:styleLbl name="parChTrans2D2">
+    <dgm:fillClrLst meth="repeat">
+      <a:schemeClr val="accent3"/>
+    </dgm:fillClrLst>
+    <dgm:linClrLst meth="repeat">
+      <a:schemeClr val="lt1"/>
+    </dgm:linClrLst>
+    <dgm:effectClrLst/>
+    <dgm:txLinClrLst/>
+    <dgm:txFillClrLst/>
+    <dgm:txEffectClrLst/>
+  </dgm:styleLbl>
+  <dgm:styleLbl name="parChTrans2D3">
+    <dgm:fillClrLst meth="repeat">
+      <a:schemeClr val="accent4"/>
+    </dgm:fillClrLst>
+    <dgm:linClrLst meth="repeat">
+      <a:schemeClr val="lt1"/>
+    </dgm:linClrLst>
+    <dgm:effectClrLst/>
+    <dgm:txLinClrLst/>
+    <dgm:txFillClrLst/>
+    <dgm:txEffectClrLst/>
+  </dgm:styleLbl>
+  <dgm:styleLbl name="parChTrans2D4">
+    <dgm:fillClrLst meth="repeat">
+      <a:schemeClr val="accent5"/>
+    </dgm:fillClrLst>
+    <dgm:linClrLst meth="repeat">
+      <a:schemeClr val="lt1"/>
+    </dgm:linClrLst>
+    <dgm:effectClrLst/>
+    <dgm:txLinClrLst/>
+    <dgm:txFillClrLst meth="repeat">
+      <a:schemeClr val="lt1"/>
+    </dgm:txFillClrLst>
+    <dgm:txEffectClrLst/>
+  </dgm:styleLbl>
+  <dgm:styleLbl name="parChTrans1D1">
+    <dgm:fillClrLst meth="repeat">
+      <a:schemeClr val="accent2"/>
+    </dgm:fillClrLst>
+    <dgm:linClrLst meth="repeat">
+      <a:schemeClr val="accent2"/>
+    </dgm:linClrLst>
+    <dgm:effectClrLst/>
+    <dgm:txLinClrLst/>
+    <dgm:txFillClrLst meth="repeat">
+      <a:schemeClr val="tx1"/>
+    </dgm:txFillClrLst>
+    <dgm:txEffectClrLst/>
+  </dgm:styleLbl>
+  <dgm:styleLbl name="parChTrans1D2">
+    <dgm:fillClrLst meth="repeat">
+      <a:schemeClr val="accent2">
+        <a:tint val="90000"/>
+      </a:schemeClr>
+    </dgm:fillClrLst>
+    <dgm:linClrLst meth="repeat">
+      <a:schemeClr val="accent3"/>
+    </dgm:linClrLst>
+    <dgm:effectClrLst/>
+    <dgm:txLinClrLst/>
+    <dgm:txFillClrLst meth="repeat">
+      <a:schemeClr val="tx1"/>
+    </dgm:txFillClrLst>
+    <dgm:txEffectClrLst/>
+  </dgm:styleLbl>
+  <dgm:styleLbl name="parChTrans1D3">
+    <dgm:fillClrLst meth="repeat">
+      <a:schemeClr val="accent2">
+        <a:tint val="70000"/>
+      </a:schemeClr>
+    </dgm:fillClrLst>
+    <dgm:linClrLst meth="repeat">
+      <a:schemeClr val="accent4"/>
+    </dgm:linClrLst>
+    <dgm:effectClrLst/>
+    <dgm:txLinClrLst/>
+    <dgm:txFillClrLst meth="repeat">
+      <a:schemeClr val="tx1"/>
+    </dgm:txFillClrLst>
+    <dgm:txEffectClrLst/>
+  </dgm:styleLbl>
+  <dgm:styleLbl name="parChTrans1D4">
+    <dgm:fillClrLst meth="repeat">
+      <a:schemeClr val="accent2">
+        <a:tint val="50000"/>
+      </a:schemeClr>
+    </dgm:fillClrLst>
+    <dgm:linClrLst meth="repeat">
+      <a:schemeClr val="accent5"/>
+    </dgm:linClrLst>
+    <dgm:effectClrLst/>
+    <dgm:txLinClrLst/>
+    <dgm:txFillClrLst meth="repeat">
+      <a:schemeClr val="tx1"/>
+    </dgm:txFillClrLst>
+    <dgm:txEffectClrLst/>
+  </dgm:styleLbl>
+  <dgm:styleLbl name="fgAcc1">
+    <dgm:fillClrLst meth="repeat">
+      <a:schemeClr val="lt1">
+        <a:alpha val="90000"/>
+      </a:schemeClr>
+    </dgm:fillClrLst>
+    <dgm:linClrLst>
+      <a:schemeClr val="accent2"/>
+      <a:schemeClr val="accent3"/>
+    </dgm:linClrLst>
+    <dgm:effectClrLst/>
+    <dgm:txLinClrLst/>
+    <dgm:txFillClrLst meth="repeat">
+      <a:schemeClr val="dk1"/>
+    </dgm:txFillClrLst>
+    <dgm:txEffectClrLst/>
+  </dgm:styleLbl>
+  <dgm:styleLbl name="conFgAcc1">
+    <dgm:fillClrLst meth="repeat">
+      <a:schemeClr val="lt1">
+        <a:alpha val="90000"/>
+      </a:schemeClr>
+    </dgm:fillClrLst>
+    <dgm:linClrLst>
+      <a:schemeClr val="accent2"/>
+      <a:schemeClr val="accent3"/>
+    </dgm:linClrLst>
+    <dgm:effectClrLst/>
+    <dgm:txLinClrLst/>
+    <dgm:txFillClrLst meth="repeat">
+      <a:schemeClr val="dk1"/>
+    </dgm:txFillClrLst>
+    <dgm:txEffectClrLst/>
+  </dgm:styleLbl>
+  <dgm:styleLbl name="alignAcc1">
+    <dgm:fillClrLst meth="repeat">
+      <a:schemeClr val="lt1">
+        <a:alpha val="90000"/>
+      </a:schemeClr>
+    </dgm:fillClrLst>
+    <dgm:linClrLst>
+      <a:schemeClr val="accent2"/>
+      <a:schemeClr val="accent3"/>
+    </dgm:linClrLst>
+    <dgm:effectClrLst/>
+    <dgm:txLinClrLst/>
+    <dgm:txFillClrLst meth="repeat">
+      <a:schemeClr val="dk1"/>
+    </dgm:txFillClrLst>
+    <dgm:txEffectClrLst/>
+  </dgm:styleLbl>
+  <dgm:styleLbl name="trAlignAcc1">
+    <dgm:fillClrLst meth="repeat">
+      <a:schemeClr val="lt1">
+        <a:alpha val="40000"/>
+      </a:schemeClr>
+    </dgm:fillClrLst>
+    <dgm:linClrLst meth="repeat">
+      <a:schemeClr val="accent2"/>
+    </dgm:linClrLst>
+    <dgm:effectClrLst/>
+    <dgm:txLinClrLst/>
+    <dgm:txFillClrLst meth="repeat">
+      <a:schemeClr val="dk1"/>
+    </dgm:txFillClrLst>
+    <dgm:txEffectClrLst/>
+  </dgm:styleLbl>
+  <dgm:styleLbl name="bgAcc1">
+    <dgm:fillClrLst meth="repeat">
+      <a:schemeClr val="lt1">
+        <a:alpha val="90000"/>
+      </a:schemeClr>
+    </dgm:fillClrLst>
+    <dgm:linClrLst>
+      <a:schemeClr val="accent2"/>
+      <a:schemeClr val="accent3"/>
+    </dgm:linClrLst>
+    <dgm:effectClrLst/>
+    <dgm:txLinClrLst/>
+    <dgm:txFillClrLst meth="repeat">
+      <a:schemeClr val="dk1"/>
+    </dgm:txFillClrLst>
+    <dgm:txEffectClrLst/>
+  </dgm:styleLbl>
+  <dgm:styleLbl name="solidFgAcc1">
+    <dgm:fillClrLst meth="repeat">
+      <a:schemeClr val="lt1"/>
+    </dgm:fillClrLst>
+    <dgm:linClrLst>
+      <a:schemeClr val="accent2"/>
+      <a:schemeClr val="accent3"/>
+    </dgm:linClrLst>
+    <dgm:effectClrLst/>
+    <dgm:txLinClrLst/>
+    <dgm:txFillClrLst meth="repeat">
+      <a:schemeClr val="dk1"/>
+    </dgm:txFillClrLst>
+    <dgm:txEffectClrLst/>
+  </dgm:styleLbl>
+  <dgm:styleLbl name="solidAlignAcc1">
+    <dgm:fillClrLst meth="repeat">
+      <a:schemeClr val="lt1"/>
+    </dgm:fillClrLst>
+    <dgm:linClrLst>
+      <a:schemeClr val="accent2"/>
+      <a:schemeClr val="accent3"/>
+    </dgm:linClrLst>
+    <dgm:effectClrLst/>
+    <dgm:txLinClrLst/>
+    <dgm:txFillClrLst meth="repeat">
+      <a:schemeClr val="dk1"/>
+    </dgm:txFillClrLst>
+    <dgm:txEffectClrLst/>
+  </dgm:styleLbl>
+  <dgm:styleLbl name="solidBgAcc1">
+    <dgm:fillClrLst meth="repeat">
+      <a:schemeClr val="lt1"/>
+    </dgm:fillClrLst>
+    <dgm:linClrLst>
+      <a:schemeClr val="accent2"/>
+      <a:schemeClr val="accent3"/>
+    </dgm:linClrLst>
+    <dgm:effectClrLst/>
+    <dgm:txLinClrLst/>
+    <dgm:txFillClrLst meth="repeat">
+      <a:schemeClr val="dk1"/>
+    </dgm:txFillClrLst>
+    <dgm:txEffectClrLst/>
+  </dgm:styleLbl>
+  <dgm:styleLbl name="fgAccFollowNode1">
+    <dgm:fillClrLst>
+      <a:schemeClr val="accent2">
+        <a:tint val="40000"/>
+        <a:alpha val="90000"/>
+      </a:schemeClr>
+      <a:schemeClr val="accent3">
+        <a:tint val="40000"/>
+        <a:alpha val="90000"/>
+      </a:schemeClr>
+    </dgm:fillClrLst>
+    <dgm:linClrLst>
+      <a:schemeClr val="accent2">
+        <a:tint val="40000"/>
+        <a:alpha val="90000"/>
+      </a:schemeClr>
+      <a:schemeClr val="accent3">
+        <a:tint val="40000"/>
+        <a:alpha val="90000"/>
+      </a:schemeClr>
+    </dgm:linClrLst>
+    <dgm:effectClrLst/>
+    <dgm:txLinClrLst/>
+    <dgm:txFillClrLst meth="repeat">
+      <a:schemeClr val="dk1"/>
+    </dgm:txFillClrLst>
+    <dgm:txEffectClrLst/>
+  </dgm:styleLbl>
+  <dgm:styleLbl name="alignAccFollowNode1">
+    <dgm:fillClrLst>
+      <a:schemeClr val="accent2">
+        <a:tint val="40000"/>
+        <a:alpha val="90000"/>
+      </a:schemeClr>
+      <a:schemeClr val="accent3">
+        <a:tint val="40000"/>
+        <a:alpha val="90000"/>
+      </a:schemeClr>
+    </dgm:fillClrLst>
+    <dgm:linClrLst>
+      <a:schemeClr val="accent2">
+        <a:tint val="40000"/>
+        <a:alpha val="90000"/>
+      </a:schemeClr>
+      <a:schemeClr val="accent3">
+        <a:tint val="40000"/>
+        <a:alpha val="90000"/>
+      </a:schemeClr>
+    </dgm:linClrLst>
+    <dgm:effectClrLst/>
+    <dgm:txLinClrLst/>
+    <dgm:txFillClrLst meth="repeat">
+      <a:schemeClr val="dk1"/>
+    </dgm:txFillClrLst>
+    <dgm:txEffectClrLst/>
+  </dgm:styleLbl>
+  <dgm:styleLbl name="bgAccFollowNode1">
+    <dgm:fillClrLst>
+      <a:schemeClr val="accent2">
+        <a:tint val="40000"/>
+        <a:alpha val="90000"/>
+      </a:schemeClr>
+      <a:schemeClr val="accent3">
+        <a:tint val="40000"/>
+        <a:alpha val="90000"/>
+      </a:schemeClr>
+    </dgm:fillClrLst>
+    <dgm:linClrLst>
+      <a:schemeClr val="accent2">
+        <a:tint val="40000"/>
+        <a:alpha val="90000"/>
+      </a:schemeClr>
+      <a:schemeClr val="accent3">
+        <a:tint val="40000"/>
+        <a:alpha val="90000"/>
+      </a:schemeClr>
+    </dgm:linClrLst>
+    <dgm:effectClrLst/>
+    <dgm:txLinClrLst/>
+    <dgm:txFillClrLst meth="repeat">
+      <a:schemeClr val="dk1"/>
+    </dgm:txFillClrLst>
+    <dgm:txEffectClrLst/>
+  </dgm:styleLbl>
+  <dgm:styleLbl name="fgAcc0">
+    <dgm:fillClrLst meth="repeat">
+      <a:schemeClr val="lt1">
+        <a:alpha val="90000"/>
+      </a:schemeClr>
+    </dgm:fillClrLst>
+    <dgm:linClrLst>
+      <a:schemeClr val="accent1"/>
+    </dgm:linClrLst>
+    <dgm:effectClrLst/>
+    <dgm:txLinClrLst/>
+    <dgm:txFillClrLst meth="repeat">
+      <a:schemeClr val="dk1"/>
+    </dgm:txFillClrLst>
+    <dgm:txEffectClrLst/>
+  </dgm:styleLbl>
+  <dgm:styleLbl name="fgAcc2">
+    <dgm:fillClrLst meth="repeat">
+      <a:schemeClr val="lt1">
+        <a:alpha val="90000"/>
+      </a:schemeClr>
+    </dgm:fillClrLst>
+    <dgm:linClrLst>
+      <a:schemeClr val="accent3"/>
+    </dgm:linClrLst>
+    <dgm:effectClrLst/>
+    <dgm:txLinClrLst/>
+    <dgm:txFillClrLst meth="repeat">
+      <a:schemeClr val="dk1"/>
+    </dgm:txFillClrLst>
+    <dgm:txEffectClrLst/>
+  </dgm:styleLbl>
+  <dgm:styleLbl name="fgAcc3">
+    <dgm:fillClrLst meth="repeat">
+      <a:schemeClr val="lt1">
+        <a:alpha val="90000"/>
+      </a:schemeClr>
+    </dgm:fillClrLst>
+    <dgm:linClrLst>
+      <a:schemeClr val="accent4"/>
+    </dgm:linClrLst>
+    <dgm:effectClrLst/>
+    <dgm:txLinClrLst/>
+    <dgm:txFillClrLst meth="repeat">
+      <a:schemeClr val="dk1"/>
+    </dgm:txFillClrLst>
+    <dgm:txEffectClrLst/>
+  </dgm:styleLbl>
+  <dgm:styleLbl name="fgAcc4">
+    <dgm:fillClrLst meth="repeat">
+      <a:schemeClr val="lt1">
+        <a:alpha val="90000"/>
+      </a:schemeClr>
+    </dgm:fillClrLst>
+    <dgm:linClrLst>
+      <a:schemeClr val="accent5"/>
+    </dgm:linClrLst>
+    <dgm:effectClrLst/>
+    <dgm:txLinClrLst/>
+    <dgm:txFillClrLst meth="repeat">
+      <a:schemeClr val="dk1"/>
+    </dgm:txFillClrLst>
+    <dgm:txEffectClrLst/>
+  </dgm:styleLbl>
+  <dgm:styleLbl name="bgShp">
+    <dgm:fillClrLst meth="repeat">
+      <a:schemeClr val="accent2">
+        <a:tint val="40000"/>
+      </a:schemeClr>
+    </dgm:fillClrLst>
+    <dgm:linClrLst meth="repeat">
+      <a:schemeClr val="dk1"/>
+    </dgm:linClrLst>
+    <dgm:effectClrLst/>
+    <dgm:txLinClrLst/>
+    <dgm:txFillClrLst meth="repeat">
+      <a:schemeClr val="dk1"/>
+    </dgm:txFillClrLst>
+    <dgm:txEffectClrLst/>
+  </dgm:styleLbl>
+  <dgm:styleLbl name="dkBgShp">
+    <dgm:fillClrLst meth="repeat">
+      <a:schemeClr val="accent2">
+        <a:shade val="90000"/>
+      </a:schemeClr>
+    </dgm:fillClrLst>
+    <dgm:linClrLst meth="repeat">
+      <a:schemeClr val="dk1"/>
+    </dgm:linClrLst>
+    <dgm:effectClrLst/>
+    <dgm:txLinClrLst/>
+    <dgm:txFillClrLst meth="repeat">
+      <a:schemeClr val="lt1"/>
+    </dgm:txFillClrLst>
+    <dgm:txEffectClrLst/>
+  </dgm:styleLbl>
+  <dgm:styleLbl name="trBgShp">
+    <dgm:fillClrLst meth="repeat">
+      <a:schemeClr val="accent2">
+        <a:tint val="50000"/>
+        <a:alpha val="40000"/>
+      </a:schemeClr>
+    </dgm:fillClrLst>
+    <dgm:linClrLst meth="repeat">
+      <a:schemeClr val="accent2"/>
+    </dgm:linClrLst>
+    <dgm:effectClrLst/>
+    <dgm:txLinClrLst/>
+    <dgm:txFillClrLst meth="repeat">
+      <a:schemeClr val="lt1"/>
+    </dgm:txFillClrLst>
+    <dgm:txEffectClrLst/>
+  </dgm:styleLbl>
+  <dgm:styleLbl name="fgShp">
+    <dgm:fillClrLst meth="repeat">
+      <a:schemeClr val="accent2">
+        <a:tint val="40000"/>
+      </a:schemeClr>
+    </dgm:fillClrLst>
+    <dgm:linClrLst meth="repeat">
+      <a:schemeClr val="lt1"/>
+    </dgm:linClrLst>
+    <dgm:effectClrLst/>
+    <dgm:txLinClrLst/>
+    <dgm:txFillClrLst meth="repeat">
+      <a:schemeClr val="dk1"/>
+    </dgm:txFillClrLst>
+    <dgm:txEffectClrLst/>
+  </dgm:styleLbl>
+  <dgm:styleLbl name="revTx">
+    <dgm:fillClrLst meth="repeat">
+      <a:schemeClr val="lt1">
+        <a:alpha val="0"/>
+      </a:schemeClr>
+    </dgm:fillClrLst>
+    <dgm:linClrLst meth="repeat">
+      <a:schemeClr val="dk1">
+        <a:alpha val="0"/>
+      </a:schemeClr>
+    </dgm:linClrLst>
+    <dgm:effectClrLst/>
+    <dgm:txLinClrLst/>
+    <dgm:txFillClrLst meth="repeat">
+      <a:schemeClr val="tx1"/>
+    </dgm:txFillClrLst>
+    <dgm:txEffectClrLst/>
+  </dgm:styleLbl>
+</dgm:colorsDef>
+</file>
+
+<file path=ppt/diagrams/data1.xml><?xml version="1.0" encoding="utf-8"?>
+<dgm:dataModel xmlns:dgm="http://schemas.openxmlformats.org/drawingml/2006/diagram" xmlns:a="http://schemas.openxmlformats.org/drawingml/2006/main">
+  <dgm:ptLst>
+    <dgm:pt modelId="{EAE55BE3-1DBD-4805-BA07-F888157FA08C}" type="doc">
+      <dgm:prSet loTypeId="urn:microsoft.com/office/officeart/2016/7/layout/LinearBlockProcessNumbered" loCatId="process" qsTypeId="urn:microsoft.com/office/officeart/2005/8/quickstyle/simple4" qsCatId="simple" csTypeId="urn:microsoft.com/office/officeart/2005/8/colors/colorful2" csCatId="colorful"/>
+      <dgm:spPr/>
+      <dgm:t>
+        <a:bodyPr/>
+        <a:lstStyle/>
+        <a:p>
+          <a:endParaRPr lang="en-US"/>
+        </a:p>
+      </dgm:t>
+    </dgm:pt>
+    <dgm:pt modelId="{0C2543A4-036D-4F32-AA33-EC2982AE3DAE}">
+      <dgm:prSet/>
+      <dgm:spPr/>
+      <dgm:t>
+        <a:bodyPr/>
+        <a:lstStyle/>
+        <a:p>
+          <a:r>
+            <a:rPr lang="en-AU"/>
+            <a:t>Understand the objectives and structure of this unit</a:t>
+          </a:r>
+          <a:endParaRPr lang="en-US"/>
+        </a:p>
+      </dgm:t>
+    </dgm:pt>
+    <dgm:pt modelId="{C6F814DB-4266-42CD-B6C9-665759BE333B}" type="parTrans" cxnId="{BA502309-51EF-4B4B-BF80-1573A6AE39BD}">
+      <dgm:prSet/>
+      <dgm:spPr/>
+      <dgm:t>
+        <a:bodyPr/>
+        <a:lstStyle/>
+        <a:p>
+          <a:endParaRPr lang="en-US"/>
+        </a:p>
+      </dgm:t>
+    </dgm:pt>
+    <dgm:pt modelId="{31AD1D09-B8F7-4697-91F8-72B429AA540B}" type="sibTrans" cxnId="{BA502309-51EF-4B4B-BF80-1573A6AE39BD}">
+      <dgm:prSet phldrT="01" phldr="0"/>
+      <dgm:spPr/>
+      <dgm:t>
+        <a:bodyPr/>
+        <a:lstStyle/>
+        <a:p>
+          <a:r>
+            <a:rPr lang="en-US"/>
+            <a:t>01</a:t>
+          </a:r>
+        </a:p>
+      </dgm:t>
+    </dgm:pt>
+    <dgm:pt modelId="{1813DF02-F4AA-417C-90F2-F9A9F3284972}">
+      <dgm:prSet/>
+      <dgm:spPr/>
+      <dgm:t>
+        <a:bodyPr/>
+        <a:lstStyle/>
+        <a:p>
+          <a:r>
+            <a:rPr lang="en-AU"/>
+            <a:t>Understand the technical requirements and role of the practical component</a:t>
+          </a:r>
+          <a:endParaRPr lang="en-US"/>
+        </a:p>
+      </dgm:t>
+    </dgm:pt>
+    <dgm:pt modelId="{C7868A53-7101-40F7-A618-1EA4F50114A5}" type="parTrans" cxnId="{E71FC0A8-5DB2-4504-A450-61775D204F55}">
+      <dgm:prSet/>
+      <dgm:spPr/>
+      <dgm:t>
+        <a:bodyPr/>
+        <a:lstStyle/>
+        <a:p>
+          <a:endParaRPr lang="en-US"/>
+        </a:p>
+      </dgm:t>
+    </dgm:pt>
+    <dgm:pt modelId="{DFB9D784-0E08-430C-B460-DB32834D5E2D}" type="sibTrans" cxnId="{E71FC0A8-5DB2-4504-A450-61775D204F55}">
+      <dgm:prSet phldrT="02" phldr="0"/>
+      <dgm:spPr/>
+      <dgm:t>
+        <a:bodyPr/>
+        <a:lstStyle/>
+        <a:p>
+          <a:r>
+            <a:rPr lang="en-US"/>
+            <a:t>02</a:t>
+          </a:r>
+        </a:p>
+      </dgm:t>
+    </dgm:pt>
+    <dgm:pt modelId="{5A2035BA-59ED-41B7-B3D5-F6661DA6294A}">
+      <dgm:prSet/>
+      <dgm:spPr/>
+      <dgm:t>
+        <a:bodyPr/>
+        <a:lstStyle/>
+        <a:p>
+          <a:r>
+            <a:rPr lang="en-AU"/>
+            <a:t>Understand the “rules” or ethics of cybersecurity and this unit</a:t>
+          </a:r>
+          <a:endParaRPr lang="en-US"/>
+        </a:p>
+      </dgm:t>
+    </dgm:pt>
+    <dgm:pt modelId="{D9FA2F78-3F92-4DCB-AE53-BF016578390C}" type="parTrans" cxnId="{02983F95-F871-4C38-A0E9-D53446C8865A}">
+      <dgm:prSet/>
+      <dgm:spPr/>
+      <dgm:t>
+        <a:bodyPr/>
+        <a:lstStyle/>
+        <a:p>
+          <a:endParaRPr lang="en-US"/>
+        </a:p>
+      </dgm:t>
+    </dgm:pt>
+    <dgm:pt modelId="{5F68298B-3382-4F45-97D1-FA94FC8397F1}" type="sibTrans" cxnId="{02983F95-F871-4C38-A0E9-D53446C8865A}">
+      <dgm:prSet phldrT="03" phldr="0"/>
+      <dgm:spPr/>
+      <dgm:t>
+        <a:bodyPr/>
+        <a:lstStyle/>
+        <a:p>
+          <a:r>
+            <a:rPr lang="en-US"/>
+            <a:t>03</a:t>
+          </a:r>
+        </a:p>
+      </dgm:t>
+    </dgm:pt>
+    <dgm:pt modelId="{05AB82BC-90FF-0D4D-87AC-F19867583248}" type="pres">
+      <dgm:prSet presAssocID="{EAE55BE3-1DBD-4805-BA07-F888157FA08C}" presName="Name0" presStyleCnt="0">
+        <dgm:presLayoutVars>
+          <dgm:animLvl val="lvl"/>
+          <dgm:resizeHandles val="exact"/>
+        </dgm:presLayoutVars>
+      </dgm:prSet>
+      <dgm:spPr/>
+    </dgm:pt>
+    <dgm:pt modelId="{874F1E2E-8953-A849-8CCD-B27A545D14F0}" type="pres">
+      <dgm:prSet presAssocID="{0C2543A4-036D-4F32-AA33-EC2982AE3DAE}" presName="compositeNode" presStyleCnt="0">
+        <dgm:presLayoutVars>
+          <dgm:bulletEnabled val="1"/>
+        </dgm:presLayoutVars>
+      </dgm:prSet>
+      <dgm:spPr/>
+    </dgm:pt>
+    <dgm:pt modelId="{DA6CB1C2-FEED-7E44-B3B0-483FFE843027}" type="pres">
+      <dgm:prSet presAssocID="{0C2543A4-036D-4F32-AA33-EC2982AE3DAE}" presName="bgRect" presStyleLbl="alignNode1" presStyleIdx="0" presStyleCnt="3"/>
+      <dgm:spPr/>
+    </dgm:pt>
+    <dgm:pt modelId="{45450710-1DEA-6A4D-A047-F1DB159DCD43}" type="pres">
+      <dgm:prSet presAssocID="{31AD1D09-B8F7-4697-91F8-72B429AA540B}" presName="sibTransNodeRect" presStyleLbl="alignNode1" presStyleIdx="0" presStyleCnt="3">
+        <dgm:presLayoutVars>
+          <dgm:chMax val="0"/>
+          <dgm:bulletEnabled val="1"/>
+        </dgm:presLayoutVars>
+      </dgm:prSet>
+      <dgm:spPr/>
+    </dgm:pt>
+    <dgm:pt modelId="{DBEC1E7C-61B8-9C45-B519-CA1696A20037}" type="pres">
+      <dgm:prSet presAssocID="{0C2543A4-036D-4F32-AA33-EC2982AE3DAE}" presName="nodeRect" presStyleLbl="alignNode1" presStyleIdx="0" presStyleCnt="3">
+        <dgm:presLayoutVars>
+          <dgm:bulletEnabled val="1"/>
+        </dgm:presLayoutVars>
+      </dgm:prSet>
+      <dgm:spPr/>
+    </dgm:pt>
+    <dgm:pt modelId="{C4A5A155-9750-D749-82B6-495D61C51423}" type="pres">
+      <dgm:prSet presAssocID="{31AD1D09-B8F7-4697-91F8-72B429AA540B}" presName="sibTrans" presStyleCnt="0"/>
+      <dgm:spPr/>
+    </dgm:pt>
+    <dgm:pt modelId="{22D71C53-EE09-0D40-966E-DCF2D145834E}" type="pres">
+      <dgm:prSet presAssocID="{1813DF02-F4AA-417C-90F2-F9A9F3284972}" presName="compositeNode" presStyleCnt="0">
+        <dgm:presLayoutVars>
+          <dgm:bulletEnabled val="1"/>
+        </dgm:presLayoutVars>
+      </dgm:prSet>
+      <dgm:spPr/>
+    </dgm:pt>
+    <dgm:pt modelId="{40031D7F-9BDA-2944-8078-AD85E9FF92D7}" type="pres">
+      <dgm:prSet presAssocID="{1813DF02-F4AA-417C-90F2-F9A9F3284972}" presName="bgRect" presStyleLbl="alignNode1" presStyleIdx="1" presStyleCnt="3"/>
+      <dgm:spPr/>
+    </dgm:pt>
+    <dgm:pt modelId="{0C9B0EE7-B943-D74A-AE60-A9970E75E8FE}" type="pres">
+      <dgm:prSet presAssocID="{DFB9D784-0E08-430C-B460-DB32834D5E2D}" presName="sibTransNodeRect" presStyleLbl="alignNode1" presStyleIdx="1" presStyleCnt="3">
+        <dgm:presLayoutVars>
+          <dgm:chMax val="0"/>
+          <dgm:bulletEnabled val="1"/>
+        </dgm:presLayoutVars>
+      </dgm:prSet>
+      <dgm:spPr/>
+    </dgm:pt>
+    <dgm:pt modelId="{C0C6040A-4A96-0844-A0A2-29C21B8CB8A0}" type="pres">
+      <dgm:prSet presAssocID="{1813DF02-F4AA-417C-90F2-F9A9F3284972}" presName="nodeRect" presStyleLbl="alignNode1" presStyleIdx="1" presStyleCnt="3">
+        <dgm:presLayoutVars>
+          <dgm:bulletEnabled val="1"/>
+        </dgm:presLayoutVars>
+      </dgm:prSet>
+      <dgm:spPr/>
+    </dgm:pt>
+    <dgm:pt modelId="{C86141E3-1561-D146-B199-B1A579FB58C1}" type="pres">
+      <dgm:prSet presAssocID="{DFB9D784-0E08-430C-B460-DB32834D5E2D}" presName="sibTrans" presStyleCnt="0"/>
+      <dgm:spPr/>
+    </dgm:pt>
+    <dgm:pt modelId="{25817A9F-DBB9-1E47-AE43-7719A592624C}" type="pres">
+      <dgm:prSet presAssocID="{5A2035BA-59ED-41B7-B3D5-F6661DA6294A}" presName="compositeNode" presStyleCnt="0">
+        <dgm:presLayoutVars>
+          <dgm:bulletEnabled val="1"/>
+        </dgm:presLayoutVars>
+      </dgm:prSet>
+      <dgm:spPr/>
+    </dgm:pt>
+    <dgm:pt modelId="{C5631D8A-0FB4-6342-BF5D-EB1703C93789}" type="pres">
+      <dgm:prSet presAssocID="{5A2035BA-59ED-41B7-B3D5-F6661DA6294A}" presName="bgRect" presStyleLbl="alignNode1" presStyleIdx="2" presStyleCnt="3"/>
+      <dgm:spPr/>
+    </dgm:pt>
+    <dgm:pt modelId="{4910555F-C4BA-3645-8B1F-CF70B02616F5}" type="pres">
+      <dgm:prSet presAssocID="{5F68298B-3382-4F45-97D1-FA94FC8397F1}" presName="sibTransNodeRect" presStyleLbl="alignNode1" presStyleIdx="2" presStyleCnt="3">
+        <dgm:presLayoutVars>
+          <dgm:chMax val="0"/>
+          <dgm:bulletEnabled val="1"/>
+        </dgm:presLayoutVars>
+      </dgm:prSet>
+      <dgm:spPr/>
+    </dgm:pt>
+    <dgm:pt modelId="{055FD308-5585-A84A-9089-1BF2880A1880}" type="pres">
+      <dgm:prSet presAssocID="{5A2035BA-59ED-41B7-B3D5-F6661DA6294A}" presName="nodeRect" presStyleLbl="alignNode1" presStyleIdx="2" presStyleCnt="3">
+        <dgm:presLayoutVars>
+          <dgm:bulletEnabled val="1"/>
+        </dgm:presLayoutVars>
+      </dgm:prSet>
+      <dgm:spPr/>
+    </dgm:pt>
+  </dgm:ptLst>
+  <dgm:cxnLst>
+    <dgm:cxn modelId="{BA502309-51EF-4B4B-BF80-1573A6AE39BD}" srcId="{EAE55BE3-1DBD-4805-BA07-F888157FA08C}" destId="{0C2543A4-036D-4F32-AA33-EC2982AE3DAE}" srcOrd="0" destOrd="0" parTransId="{C6F814DB-4266-42CD-B6C9-665759BE333B}" sibTransId="{31AD1D09-B8F7-4697-91F8-72B429AA540B}"/>
+    <dgm:cxn modelId="{B7EC041C-60F9-F34E-9998-E3F7BE44D0E8}" type="presOf" srcId="{0C2543A4-036D-4F32-AA33-EC2982AE3DAE}" destId="{DA6CB1C2-FEED-7E44-B3B0-483FFE843027}" srcOrd="0" destOrd="0" presId="urn:microsoft.com/office/officeart/2016/7/layout/LinearBlockProcessNumbered"/>
+    <dgm:cxn modelId="{D4AA1D35-2910-684D-BE2E-F674F1310647}" type="presOf" srcId="{31AD1D09-B8F7-4697-91F8-72B429AA540B}" destId="{45450710-1DEA-6A4D-A047-F1DB159DCD43}" srcOrd="0" destOrd="0" presId="urn:microsoft.com/office/officeart/2016/7/layout/LinearBlockProcessNumbered"/>
+    <dgm:cxn modelId="{3FC38352-554B-4B46-AF5E-B30006D35602}" type="presOf" srcId="{1813DF02-F4AA-417C-90F2-F9A9F3284972}" destId="{40031D7F-9BDA-2944-8078-AD85E9FF92D7}" srcOrd="0" destOrd="0" presId="urn:microsoft.com/office/officeart/2016/7/layout/LinearBlockProcessNumbered"/>
+    <dgm:cxn modelId="{DC69675E-CB97-AD43-B693-0F230814357A}" type="presOf" srcId="{DFB9D784-0E08-430C-B460-DB32834D5E2D}" destId="{0C9B0EE7-B943-D74A-AE60-A9970E75E8FE}" srcOrd="0" destOrd="0" presId="urn:microsoft.com/office/officeart/2016/7/layout/LinearBlockProcessNumbered"/>
+    <dgm:cxn modelId="{8549C56E-DDB2-E249-A132-5A3A1F19142B}" type="presOf" srcId="{5F68298B-3382-4F45-97D1-FA94FC8397F1}" destId="{4910555F-C4BA-3645-8B1F-CF70B02616F5}" srcOrd="0" destOrd="0" presId="urn:microsoft.com/office/officeart/2016/7/layout/LinearBlockProcessNumbered"/>
+    <dgm:cxn modelId="{5E01F78A-4C2A-6540-B71F-7D5BC48B4F03}" type="presOf" srcId="{5A2035BA-59ED-41B7-B3D5-F6661DA6294A}" destId="{055FD308-5585-A84A-9089-1BF2880A1880}" srcOrd="1" destOrd="0" presId="urn:microsoft.com/office/officeart/2016/7/layout/LinearBlockProcessNumbered"/>
+    <dgm:cxn modelId="{BA0A8A8E-695B-4444-945E-00376938A138}" type="presOf" srcId="{0C2543A4-036D-4F32-AA33-EC2982AE3DAE}" destId="{DBEC1E7C-61B8-9C45-B519-CA1696A20037}" srcOrd="1" destOrd="0" presId="urn:microsoft.com/office/officeart/2016/7/layout/LinearBlockProcessNumbered"/>
+    <dgm:cxn modelId="{82E22090-E23F-E54E-A7F7-767FEA0A5E06}" type="presOf" srcId="{1813DF02-F4AA-417C-90F2-F9A9F3284972}" destId="{C0C6040A-4A96-0844-A0A2-29C21B8CB8A0}" srcOrd="1" destOrd="0" presId="urn:microsoft.com/office/officeart/2016/7/layout/LinearBlockProcessNumbered"/>
+    <dgm:cxn modelId="{02983F95-F871-4C38-A0E9-D53446C8865A}" srcId="{EAE55BE3-1DBD-4805-BA07-F888157FA08C}" destId="{5A2035BA-59ED-41B7-B3D5-F6661DA6294A}" srcOrd="2" destOrd="0" parTransId="{D9FA2F78-3F92-4DCB-AE53-BF016578390C}" sibTransId="{5F68298B-3382-4F45-97D1-FA94FC8397F1}"/>
+    <dgm:cxn modelId="{8F0D3898-B4FE-5F4C-8B68-0D07990113F6}" type="presOf" srcId="{5A2035BA-59ED-41B7-B3D5-F6661DA6294A}" destId="{C5631D8A-0FB4-6342-BF5D-EB1703C93789}" srcOrd="0" destOrd="0" presId="urn:microsoft.com/office/officeart/2016/7/layout/LinearBlockProcessNumbered"/>
+    <dgm:cxn modelId="{C212DCA7-C7FC-904F-B011-3E21B83672DA}" type="presOf" srcId="{EAE55BE3-1DBD-4805-BA07-F888157FA08C}" destId="{05AB82BC-90FF-0D4D-87AC-F19867583248}" srcOrd="0" destOrd="0" presId="urn:microsoft.com/office/officeart/2016/7/layout/LinearBlockProcessNumbered"/>
+    <dgm:cxn modelId="{E71FC0A8-5DB2-4504-A450-61775D204F55}" srcId="{EAE55BE3-1DBD-4805-BA07-F888157FA08C}" destId="{1813DF02-F4AA-417C-90F2-F9A9F3284972}" srcOrd="1" destOrd="0" parTransId="{C7868A53-7101-40F7-A618-1EA4F50114A5}" sibTransId="{DFB9D784-0E08-430C-B460-DB32834D5E2D}"/>
+    <dgm:cxn modelId="{01499712-2E16-8E4F-8CC4-BF6C341FD6B1}" type="presParOf" srcId="{05AB82BC-90FF-0D4D-87AC-F19867583248}" destId="{874F1E2E-8953-A849-8CCD-B27A545D14F0}" srcOrd="0" destOrd="0" presId="urn:microsoft.com/office/officeart/2016/7/layout/LinearBlockProcessNumbered"/>
+    <dgm:cxn modelId="{C5AF34AE-0D52-EA4A-9948-C66354F6F62F}" type="presParOf" srcId="{874F1E2E-8953-A849-8CCD-B27A545D14F0}" destId="{DA6CB1C2-FEED-7E44-B3B0-483FFE843027}" srcOrd="0" destOrd="0" presId="urn:microsoft.com/office/officeart/2016/7/layout/LinearBlockProcessNumbered"/>
+    <dgm:cxn modelId="{46573B25-D44D-B34A-8C48-90A0FF4FF3AA}" type="presParOf" srcId="{874F1E2E-8953-A849-8CCD-B27A545D14F0}" destId="{45450710-1DEA-6A4D-A047-F1DB159DCD43}" srcOrd="1" destOrd="0" presId="urn:microsoft.com/office/officeart/2016/7/layout/LinearBlockProcessNumbered"/>
+    <dgm:cxn modelId="{BA22D4CB-CE5C-DF4B-8B98-7A98CEA87A31}" type="presParOf" srcId="{874F1E2E-8953-A849-8CCD-B27A545D14F0}" destId="{DBEC1E7C-61B8-9C45-B519-CA1696A20037}" srcOrd="2" destOrd="0" presId="urn:microsoft.com/office/officeart/2016/7/layout/LinearBlockProcessNumbered"/>
+    <dgm:cxn modelId="{A218C333-ED33-0C43-B4E5-41FDE443A38E}" type="presParOf" srcId="{05AB82BC-90FF-0D4D-87AC-F19867583248}" destId="{C4A5A155-9750-D749-82B6-495D61C51423}" srcOrd="1" destOrd="0" presId="urn:microsoft.com/office/officeart/2016/7/layout/LinearBlockProcessNumbered"/>
+    <dgm:cxn modelId="{A19D02B3-16E8-9A48-883F-C323640FF0D3}" type="presParOf" srcId="{05AB82BC-90FF-0D4D-87AC-F19867583248}" destId="{22D71C53-EE09-0D40-966E-DCF2D145834E}" srcOrd="2" destOrd="0" presId="urn:microsoft.com/office/officeart/2016/7/layout/LinearBlockProcessNumbered"/>
+    <dgm:cxn modelId="{99B4601E-2B7D-C34C-ADF0-69097E1E3AD4}" type="presParOf" srcId="{22D71C53-EE09-0D40-966E-DCF2D145834E}" destId="{40031D7F-9BDA-2944-8078-AD85E9FF92D7}" srcOrd="0" destOrd="0" presId="urn:microsoft.com/office/officeart/2016/7/layout/LinearBlockProcessNumbered"/>
+    <dgm:cxn modelId="{6E027E5E-9458-3247-971F-C58A15B8D659}" type="presParOf" srcId="{22D71C53-EE09-0D40-966E-DCF2D145834E}" destId="{0C9B0EE7-B943-D74A-AE60-A9970E75E8FE}" srcOrd="1" destOrd="0" presId="urn:microsoft.com/office/officeart/2016/7/layout/LinearBlockProcessNumbered"/>
+    <dgm:cxn modelId="{92CC35AA-3B18-A84E-9677-7F5C53C3AFD2}" type="presParOf" srcId="{22D71C53-EE09-0D40-966E-DCF2D145834E}" destId="{C0C6040A-4A96-0844-A0A2-29C21B8CB8A0}" srcOrd="2" destOrd="0" presId="urn:microsoft.com/office/officeart/2016/7/layout/LinearBlockProcessNumbered"/>
+    <dgm:cxn modelId="{48994B2E-D900-1144-86C9-D1C630BFEE52}" type="presParOf" srcId="{05AB82BC-90FF-0D4D-87AC-F19867583248}" destId="{C86141E3-1561-D146-B199-B1A579FB58C1}" srcOrd="3" destOrd="0" presId="urn:microsoft.com/office/officeart/2016/7/layout/LinearBlockProcessNumbered"/>
+    <dgm:cxn modelId="{F8CB255E-8C70-C246-868D-E11827B1A731}" type="presParOf" srcId="{05AB82BC-90FF-0D4D-87AC-F19867583248}" destId="{25817A9F-DBB9-1E47-AE43-7719A592624C}" srcOrd="4" destOrd="0" presId="urn:microsoft.com/office/officeart/2016/7/layout/LinearBlockProcessNumbered"/>
+    <dgm:cxn modelId="{1B0B3500-433A-B440-A291-5169B24AD087}" type="presParOf" srcId="{25817A9F-DBB9-1E47-AE43-7719A592624C}" destId="{C5631D8A-0FB4-6342-BF5D-EB1703C93789}" srcOrd="0" destOrd="0" presId="urn:microsoft.com/office/officeart/2016/7/layout/LinearBlockProcessNumbered"/>
+    <dgm:cxn modelId="{6E11A356-A6D2-AC4B-8842-7F8FB4B5CFCA}" type="presParOf" srcId="{25817A9F-DBB9-1E47-AE43-7719A592624C}" destId="{4910555F-C4BA-3645-8B1F-CF70B02616F5}" srcOrd="1" destOrd="0" presId="urn:microsoft.com/office/officeart/2016/7/layout/LinearBlockProcessNumbered"/>
+    <dgm:cxn modelId="{F441F036-D80B-8648-9FAE-1D7977881A29}" type="presParOf" srcId="{25817A9F-DBB9-1E47-AE43-7719A592624C}" destId="{055FD308-5585-A84A-9089-1BF2880A1880}" srcOrd="2" destOrd="0" presId="urn:microsoft.com/office/officeart/2016/7/layout/LinearBlockProcessNumbered"/>
+  </dgm:cxnLst>
+  <dgm:bg/>
+  <dgm:whole/>
+  <dgm:extLst>
+    <a:ext uri="http://schemas.microsoft.com/office/drawing/2008/diagram">
+      <dsp:dataModelExt xmlns:dsp="http://schemas.microsoft.com/office/drawing/2008/diagram" relId="rId7" minVer="http://schemas.openxmlformats.org/drawingml/2006/diagram"/>
+    </a:ext>
+  </dgm:extLst>
+</dgm:dataModel>
+</file>
+
+<file path=ppt/diagrams/drawing1.xml><?xml version="1.0" encoding="utf-8"?>
+<dsp:drawing xmlns:dgm="http://schemas.openxmlformats.org/drawingml/2006/diagram" xmlns:dsp="http://schemas.microsoft.com/office/drawing/2008/diagram" xmlns:a="http://schemas.openxmlformats.org/drawingml/2006/main">
+  <dsp:spTree>
+    <dsp:nvGrpSpPr>
+      <dsp:cNvPr id="0" name=""/>
+      <dsp:cNvGrpSpPr/>
+    </dsp:nvGrpSpPr>
+    <dsp:grpSpPr/>
+    <dsp:sp modelId="{DA6CB1C2-FEED-7E44-B3B0-483FFE843027}">
+      <dsp:nvSpPr>
+        <dsp:cNvPr id="0" name=""/>
+        <dsp:cNvSpPr/>
+      </dsp:nvSpPr>
+      <dsp:spPr>
+        <a:xfrm>
+          <a:off x="808" y="0"/>
+          <a:ext cx="3275967" cy="3143416"/>
+        </a:xfrm>
+        <a:prstGeom prst="rect">
+          <a:avLst/>
+        </a:prstGeom>
+        <a:gradFill rotWithShape="0">
+          <a:gsLst>
+            <a:gs pos="0">
+              <a:schemeClr val="accent2">
+                <a:hueOff val="0"/>
+                <a:satOff val="0"/>
+                <a:lumOff val="0"/>
+                <a:alphaOff val="0"/>
+                <a:tint val="96000"/>
+                <a:lumMod val="104000"/>
+              </a:schemeClr>
+            </a:gs>
+            <a:gs pos="100000">
+              <a:schemeClr val="accent2">
+                <a:hueOff val="0"/>
+                <a:satOff val="0"/>
+                <a:lumOff val="0"/>
+                <a:alphaOff val="0"/>
+                <a:shade val="90000"/>
+                <a:lumMod val="90000"/>
+              </a:schemeClr>
+            </a:gs>
+          </a:gsLst>
+          <a:lin ang="5400000" scaled="0"/>
+        </a:gradFill>
+        <a:ln w="9525" cap="rnd" cmpd="sng" algn="ctr">
+          <a:solidFill>
+            <a:schemeClr val="accent2">
+              <a:hueOff val="0"/>
+              <a:satOff val="0"/>
+              <a:lumOff val="0"/>
+              <a:alphaOff val="0"/>
+            </a:schemeClr>
+          </a:solidFill>
+          <a:prstDash val="solid"/>
+        </a:ln>
+        <a:effectLst>
+          <a:outerShdw blurRad="63500" dist="25400" dir="5400000" rotWithShape="0">
+            <a:srgbClr val="000000">
+              <a:alpha val="60000"/>
+            </a:srgbClr>
+          </a:outerShdw>
+        </a:effectLst>
+      </dsp:spPr>
+      <dsp:style>
+        <a:lnRef idx="1">
+          <a:scrgbClr r="0" g="0" b="0"/>
+        </a:lnRef>
+        <a:fillRef idx="3">
+          <a:scrgbClr r="0" g="0" b="0"/>
+        </a:fillRef>
+        <a:effectRef idx="2">
+          <a:scrgbClr r="0" g="0" b="0"/>
+        </a:effectRef>
+        <a:fontRef idx="minor">
+          <a:schemeClr val="lt1"/>
+        </a:fontRef>
+      </dsp:style>
+      <dsp:txBody>
+        <a:bodyPr spcFirstLastPara="0" vert="horz" wrap="square" lIns="323593" tIns="0" rIns="323593" bIns="330200" numCol="1" spcCol="1270" anchor="t" anchorCtr="0">
+          <a:noAutofit/>
+        </a:bodyPr>
+        <a:lstStyle/>
+        <a:p>
+          <a:pPr marL="0" lvl="0" indent="0" algn="l" defTabSz="1022350">
+            <a:lnSpc>
+              <a:spcPct val="90000"/>
+            </a:lnSpc>
+            <a:spcBef>
+              <a:spcPct val="0"/>
+            </a:spcBef>
+            <a:spcAft>
+              <a:spcPct val="35000"/>
+            </a:spcAft>
+            <a:buNone/>
+          </a:pPr>
+          <a:r>
+            <a:rPr lang="en-AU" sz="2300" kern="1200"/>
+            <a:t>Understand the objectives and structure of this unit</a:t>
+          </a:r>
+          <a:endParaRPr lang="en-US" sz="2300" kern="1200"/>
+        </a:p>
+      </dsp:txBody>
+      <dsp:txXfrm>
+        <a:off x="808" y="1257366"/>
+        <a:ext cx="3275967" cy="1886049"/>
+      </dsp:txXfrm>
+    </dsp:sp>
+    <dsp:sp modelId="{45450710-1DEA-6A4D-A047-F1DB159DCD43}">
+      <dsp:nvSpPr>
+        <dsp:cNvPr id="0" name=""/>
+        <dsp:cNvSpPr/>
+      </dsp:nvSpPr>
+      <dsp:spPr>
+        <a:xfrm>
+          <a:off x="808" y="0"/>
+          <a:ext cx="3275967" cy="1257366"/>
+        </a:xfrm>
+        <a:prstGeom prst="rect">
+          <a:avLst/>
+        </a:prstGeom>
+        <a:noFill/>
+        <a:ln w="9525" cap="rnd" cmpd="sng" algn="ctr">
+          <a:noFill/>
+          <a:prstDash val="solid"/>
+        </a:ln>
+        <a:effectLst>
+          <a:outerShdw blurRad="63500" dist="25400" dir="5400000" rotWithShape="0">
+            <a:srgbClr val="000000">
+              <a:alpha val="60000"/>
+            </a:srgbClr>
+          </a:outerShdw>
+        </a:effectLst>
+        <a:sp3d/>
+      </dsp:spPr>
+      <dsp:style>
+        <a:lnRef idx="1">
+          <a:scrgbClr r="0" g="0" b="0"/>
+        </a:lnRef>
+        <a:fillRef idx="3">
+          <a:scrgbClr r="0" g="0" b="0"/>
+        </a:fillRef>
+        <a:effectRef idx="2">
+          <a:scrgbClr r="0" g="0" b="0"/>
+        </a:effectRef>
+        <a:fontRef idx="minor">
+          <a:schemeClr val="lt1"/>
+        </a:fontRef>
+      </dsp:style>
+      <dsp:txBody>
+        <a:bodyPr spcFirstLastPara="0" vert="horz" wrap="square" lIns="323593" tIns="165100" rIns="323593" bIns="165100" numCol="1" spcCol="1270" anchor="ctr" anchorCtr="0">
+          <a:noAutofit/>
+        </a:bodyPr>
+        <a:lstStyle/>
+        <a:p>
+          <a:pPr marL="0" lvl="0" indent="0" algn="l" defTabSz="2933700">
+            <a:lnSpc>
+              <a:spcPct val="90000"/>
+            </a:lnSpc>
+            <a:spcBef>
+              <a:spcPct val="0"/>
+            </a:spcBef>
+            <a:spcAft>
+              <a:spcPct val="35000"/>
+            </a:spcAft>
+            <a:buNone/>
+          </a:pPr>
+          <a:r>
+            <a:rPr lang="en-US" sz="6600" kern="1200"/>
+            <a:t>01</a:t>
+          </a:r>
+        </a:p>
+      </dsp:txBody>
+      <dsp:txXfrm>
+        <a:off x="808" y="0"/>
+        <a:ext cx="3275967" cy="1257366"/>
+      </dsp:txXfrm>
+    </dsp:sp>
+    <dsp:sp modelId="{40031D7F-9BDA-2944-8078-AD85E9FF92D7}">
+      <dsp:nvSpPr>
+        <dsp:cNvPr id="0" name=""/>
+        <dsp:cNvSpPr/>
+      </dsp:nvSpPr>
+      <dsp:spPr>
+        <a:xfrm>
+          <a:off x="3538853" y="0"/>
+          <a:ext cx="3275967" cy="3143416"/>
+        </a:xfrm>
+        <a:prstGeom prst="rect">
+          <a:avLst/>
+        </a:prstGeom>
+        <a:gradFill rotWithShape="0">
+          <a:gsLst>
+            <a:gs pos="0">
+              <a:schemeClr val="accent2">
+                <a:hueOff val="-751496"/>
+                <a:satOff val="5142"/>
+                <a:lumOff val="-588"/>
+                <a:alphaOff val="0"/>
+                <a:tint val="96000"/>
+                <a:lumMod val="104000"/>
+              </a:schemeClr>
+            </a:gs>
+            <a:gs pos="100000">
+              <a:schemeClr val="accent2">
+                <a:hueOff val="-751496"/>
+                <a:satOff val="5142"/>
+                <a:lumOff val="-588"/>
+                <a:alphaOff val="0"/>
+                <a:shade val="90000"/>
+                <a:lumMod val="90000"/>
+              </a:schemeClr>
+            </a:gs>
+          </a:gsLst>
+          <a:lin ang="5400000" scaled="0"/>
+        </a:gradFill>
+        <a:ln w="9525" cap="rnd" cmpd="sng" algn="ctr">
+          <a:solidFill>
+            <a:schemeClr val="accent2">
+              <a:hueOff val="-751496"/>
+              <a:satOff val="5142"/>
+              <a:lumOff val="-588"/>
+              <a:alphaOff val="0"/>
+            </a:schemeClr>
+          </a:solidFill>
+          <a:prstDash val="solid"/>
+        </a:ln>
+        <a:effectLst>
+          <a:outerShdw blurRad="63500" dist="25400" dir="5400000" rotWithShape="0">
+            <a:srgbClr val="000000">
+              <a:alpha val="60000"/>
+            </a:srgbClr>
+          </a:outerShdw>
+        </a:effectLst>
+      </dsp:spPr>
+      <dsp:style>
+        <a:lnRef idx="1">
+          <a:scrgbClr r="0" g="0" b="0"/>
+        </a:lnRef>
+        <a:fillRef idx="3">
+          <a:scrgbClr r="0" g="0" b="0"/>
+        </a:fillRef>
+        <a:effectRef idx="2">
+          <a:scrgbClr r="0" g="0" b="0"/>
+        </a:effectRef>
+        <a:fontRef idx="minor">
+          <a:schemeClr val="lt1"/>
+        </a:fontRef>
+      </dsp:style>
+      <dsp:txBody>
+        <a:bodyPr spcFirstLastPara="0" vert="horz" wrap="square" lIns="323593" tIns="0" rIns="323593" bIns="330200" numCol="1" spcCol="1270" anchor="t" anchorCtr="0">
+          <a:noAutofit/>
+        </a:bodyPr>
+        <a:lstStyle/>
+        <a:p>
+          <a:pPr marL="0" lvl="0" indent="0" algn="l" defTabSz="1022350">
+            <a:lnSpc>
+              <a:spcPct val="90000"/>
+            </a:lnSpc>
+            <a:spcBef>
+              <a:spcPct val="0"/>
+            </a:spcBef>
+            <a:spcAft>
+              <a:spcPct val="35000"/>
+            </a:spcAft>
+            <a:buNone/>
+          </a:pPr>
+          <a:r>
+            <a:rPr lang="en-AU" sz="2300" kern="1200"/>
+            <a:t>Understand the technical requirements and role of the practical component</a:t>
+          </a:r>
+          <a:endParaRPr lang="en-US" sz="2300" kern="1200"/>
+        </a:p>
+      </dsp:txBody>
+      <dsp:txXfrm>
+        <a:off x="3538853" y="1257366"/>
+        <a:ext cx="3275967" cy="1886049"/>
+      </dsp:txXfrm>
+    </dsp:sp>
+    <dsp:sp modelId="{0C9B0EE7-B943-D74A-AE60-A9970E75E8FE}">
+      <dsp:nvSpPr>
+        <dsp:cNvPr id="0" name=""/>
+        <dsp:cNvSpPr/>
+      </dsp:nvSpPr>
+      <dsp:spPr>
+        <a:xfrm>
+          <a:off x="3538853" y="0"/>
+          <a:ext cx="3275967" cy="1257366"/>
+        </a:xfrm>
+        <a:prstGeom prst="rect">
+          <a:avLst/>
+        </a:prstGeom>
+        <a:noFill/>
+        <a:ln w="9525" cap="rnd" cmpd="sng" algn="ctr">
+          <a:noFill/>
+          <a:prstDash val="solid"/>
+        </a:ln>
+        <a:effectLst>
+          <a:outerShdw blurRad="63500" dist="25400" dir="5400000" rotWithShape="0">
+            <a:srgbClr val="000000">
+              <a:alpha val="60000"/>
+            </a:srgbClr>
+          </a:outerShdw>
+        </a:effectLst>
+        <a:sp3d/>
+      </dsp:spPr>
+      <dsp:style>
+        <a:lnRef idx="1">
+          <a:scrgbClr r="0" g="0" b="0"/>
+        </a:lnRef>
+        <a:fillRef idx="3">
+          <a:scrgbClr r="0" g="0" b="0"/>
+        </a:fillRef>
+        <a:effectRef idx="2">
+          <a:scrgbClr r="0" g="0" b="0"/>
+        </a:effectRef>
+        <a:fontRef idx="minor">
+          <a:schemeClr val="lt1"/>
+        </a:fontRef>
+      </dsp:style>
+      <dsp:txBody>
+        <a:bodyPr spcFirstLastPara="0" vert="horz" wrap="square" lIns="323593" tIns="165100" rIns="323593" bIns="165100" numCol="1" spcCol="1270" anchor="ctr" anchorCtr="0">
+          <a:noAutofit/>
+        </a:bodyPr>
+        <a:lstStyle/>
+        <a:p>
+          <a:pPr marL="0" lvl="0" indent="0" algn="l" defTabSz="2933700">
+            <a:lnSpc>
+              <a:spcPct val="90000"/>
+            </a:lnSpc>
+            <a:spcBef>
+              <a:spcPct val="0"/>
+            </a:spcBef>
+            <a:spcAft>
+              <a:spcPct val="35000"/>
+            </a:spcAft>
+            <a:buNone/>
+          </a:pPr>
+          <a:r>
+            <a:rPr lang="en-US" sz="6600" kern="1200"/>
+            <a:t>02</a:t>
+          </a:r>
+        </a:p>
+      </dsp:txBody>
+      <dsp:txXfrm>
+        <a:off x="3538853" y="0"/>
+        <a:ext cx="3275967" cy="1257366"/>
+      </dsp:txXfrm>
+    </dsp:sp>
+    <dsp:sp modelId="{C5631D8A-0FB4-6342-BF5D-EB1703C93789}">
+      <dsp:nvSpPr>
+        <dsp:cNvPr id="0" name=""/>
+        <dsp:cNvSpPr/>
+      </dsp:nvSpPr>
+      <dsp:spPr>
+        <a:xfrm>
+          <a:off x="7076898" y="0"/>
+          <a:ext cx="3275967" cy="3143416"/>
+        </a:xfrm>
+        <a:prstGeom prst="rect">
+          <a:avLst/>
+        </a:prstGeom>
+        <a:gradFill rotWithShape="0">
+          <a:gsLst>
+            <a:gs pos="0">
+              <a:schemeClr val="accent2">
+                <a:hueOff val="-1502991"/>
+                <a:satOff val="10284"/>
+                <a:lumOff val="-1176"/>
+                <a:alphaOff val="0"/>
+                <a:tint val="96000"/>
+                <a:lumMod val="104000"/>
+              </a:schemeClr>
+            </a:gs>
+            <a:gs pos="100000">
+              <a:schemeClr val="accent2">
+                <a:hueOff val="-1502991"/>
+                <a:satOff val="10284"/>
+                <a:lumOff val="-1176"/>
+                <a:alphaOff val="0"/>
+                <a:shade val="90000"/>
+                <a:lumMod val="90000"/>
+              </a:schemeClr>
+            </a:gs>
+          </a:gsLst>
+          <a:lin ang="5400000" scaled="0"/>
+        </a:gradFill>
+        <a:ln w="9525" cap="rnd" cmpd="sng" algn="ctr">
+          <a:solidFill>
+            <a:schemeClr val="accent2">
+              <a:hueOff val="-1502991"/>
+              <a:satOff val="10284"/>
+              <a:lumOff val="-1176"/>
+              <a:alphaOff val="0"/>
+            </a:schemeClr>
+          </a:solidFill>
+          <a:prstDash val="solid"/>
+        </a:ln>
+        <a:effectLst>
+          <a:outerShdw blurRad="63500" dist="25400" dir="5400000" rotWithShape="0">
+            <a:srgbClr val="000000">
+              <a:alpha val="60000"/>
+            </a:srgbClr>
+          </a:outerShdw>
+        </a:effectLst>
+      </dsp:spPr>
+      <dsp:style>
+        <a:lnRef idx="1">
+          <a:scrgbClr r="0" g="0" b="0"/>
+        </a:lnRef>
+        <a:fillRef idx="3">
+          <a:scrgbClr r="0" g="0" b="0"/>
+        </a:fillRef>
+        <a:effectRef idx="2">
+          <a:scrgbClr r="0" g="0" b="0"/>
+        </a:effectRef>
+        <a:fontRef idx="minor">
+          <a:schemeClr val="lt1"/>
+        </a:fontRef>
+      </dsp:style>
+      <dsp:txBody>
+        <a:bodyPr spcFirstLastPara="0" vert="horz" wrap="square" lIns="323593" tIns="0" rIns="323593" bIns="330200" numCol="1" spcCol="1270" anchor="t" anchorCtr="0">
+          <a:noAutofit/>
+        </a:bodyPr>
+        <a:lstStyle/>
+        <a:p>
+          <a:pPr marL="0" lvl="0" indent="0" algn="l" defTabSz="1022350">
+            <a:lnSpc>
+              <a:spcPct val="90000"/>
+            </a:lnSpc>
+            <a:spcBef>
+              <a:spcPct val="0"/>
+            </a:spcBef>
+            <a:spcAft>
+              <a:spcPct val="35000"/>
+            </a:spcAft>
+            <a:buNone/>
+          </a:pPr>
+          <a:r>
+            <a:rPr lang="en-AU" sz="2300" kern="1200"/>
+            <a:t>Understand the “rules” or ethics of cybersecurity and this unit</a:t>
+          </a:r>
+          <a:endParaRPr lang="en-US" sz="2300" kern="1200"/>
+        </a:p>
+      </dsp:txBody>
+      <dsp:txXfrm>
+        <a:off x="7076898" y="1257366"/>
+        <a:ext cx="3275967" cy="1886049"/>
+      </dsp:txXfrm>
+    </dsp:sp>
+    <dsp:sp modelId="{4910555F-C4BA-3645-8B1F-CF70B02616F5}">
+      <dsp:nvSpPr>
+        <dsp:cNvPr id="0" name=""/>
+        <dsp:cNvSpPr/>
+      </dsp:nvSpPr>
+      <dsp:spPr>
+        <a:xfrm>
+          <a:off x="7076898" y="0"/>
+          <a:ext cx="3275967" cy="1257366"/>
+        </a:xfrm>
+        <a:prstGeom prst="rect">
+          <a:avLst/>
+        </a:prstGeom>
+        <a:noFill/>
+        <a:ln w="9525" cap="rnd" cmpd="sng" algn="ctr">
+          <a:noFill/>
+          <a:prstDash val="solid"/>
+        </a:ln>
+        <a:effectLst>
+          <a:outerShdw blurRad="63500" dist="25400" dir="5400000" rotWithShape="0">
+            <a:srgbClr val="000000">
+              <a:alpha val="60000"/>
+            </a:srgbClr>
+          </a:outerShdw>
+        </a:effectLst>
+        <a:sp3d/>
+      </dsp:spPr>
+      <dsp:style>
+        <a:lnRef idx="1">
+          <a:scrgbClr r="0" g="0" b="0"/>
+        </a:lnRef>
+        <a:fillRef idx="3">
+          <a:scrgbClr r="0" g="0" b="0"/>
+        </a:fillRef>
+        <a:effectRef idx="2">
+          <a:scrgbClr r="0" g="0" b="0"/>
+        </a:effectRef>
+        <a:fontRef idx="minor">
+          <a:schemeClr val="lt1"/>
+        </a:fontRef>
+      </dsp:style>
+      <dsp:txBody>
+        <a:bodyPr spcFirstLastPara="0" vert="horz" wrap="square" lIns="323593" tIns="165100" rIns="323593" bIns="165100" numCol="1" spcCol="1270" anchor="ctr" anchorCtr="0">
+          <a:noAutofit/>
+        </a:bodyPr>
+        <a:lstStyle/>
+        <a:p>
+          <a:pPr marL="0" lvl="0" indent="0" algn="l" defTabSz="2933700">
+            <a:lnSpc>
+              <a:spcPct val="90000"/>
+            </a:lnSpc>
+            <a:spcBef>
+              <a:spcPct val="0"/>
+            </a:spcBef>
+            <a:spcAft>
+              <a:spcPct val="35000"/>
+            </a:spcAft>
+            <a:buNone/>
+          </a:pPr>
+          <a:r>
+            <a:rPr lang="en-US" sz="6600" kern="1200"/>
+            <a:t>03</a:t>
+          </a:r>
+        </a:p>
+      </dsp:txBody>
+      <dsp:txXfrm>
+        <a:off x="7076898" y="0"/>
+        <a:ext cx="3275967" cy="1257366"/>
+      </dsp:txXfrm>
+    </dsp:sp>
+  </dsp:spTree>
+</dsp:drawing>
+</file>
+
+<file path=ppt/diagrams/layout1.xml><?xml version="1.0" encoding="utf-8"?>
+<dgm:layoutDef xmlns:dgm="http://schemas.openxmlformats.org/drawingml/2006/diagram" xmlns:a="http://schemas.openxmlformats.org/drawingml/2006/main" uniqueId="urn:microsoft.com/office/officeart/2016/7/layout/LinearBlockProcessNumbered">
+  <dgm:title val="Linear Block Process Numbered"/>
+  <dgm:desc val="Used to show a progression; a timeline; sequential steps in a task, process, or workflow; or to emphasize movement or direction. Automatic numbers have been introduced to show the steps of the process. Level 1 text and Level 2 text both appears in a rectangle."/>
+  <dgm:catLst>
+    <dgm:cat type="process" pri="500"/>
+  </dgm:catLst>
+  <dgm:sampData>
+    <dgm:dataModel>
+      <dgm:ptLst>
+        <dgm:pt modelId="0" type="doc"/>
+        <dgm:pt modelId="1">
+          <dgm:prSet phldr="1"/>
+        </dgm:pt>
+        <dgm:pt modelId="11">
+          <dgm:prSet phldr="1"/>
+        </dgm:pt>
+        <dgm:pt modelId="2">
+          <dgm:prSet phldr="1"/>
+        </dgm:pt>
+        <dgm:pt modelId="21">
+          <dgm:prSet phldr="1"/>
+        </dgm:pt>
+        <dgm:pt modelId="3">
+          <dgm:prSet phldr="1"/>
+        </dgm:pt>
+        <dgm:pt modelId="31">
+          <dgm:prSet phldr="1"/>
+        </dgm:pt>
+        <dgm:pt modelId="101" type="sibTrans" cxnId="4">
+          <dgm:prSet phldrT="1"/>
+          <dgm:t>
+            <a:bodyPr/>
+            <a:lstStyle/>
+            <a:p>
+              <a:r>
+                <a:t>01</a:t>
+              </a:r>
+            </a:p>
+          </dgm:t>
+        </dgm:pt>
+        <dgm:pt modelId="201" type="sibTrans" cxnId="5">
+          <dgm:prSet phldrT="2"/>
+          <dgm:t>
+            <a:bodyPr/>
+            <a:lstStyle/>
+            <a:p>
+              <a:r>
+                <a:t>02</a:t>
+              </a:r>
+            </a:p>
+          </dgm:t>
+        </dgm:pt>
+        <dgm:pt modelId="301" type="sibTrans" cxnId="6">
+          <dgm:prSet phldrT="3"/>
+          <dgm:t>
+            <a:bodyPr/>
+            <a:lstStyle/>
+            <a:p>
+              <a:r>
+                <a:t>03</a:t>
+              </a:r>
+            </a:p>
+          </dgm:t>
+        </dgm:pt>
+      </dgm:ptLst>
+      <dgm:cxnLst>
+        <dgm:cxn modelId="4" srcId="0" destId="1" srcOrd="0" destOrd="0" sibTransId="101"/>
+        <dgm:cxn modelId="5" srcId="0" destId="2" srcOrd="1" destOrd="0" sibTransId="201"/>
+        <dgm:cxn modelId="6" srcId="0" destId="3" srcOrd="2" destOrd="0" sibTransId="301"/>
+        <dgm:cxn modelId="13" srcId="1" destId="11" srcOrd="0" destOrd="0"/>
+        <dgm:cxn modelId="23" srcId="2" destId="21" srcOrd="0" destOrd="0"/>
+        <dgm:cxn modelId="33" srcId="3" destId="31" srcOrd="0" destOrd="0"/>
+      </dgm:cxnLst>
+      <dgm:bg/>
+      <dgm:whole/>
+    </dgm:dataModel>
+  </dgm:sampData>
+  <dgm:styleData>
+    <dgm:dataModel>
+      <dgm:ptLst>
+        <dgm:pt modelId="0" type="doc"/>
+        <dgm:pt modelId="1"/>
+        <dgm:pt modelId="11"/>
+        <dgm:pt modelId="2"/>
+        <dgm:pt modelId="21"/>
+      </dgm:ptLst>
+      <dgm:cxnLst>
+        <dgm:cxn modelId="4" srcId="0" destId="1" srcOrd="0" destOrd="0"/>
+        <dgm:cxn modelId="5" srcId="0" destId="2" srcOrd="1" destOrd="0"/>
+        <dgm:cxn modelId="13" srcId="1" destId="11" srcOrd="0" destOrd="0"/>
+        <dgm:cxn modelId="23" srcId="2" destId="21" srcOrd="0" destOrd="0"/>
+      </dgm:cxnLst>
+      <dgm:bg/>
+      <dgm:whole/>
+    </dgm:dataModel>
+  </dgm:styleData>
+  <dgm:clrData>
+    <dgm:dataModel>
+      <dgm:ptLst>
+        <dgm:pt modelId="0" type="doc"/>
+        <dgm:pt modelId="1"/>
+        <dgm:pt modelId="11"/>
+        <dgm:pt modelId="2"/>
+        <dgm:pt modelId="21"/>
+        <dgm:pt modelId="3"/>
+        <dgm:pt modelId="31"/>
+        <dgm:pt modelId="4"/>
+        <dgm:pt modelId="41"/>
+      </dgm:ptLst>
+      <dgm:cxnLst>
+        <dgm:cxn modelId="5" srcId="0" destId="1" srcOrd="0" destOrd="0"/>
+        <dgm:cxn modelId="6" srcId="0" destId="2" srcOrd="1" destOrd="0"/>
+        <dgm:cxn modelId="7" srcId="0" destId="3" srcOrd="2" destOrd="0"/>
+        <dgm:cxn modelId="8" srcId="0" destId="4" srcOrd="3" destOrd="0"/>
+        <dgm:cxn modelId="13" srcId="1" destId="11" srcOrd="0" destOrd="0"/>
+        <dgm:cxn modelId="23" srcId="2" destId="21" srcOrd="0" destOrd="0"/>
+        <dgm:cxn modelId="33" srcId="3" destId="31" srcOrd="0" destOrd="0"/>
+        <dgm:cxn modelId="43" srcId="4" destId="41" srcOrd="0" destOrd="0"/>
+      </dgm:cxnLst>
+      <dgm:bg/>
+      <dgm:whole/>
+    </dgm:dataModel>
+  </dgm:clrData>
+  <dgm:layoutNode name="Name0">
+    <dgm:varLst>
+      <dgm:animLvl val="lvl"/>
+      <dgm:resizeHandles val="exact"/>
+    </dgm:varLst>
+    <dgm:alg type="lin">
+      <dgm:param type="linDir" val="fromL"/>
+      <dgm:param type="nodeVertAlign" val="t"/>
+    </dgm:alg>
+    <dgm:shape xmlns:r="http://schemas.openxmlformats.org/officeDocument/2006/relationships" r:blip="">
+      <dgm:adjLst/>
+    </dgm:shape>
+    <dgm:presOf/>
+    <dgm:constrLst>
+      <dgm:constr type="h" for="ch" forName="compositeNode" refType="h"/>
+      <dgm:constr type="w" for="ch" forName="compositeNode" refType="w"/>
+      <dgm:constr type="w" for="des" forName="simulatedConn" refType="w" refFor="ch" refForName="compositeNode" fact="0.15"/>
+      <dgm:constr type="h" for="des" forName="simulatedConn" refType="w" refFor="des" refForName="simulatedConn"/>
+      <dgm:constr type="h" for="des" forName="vSp1" refType="w" refFor="ch" refForName="compositeNode" fact="0.8"/>
+      <dgm:constr type="h" for="des" forName="vSp2" refType="w" refFor="ch" refForName="compositeNode" fact="0.07"/>
+      <dgm:constr type="w" for="ch" forName="vProcSp" refType="w" refFor="des" refForName="simulatedConn" op="equ"/>
+      <dgm:constr type="h" for="ch" forName="vProcSp" refType="h" refFor="ch" refForName="compositeNode" op="equ"/>
+      <dgm:constr type="w" for="ch" forName="sibTrans" refType="w" refFor="ch" refForName="compositeNode" fact="0.08"/>
+      <dgm:constr type="primFontSz" for="des" forName="sibTransNodeRect" op="equ"/>
+      <dgm:constr type="primFontSz" for="des" forName="nodeRect" op="equ"/>
+    </dgm:constrLst>
+    <dgm:ruleLst/>
+    <dgm:forEach name="Name4" axis="ch" ptType="node">
+      <dgm:layoutNode name="compositeNode">
+        <dgm:varLst>
+          <dgm:bulletEnabled val="1"/>
+        </dgm:varLst>
+        <dgm:alg type="composite"/>
+        <dgm:constrLst>
+          <dgm:constr type="h" refType="w" op="lte" fact="1.2"/>
+          <dgm:constr type="w" for="ch" forName="bgRect" refType="w"/>
+          <dgm:constr type="h" for="ch" forName="bgRect" refType="h"/>
+          <dgm:constr type="t" for="ch" forName="bgRect"/>
+          <dgm:constr type="l" for="ch" forName="bgRect"/>
+          <dgm:constr type="w" for="ch" forName="sibTransNodeRect" refType="w" refFor="ch" refForName="bgRect"/>
+          <dgm:constr type="h" for="ch" forName="sibTransNodeRect" refType="h" refFor="ch" refForName="bgRect" fact="0.4"/>
+          <dgm:constr type="t" for="ch" forName="sibTransNodeRect"/>
+          <dgm:constr type="l" for="ch" forName="sibTransNodeRect"/>
+          <dgm:constr type="r" for="ch" forName="nodeRect" refType="r" refFor="ch" refForName="bgRect"/>
+          <dgm:constr type="h" for="ch" forName="nodeRect" refType="h" refFor="ch" refForName="bgRect" fact="0.6"/>
+          <dgm:constr type="t" for="ch" forName="nodeRect" refType="b" refFor="ch" refForName="sibTransNodeRect"/>
+          <dgm:constr type="l" for="ch" forName="nodeRect" refType="l" refFor="ch" refForName="bgRect"/>
+        </dgm:constrLst>
+        <dgm:ruleLst>
+          <dgm:rule type="w" for="ch" forName="nodeRect" val="NaN" fact="NaN" max="30"/>
+        </dgm:ruleLst>
+        <dgm:layoutNode name="bgRect" styleLbl="alignNode1">
+          <dgm:alg type="sp"/>
+          <dgm:shape xmlns:r="http://schemas.openxmlformats.org/officeDocument/2006/relationships" type="rect" r:blip="">
+            <dgm:adjLst>
+              <dgm:adj idx="1" val="0.05"/>
+            </dgm:adjLst>
+          </dgm:shape>
+          <dgm:presOf axis="self"/>
+          <dgm:constrLst/>
+          <dgm:ruleLst/>
+        </dgm:layoutNode>
+        <dgm:forEach name="Name19" axis="followSib" ptType="sibTrans" hideLastTrans="0" cnt="1">
+          <dgm:layoutNode name="sibTransNodeRect" styleLbl="alignNode1">
+            <dgm:varLst>
+              <dgm:chMax val="0"/>
+              <dgm:bulletEnabled val="1"/>
+            </dgm:varLst>
+            <dgm:presOf axis="self"/>
+            <dgm:alg type="tx">
+              <dgm:param type="parTxLTRAlign" val="l"/>
+              <dgm:param type="parTxRTLAlign" val="l"/>
+            </dgm:alg>
+            <dgm:shape xmlns:r="http://schemas.openxmlformats.org/officeDocument/2006/relationships" type="rect" r:blip="" hideGeom="1">
+              <dgm:adjLst/>
+            </dgm:shape>
+            <dgm:constrLst>
+              <dgm:constr type="primFontSz" val="66"/>
+              <dgm:constr type="tMarg" val="13"/>
+              <dgm:constr type="lMarg" refType="w" fact="0.28"/>
+              <dgm:constr type="rMarg" refType="w" fact="0.28"/>
+              <dgm:constr type="bMarg" val="13"/>
+            </dgm:constrLst>
+            <dgm:ruleLst>
+              <dgm:rule type="primFontSz" val="14" fact="NaN" max="NaN"/>
+              <dgm:rule type="tMarg" val="13" fact="NaN" max="NaN"/>
+            </dgm:ruleLst>
+          </dgm:layoutNode>
+        </dgm:forEach>
+        <dgm:layoutNode name="nodeRect" styleLbl="alignNode1" moveWith="bgRect">
+          <dgm:varLst>
+            <dgm:bulletEnabled val="1"/>
+          </dgm:varLst>
+          <dgm:alg type="tx">
+            <dgm:param type="parTxLTRAlign" val="l"/>
+            <dgm:param type="parTxRTLAlign" val="r"/>
+            <dgm:param type="txAnchorVert" val="t"/>
+            <dgm:param type="stBulletLvl" val="2"/>
+          </dgm:alg>
+          <dgm:shape xmlns:r="http://schemas.openxmlformats.org/officeDocument/2006/relationships" type="rect" r:blip="" hideGeom="1">
+            <dgm:adjLst/>
+          </dgm:shape>
+          <dgm:presOf axis="desOrSelf" ptType="node"/>
+          <dgm:constrLst>
+            <dgm:constr type="primFontSz" val="26"/>
+            <dgm:constr type="tMarg"/>
+            <dgm:constr type="lMarg" refType="w" fact="0.28"/>
+            <dgm:constr type="rMarg" refType="w" fact="0.28"/>
+            <dgm:constr type="bMarg" val="26"/>
+          </dgm:constrLst>
+          <dgm:ruleLst>
+            <dgm:rule type="primFontSz" val="11" fact="NaN" max="NaN"/>
+          </dgm:ruleLst>
+        </dgm:layoutNode>
+      </dgm:layoutNode>
+      <dgm:forEach name="Name14" axis="followSib" ptType="sibTrans" cnt="1">
+        <dgm:layoutNode name="sibTrans">
+          <dgm:alg type="sp"/>
+          <dgm:shape xmlns:r="http://schemas.openxmlformats.org/officeDocument/2006/relationships" r:blip="">
+            <dgm:adjLst/>
+          </dgm:shape>
+          <dgm:presOf/>
+          <dgm:constrLst/>
+          <dgm:ruleLst/>
+        </dgm:layoutNode>
+      </dgm:forEach>
+    </dgm:forEach>
+  </dgm:layoutNode>
+  <dgm:extLst>
+    <a:ext uri="{4F341089-5ED1-44EC-B178-C955D00A3D55}">
+      <dgm1611:autoBuNodeInfoLst xmlns:dgm1611="http://schemas.microsoft.com/office/drawing/2016/11/diagram">
+        <dgm1611:autoBuNodeInfo lvl="1" ptType="sibTrans">
+          <dgm1611:buPr prefix="" leadZeros="1">
+            <a:buAutoNum type="arabicParenBoth"/>
+          </dgm1611:buPr>
+        </dgm1611:autoBuNodeInfo>
+      </dgm1611:autoBuNodeInfoLst>
+    </a:ext>
+  </dgm:extLst>
+</dgm:layoutDef>
+</file>
+
+<file path=ppt/diagrams/quickStyle1.xml><?xml version="1.0" encoding="utf-8"?>
+<dgm:styleDef xmlns:dgm="http://schemas.openxmlformats.org/drawingml/2006/diagram" xmlns:a="http://schemas.openxmlformats.org/drawingml/2006/main" uniqueId="urn:microsoft.com/office/officeart/2005/8/quickstyle/simple4">
+  <dgm:title val=""/>
+  <dgm:desc val=""/>
+  <dgm:catLst>
+    <dgm:cat type="simple" pri="10400"/>
+  </dgm:catLst>
+  <dgm:scene3d>
+    <a:camera prst="orthographicFront"/>
+    <a:lightRig rig="threePt" dir="t"/>
+  </dgm:scene3d>
+  <dgm:styleLbl name="node0">
+    <dgm:scene3d>
+      <a:camera prst="orthographicFront"/>
+      <a:lightRig rig="threePt" dir="t"/>
+    </dgm:scene3d>
+    <dgm:sp3d/>
+    <dgm:txPr/>
+    <dgm:style>
+      <a:lnRef idx="0">
+        <a:scrgbClr r="0" g="0" b="0"/>
+      </a:lnRef>
+      <a:fillRef idx="3">
+        <a:scrgbClr r="0" g="0" b="0"/>
+      </a:fillRef>
+      <a:effectRef idx="2">
+        <a:scrgbClr r="0" g="0" b="0"/>
+      </a:effectRef>
+      <a:fontRef idx="minor">
+        <a:schemeClr val="lt1"/>
+      </a:fontRef>
+    </dgm:style>
+  </dgm:styleLbl>
+  <dgm:styleLbl name="lnNode1">
+    <dgm:scene3d>
+      <a:camera prst="orthographicFront"/>
+      <a:lightRig rig="threePt" dir="t"/>
+    </dgm:scene3d>
+    <dgm:sp3d/>
+    <dgm:txPr/>
+    <dgm:style>
+      <a:lnRef idx="1">
+        <a:scrgbClr r="0" g="0" b="0"/>
+      </a:lnRef>
+      <a:fillRef idx="3">
+        <a:scrgbClr r="0" g="0" b="0"/>
+      </a:fillRef>
+      <a:effectRef idx="2">
+        <a:scrgbClr r="0" g="0" b="0"/>
+      </a:effectRef>
+      <a:fontRef idx="minor">
+        <a:schemeClr val="lt1"/>
+      </a:fontRef>
+    </dgm:style>
+  </dgm:styleLbl>
+  <dgm:styleLbl name="vennNode1">
+    <dgm:scene3d>
+      <a:camera prst="orthographicFront"/>
+      <a:lightRig rig="threePt" dir="t"/>
+    </dgm:scene3d>
+    <dgm:sp3d/>
+    <dgm:txPr/>
+    <dgm:style>
+      <a:lnRef idx="0">
+        <a:scrgbClr r="0" g="0" b="0"/>
+      </a:lnRef>
+      <a:fillRef idx="3">
+        <a:scrgbClr r="0" g="0" b="0"/>
+      </a:fillRef>
+      <a:effectRef idx="0">
+        <a:scrgbClr r="0" g="0" b="0"/>
+      </a:effectRef>
+      <a:fontRef idx="minor">
+        <a:schemeClr val="tx1"/>
+      </a:fontRef>
+    </dgm:style>
+  </dgm:styleLbl>
+  <dgm:styleLbl name="alignNode1">
+    <dgm:scene3d>
+      <a:camera prst="orthographicFront"/>
+      <a:lightRig rig="threePt" dir="t"/>
+    </dgm:scene3d>
+    <dgm:sp3d/>
+    <dgm:txPr/>
+    <dgm:style>
+      <a:lnRef idx="1">
+        <a:scrgbClr r="0" g="0" b="0"/>
+      </a:lnRef>
+      <a:fillRef idx="3">
+        <a:scrgbClr r="0" g="0" b="0"/>
+      </a:fillRef>
+      <a:effectRef idx="2">
+        <a:scrgbClr r="0" g="0" b="0"/>
+      </a:effectRef>
+      <a:fontRef idx="minor">
+        <a:schemeClr val="lt1"/>
+      </a:fontRef>
+    </dgm:style>
+  </dgm:styleLbl>
+  <dgm:styleLbl name="node1">
+    <dgm:scene3d>
+      <a:camera prst="orthographicFront"/>
+      <a:lightRig rig="threePt" dir="t"/>
+    </dgm:scene3d>
+    <dgm:sp3d/>
+    <dgm:txPr/>
+    <dgm:style>
+      <a:lnRef idx="0">
+        <a:scrgbClr r="0" g="0" b="0"/>
+      </a:lnRef>
+      <a:fillRef idx="3">
+        <a:scrgbClr r="0" g="0" b="0"/>
+      </a:fillRef>
+      <a:effectRef idx="2">
+        <a:scrgbClr r="0" g="0" b="0"/>
+      </a:effectRef>
+      <a:fontRef idx="minor">
+        <a:schemeClr val="lt1"/>
+      </a:fontRef>
+    </dgm:style>
+  </dgm:styleLbl>
+  <dgm:styleLbl name="node2">
+    <dgm:scene3d>
+      <a:camera prst="orthographicFront"/>
+      <a:lightRig rig="threePt" dir="t"/>
+    </dgm:scene3d>
+    <dgm:sp3d/>
+    <dgm:txPr/>
+    <dgm:style>
+      <a:lnRef idx="0">
+        <a:scrgbClr r="0" g="0" b="0"/>
+      </a:lnRef>
+      <a:fillRef idx="3">
+        <a:scrgbClr r="0" g="0" b="0"/>
+      </a:fillRef>
+      <a:effectRef idx="2">
+        <a:scrgbClr r="0" g="0" b="0"/>
+      </a:effectRef>
+      <a:fontRef idx="minor">
+        <a:schemeClr val="lt1"/>
+      </a:fontRef>
+    </dgm:style>
+  </dgm:styleLbl>
+  <dgm:styleLbl name="node3">
+    <dgm:scene3d>
+      <a:camera prst="orthographicFront"/>
+      <a:lightRig rig="threePt" dir="t"/>
+    </dgm:scene3d>
+    <dgm:sp3d/>
+    <dgm:txPr/>
+    <dgm:style>
+      <a:lnRef idx="0">
+        <a:scrgbClr r="0" g="0" b="0"/>
+      </a:lnRef>
+      <a:fillRef idx="3">
+        <a:scrgbClr r="0" g="0" b="0"/>
+      </a:fillRef>
+      <a:effectRef idx="2">
+        <a:scrgbClr r="0" g="0" b="0"/>
+      </a:effectRef>
+      <a:fontRef idx="minor">
+        <a:schemeClr val="lt1"/>
+      </a:fontRef>
+    </dgm:style>
+  </dgm:styleLbl>
+  <dgm:styleLbl name="node4">
+    <dgm:scene3d>
+      <a:camera prst="orthographicFront"/>
+      <a:lightRig rig="threePt" dir="t"/>
+    </dgm:scene3d>
+    <dgm:sp3d/>
+    <dgm:txPr/>
+    <dgm:style>
+      <a:lnRef idx="0">
+        <a:scrgbClr r="0" g="0" b="0"/>
+      </a:lnRef>
+      <a:fillRef idx="3">
+        <a:scrgbClr r="0" g="0" b="0"/>
+      </a:fillRef>
+      <a:effectRef idx="2">
+        <a:scrgbClr r="0" g="0" b="0"/>
+      </a:effectRef>
+      <a:fontRef idx="minor">
+        <a:schemeClr val="lt1"/>
+      </a:fontRef>
+    </dgm:style>
+  </dgm:styleLbl>
+  <dgm:styleLbl name="fgImgPlace1">
+    <dgm:scene3d>
+      <a:camera prst="orthographicFront"/>
+      <a:lightRig rig="threePt" dir="t"/>
+    </dgm:scene3d>
+    <dgm:sp3d/>
+    <dgm:txPr/>
+    <dgm:style>
+      <a:lnRef idx="0">
+        <a:scrgbClr r="0" g="0" b="0"/>
+      </a:lnRef>
+      <a:fillRef idx="1">
+        <a:scrgbClr r="0" g="0" b="0"/>
+      </a:fillRef>
+      <a:effectRef idx="2">
+        <a:scrgbClr r="0" g="0" b="0"/>
+      </a:effectRef>
+      <a:fontRef idx="minor"/>
+    </dgm:style>
+  </dgm:styleLbl>
+  <dgm:styleLbl name="alignImgPlace1">
+    <dgm:scene3d>
+      <a:camera prst="orthographicFront"/>
+      <a:lightRig rig="threePt" dir="t"/>
+    </dgm:scene3d>
+    <dgm:sp3d/>
+    <dgm:txPr/>
+    <dgm:style>
+      <a:lnRef idx="0">
+        <a:scrgbClr r="0" g="0" b="0"/>
+      </a:lnRef>
+      <a:fillRef idx="1">
+        <a:scrgbClr r="0" g="0" b="0"/>
+      </a:fillRef>
+      <a:effectRef idx="2">
+        <a:scrgbClr r="0" g="0" b="0"/>
+      </a:effectRef>
+      <a:fontRef idx="minor"/>
+    </dgm:style>
+  </dgm:styleLbl>
+  <dgm:styleLbl name="bgImgPlace1">
+    <dgm:scene3d>
+      <a:camera prst="orthographicFront"/>
+      <a:lightRig rig="threePt" dir="t"/>
+    </dgm:scene3d>
+    <dgm:sp3d/>
+    <dgm:txPr/>
+    <dgm:style>
+      <a:lnRef idx="0">
+        <a:scrgbClr r="0" g="0" b="0"/>
+      </a:lnRef>
+      <a:fillRef idx="1">
+        <a:scrgbClr r="0" g="0" b="0"/>
+      </a:fillRef>
+      <a:effectRef idx="2">
+        <a:scrgbClr r="0" g="0" b="0"/>
+      </a:effectRef>
+      <a:fontRef idx="minor"/>
+    </dgm:style>
+  </dgm:styleLbl>
+  <dgm:styleLbl name="sibTrans2D1">
+    <dgm:scene3d>
+      <a:camera prst="orthographicFront"/>
+      <a:lightRig rig="threePt" dir="t"/>
+    </dgm:scene3d>
+    <dgm:sp3d/>
+    <dgm:txPr/>
+    <dgm:style>
+      <a:lnRef idx="0">
+        <a:scrgbClr r="0" g="0" b="0"/>
+      </a:lnRef>
+      <a:fillRef idx="3">
+        <a:scrgbClr r="0" g="0" b="0"/>
+      </a:fillRef>
+      <a:effectRef idx="2">
+        <a:scrgbClr r="0" g="0" b="0"/>
+      </a:effectRef>
+      <a:fontRef idx="minor">
+        <a:schemeClr val="lt1"/>
+      </a:fontRef>
+    </dgm:style>
+  </dgm:styleLbl>
+  <dgm:styleLbl name="fgSibTrans2D1">
+    <dgm:scene3d>
+      <a:camera prst="orthographicFront"/>
+      <a:lightRig rig="threePt" dir="t"/>
+    </dgm:scene3d>
+    <dgm:sp3d/>
+    <dgm:txPr/>
+    <dgm:style>
+      <a:lnRef idx="0">
+        <a:scrgbClr r="0" g="0" b="0"/>
+      </a:lnRef>
+      <a:fillRef idx="3">
+        <a:scrgbClr r="0" g="0" b="0"/>
+      </a:fillRef>
+      <a:effectRef idx="2">
+        <a:scrgbClr r="0" g="0" b="0"/>
+      </a:effectRef>
+      <a:fontRef idx="minor">
+        <a:schemeClr val="lt1"/>
+      </a:fontRef>
+    </dgm:style>
+  </dgm:styleLbl>
+  <dgm:styleLbl name="bgSibTrans2D1">
+    <dgm:scene3d>
+      <a:camera prst="orthographicFront"/>
+      <a:lightRig rig="threePt" dir="t"/>
+    </dgm:scene3d>
+    <dgm:sp3d/>
+    <dgm:txPr/>
+    <dgm:style>
+      <a:lnRef idx="0">
+        <a:scrgbClr r="0" g="0" b="0"/>
+      </a:lnRef>
+      <a:fillRef idx="3">
+        <a:scrgbClr r="0" g="0" b="0"/>
+      </a:fillRef>
+      <a:effectRef idx="2">
+        <a:scrgbClr r="0" g="0" b="0"/>
+      </a:effectRef>
+      <a:fontRef idx="minor">
+        <a:schemeClr val="lt1"/>
+      </a:fontRef>
+    </dgm:style>
+  </dgm:styleLbl>
+  <dgm:styleLbl name="sibTrans1D1">
+    <dgm:scene3d>
+      <a:camera prst="orthographicFront"/>
+      <a:lightRig rig="threePt" dir="t"/>
+    </dgm:scene3d>
+    <dgm:sp3d/>
+    <dgm:txPr/>
+    <dgm:style>
+      <a:lnRef idx="1">
+        <a:scrgbClr r="0" g="0" b="0"/>
+      </a:lnRef>
+      <a:fillRef idx="0">
+        <a:scrgbClr r="0" g="0" b="0"/>
+      </a:fillRef>
+      <a:effectRef idx="0">
+        <a:scrgbClr r="0" g="0" b="0"/>
+      </a:effectRef>
+      <a:fontRef idx="minor"/>
+    </dgm:style>
+  </dgm:styleLbl>
+  <dgm:styleLbl name="callout">
+    <dgm:scene3d>
+      <a:camera prst="orthographicFront"/>
+      <a:lightRig rig="threePt" dir="t"/>
+    </dgm:scene3d>
+    <dgm:sp3d/>
+    <dgm:txPr/>
+    <dgm:style>
+      <a:lnRef idx="2">
+        <a:scrgbClr r="0" g="0" b="0"/>
+      </a:lnRef>
+      <a:fillRef idx="1">
+        <a:scrgbClr r="0" g="0" b="0"/>
+      </a:fillRef>
+      <a:effectRef idx="1">
+        <a:scrgbClr r="0" g="0" b="0"/>
+      </a:effectRef>
+      <a:fontRef idx="minor"/>
+    </dgm:style>
+  </dgm:styleLbl>
+  <dgm:styleLbl name="asst0">
+    <dgm:scene3d>
+      <a:camera prst="orthographicFront"/>
+      <a:lightRig rig="threePt" dir="t"/>
+    </dgm:scene3d>
+    <dgm:sp3d/>
+    <dgm:txPr/>
+    <dgm:style>
+      <a:lnRef idx="0">
+        <a:scrgbClr r="0" g="0" b="0"/>
+      </a:lnRef>
+      <a:fillRef idx="3">
+        <a:scrgbClr r="0" g="0" b="0"/>
+      </a:fillRef>
+      <a:effectRef idx="2">
+        <a:scrgbClr r="0" g="0" b="0"/>
+      </a:effectRef>
+      <a:fontRef idx="minor">
+        <a:schemeClr val="lt1"/>
+      </a:fontRef>
+    </dgm:style>
+  </dgm:styleLbl>
+  <dgm:styleLbl name="asst1">
+    <dgm:scene3d>
+      <a:camera prst="orthographicFront"/>
+      <a:lightRig rig="threePt" dir="t"/>
+    </dgm:scene3d>
+    <dgm:sp3d/>
+    <dgm:txPr/>
+    <dgm:style>
+      <a:lnRef idx="0">
+        <a:scrgbClr r="0" g="0" b="0"/>
+      </a:lnRef>
+      <a:fillRef idx="3">
+        <a:scrgbClr r="0" g="0" b="0"/>
+      </a:fillRef>
+      <a:effectRef idx="2">
+        <a:scrgbClr r="0" g="0" b="0"/>
+      </a:effectRef>
+      <a:fontRef idx="minor">
+        <a:schemeClr val="lt1"/>
+      </a:fontRef>
+    </dgm:style>
+  </dgm:styleLbl>
+  <dgm:styleLbl name="asst2">
+    <dgm:scene3d>
+      <a:camera prst="orthographicFront"/>
+      <a:lightRig rig="threePt" dir="t"/>
+    </dgm:scene3d>
+    <dgm:sp3d/>
+    <dgm:txPr/>
+    <dgm:style>
+      <a:lnRef idx="0">
+        <a:scrgbClr r="0" g="0" b="0"/>
+      </a:lnRef>
+      <a:fillRef idx="3">
+        <a:scrgbClr r="0" g="0" b="0"/>
+      </a:fillRef>
+      <a:effectRef idx="2">
+        <a:scrgbClr r="0" g="0" b="0"/>
+      </a:effectRef>
+      <a:fontRef idx="minor">
+        <a:schemeClr val="lt1"/>
+      </a:fontRef>
+    </dgm:style>
+  </dgm:styleLbl>
+  <dgm:styleLbl name="asst3">
+    <dgm:scene3d>
+      <a:camera prst="orthographicFront"/>
+      <a:lightRig rig="threePt" dir="t"/>
+    </dgm:scene3d>
+    <dgm:sp3d/>
+    <dgm:txPr/>
+    <dgm:style>
+      <a:lnRef idx="0">
+        <a:scrgbClr r="0" g="0" b="0"/>
+      </a:lnRef>
+      <a:fillRef idx="3">
+        <a:scrgbClr r="0" g="0" b="0"/>
+      </a:fillRef>
+      <a:effectRef idx="2">
+        <a:scrgbClr r="0" g="0" b="0"/>
+      </a:effectRef>
+      <a:fontRef idx="minor">
+        <a:schemeClr val="lt1"/>
+      </a:fontRef>
+    </dgm:style>
+  </dgm:styleLbl>
+  <dgm:styleLbl name="asst4">
+    <dgm:scene3d>
+      <a:camera prst="orthographicFront"/>
+      <a:lightRig rig="threePt" dir="t"/>
+    </dgm:scene3d>
+    <dgm:sp3d/>
+    <dgm:txPr/>
+    <dgm:style>
+      <a:lnRef idx="0">
+        <a:scrgbClr r="0" g="0" b="0"/>
+      </a:lnRef>
+      <a:fillRef idx="3">
+        <a:scrgbClr r="0" g="0" b="0"/>
+      </a:fillRef>
+      <a:effectRef idx="2">
+        <a:scrgbClr r="0" g="0" b="0"/>
+      </a:effectRef>
+      <a:fontRef idx="minor">
+        <a:schemeClr val="lt1"/>
+      </a:fontRef>
+    </dgm:style>
+  </dgm:styleLbl>
+  <dgm:styleLbl name="parChTrans2D1">
+    <dgm:scene3d>
+      <a:camera prst="orthographicFront"/>
+      <a:lightRig rig="threePt" dir="t"/>
+    </dgm:scene3d>
+    <dgm:sp3d/>
+    <dgm:txPr/>
+    <dgm:style>
+      <a:lnRef idx="0">
+        <a:scrgbClr r="0" g="0" b="0"/>
+      </a:lnRef>
+      <a:fillRef idx="3">
+        <a:scrgbClr r="0" g="0" b="0"/>
+      </a:fillRef>
+      <a:effectRef idx="2">
+        <a:scrgbClr r="0" g="0" b="0"/>
+      </a:effectRef>
+      <a:fontRef idx="minor">
+        <a:schemeClr val="lt1"/>
+      </a:fontRef>
+    </dgm:style>
+  </dgm:styleLbl>
+  <dgm:styleLbl name="parChTrans2D2">
+    <dgm:scene3d>
+      <a:camera prst="orthographicFront"/>
+      <a:lightRig rig="threePt" dir="t"/>
+    </dgm:scene3d>
+    <dgm:sp3d/>
+    <dgm:txPr/>
+    <dgm:style>
+      <a:lnRef idx="0">
+        <a:scrgbClr r="0" g="0" b="0"/>
+      </a:lnRef>
+      <a:fillRef idx="3">
+        <a:scrgbClr r="0" g="0" b="0"/>
+      </a:fillRef>
+      <a:effectRef idx="2">
+        <a:scrgbClr r="0" g="0" b="0"/>
+      </a:effectRef>
+      <a:fontRef idx="minor">
+        <a:schemeClr val="lt1"/>
+      </a:fontRef>
+    </dgm:style>
+  </dgm:styleLbl>
+  <dgm:styleLbl name="parChTrans2D3">
+    <dgm:scene3d>
+      <a:camera prst="orthographicFront"/>
+      <a:lightRig rig="threePt" dir="t"/>
+    </dgm:scene3d>
+    <dgm:sp3d/>
+    <dgm:txPr/>
+    <dgm:style>
+      <a:lnRef idx="1">
+        <a:scrgbClr r="0" g="0" b="0"/>
+      </a:lnRef>
+      <a:fillRef idx="3">
+        <a:scrgbClr r="0" g="0" b="0"/>
+      </a:fillRef>
+      <a:effectRef idx="2">
+        <a:scrgbClr r="0" g="0" b="0"/>
+      </a:effectRef>
+      <a:fontRef idx="minor">
+        <a:schemeClr val="lt1"/>
+      </a:fontRef>
+    </dgm:style>
+  </dgm:styleLbl>
+  <dgm:styleLbl name="parChTrans2D4">
+    <dgm:scene3d>
+      <a:camera prst="orthographicFront"/>
+      <a:lightRig rig="threePt" dir="t"/>
+    </dgm:scene3d>
+    <dgm:sp3d/>
+    <dgm:txPr/>
+    <dgm:style>
+      <a:lnRef idx="1">
+        <a:scrgbClr r="0" g="0" b="0"/>
+      </a:lnRef>
+      <a:fillRef idx="3">
+        <a:scrgbClr r="0" g="0" b="0"/>
+      </a:fillRef>
+      <a:effectRef idx="2">
+        <a:scrgbClr r="0" g="0" b="0"/>
+      </a:effectRef>
+      <a:fontRef idx="minor">
+        <a:schemeClr val="lt1"/>
+      </a:fontRef>
+    </dgm:style>
+  </dgm:styleLbl>
+  <dgm:styleLbl name="parChTrans1D1">
+    <dgm:scene3d>
+      <a:camera prst="orthographicFront"/>
+      <a:lightRig rig="threePt" dir="t"/>
+    </dgm:scene3d>
+    <dgm:sp3d/>
+    <dgm:txPr/>
+    <dgm:style>
+      <a:lnRef idx="1">
+        <a:scrgbClr r="0" g="0" b="0"/>
+      </a:lnRef>
+      <a:fillRef idx="0">
+        <a:scrgbClr r="0" g="0" b="0"/>
+      </a:fillRef>
+      <a:effectRef idx="0">
+        <a:scrgbClr r="0" g="0" b="0"/>
+      </a:effectRef>
+      <a:fontRef idx="minor"/>
+    </dgm:style>
+  </dgm:styleLbl>
+  <dgm:styleLbl name="parChTrans1D2">
+    <dgm:scene3d>
+      <a:camera prst="orthographicFront"/>
+      <a:lightRig rig="threePt" dir="t"/>
+    </dgm:scene3d>
+    <dgm:sp3d/>
+    <dgm:txPr/>
+    <dgm:style>
+      <a:lnRef idx="1">
+        <a:scrgbClr r="0" g="0" b="0"/>
+      </a:lnRef>
+      <a:fillRef idx="0">
+        <a:scrgbClr r="0" g="0" b="0"/>
+      </a:fillRef>
+      <a:effectRef idx="0">
+        <a:scrgbClr r="0" g="0" b="0"/>
+      </a:effectRef>
+      <a:fontRef idx="minor"/>
+    </dgm:style>
+  </dgm:styleLbl>
+  <dgm:styleLbl name="parChTrans1D3">
+    <dgm:scene3d>
+      <a:camera prst="orthographicFront"/>
+      <a:lightRig rig="threePt" dir="t"/>
+    </dgm:scene3d>
+    <dgm:sp3d/>
+    <dgm:txPr/>
+    <dgm:style>
+      <a:lnRef idx="1">
+        <a:scrgbClr r="0" g="0" b="0"/>
+      </a:lnRef>
+      <a:fillRef idx="0">
+        <a:scrgbClr r="0" g="0" b="0"/>
+      </a:fillRef>
+      <a:effectRef idx="0">
+        <a:scrgbClr r="0" g="0" b="0"/>
+      </a:effectRef>
+      <a:fontRef idx="minor"/>
+    </dgm:style>
+  </dgm:styleLbl>
+  <dgm:styleLbl name="parChTrans1D4">
+    <dgm:scene3d>
+      <a:camera prst="orthographicFront"/>
+      <a:lightRig rig="threePt" dir="t"/>
+    </dgm:scene3d>
+    <dgm:sp3d/>
+    <dgm:txPr/>
+    <dgm:style>
+      <a:lnRef idx="1">
+        <a:scrgbClr r="0" g="0" b="0"/>
+      </a:lnRef>
+      <a:fillRef idx="0">
+        <a:scrgbClr r="0" g="0" b="0"/>
+      </a:fillRef>
+      <a:effectRef idx="0">
+        <a:scrgbClr r="0" g="0" b="0"/>
+      </a:effectRef>
+      <a:fontRef idx="minor"/>
+    </dgm:style>
+  </dgm:styleLbl>
+  <dgm:styleLbl name="fgAcc1">
+    <dgm:scene3d>
+      <a:camera prst="orthographicFront"/>
+      <a:lightRig rig="threePt" dir="t"/>
+    </dgm:scene3d>
+    <dgm:sp3d/>
+    <dgm:txPr/>
+    <dgm:style>
+      <a:lnRef idx="1">
+        <a:scrgbClr r="0" g="0" b="0"/>
+      </a:lnRef>
+      <a:fillRef idx="1">
+        <a:scrgbClr r="0" g="0" b="0"/>
+      </a:fillRef>
+      <a:effectRef idx="0">
+        <a:scrgbClr r="0" g="0" b="0"/>
+      </a:effectRef>
+      <a:fontRef idx="minor"/>
+    </dgm:style>
+  </dgm:styleLbl>
+  <dgm:styleLbl name="conFgAcc1">
+    <dgm:scene3d>
+      <a:camera prst="orthographicFront"/>
+      <a:lightRig rig="threePt" dir="t"/>
+    </dgm:scene3d>
+    <dgm:sp3d/>
+    <dgm:txPr/>
+    <dgm:style>
+      <a:lnRef idx="1">
+        <a:scrgbClr r="0" g="0" b="0"/>
+      </a:lnRef>
+      <a:fillRef idx="1">
+        <a:scrgbClr r="0" g="0" b="0"/>
+      </a:fillRef>
+      <a:effectRef idx="0">
+        <a:scrgbClr r="0" g="0" b="0"/>
+      </a:effectRef>
+      <a:fontRef idx="minor"/>
+    </dgm:style>
+  </dgm:styleLbl>
+  <dgm:styleLbl name="alignAcc1">
+    <dgm:scene3d>
+      <a:camera prst="orthographicFront"/>
+      <a:lightRig rig="threePt" dir="t"/>
+    </dgm:scene3d>
+    <dgm:sp3d/>
+    <dgm:txPr/>
+    <dgm:style>
+      <a:lnRef idx="1">
+        <a:scrgbClr r="0" g="0" b="0"/>
+      </a:lnRef>
+      <a:fillRef idx="1">
+        <a:scrgbClr r="0" g="0" b="0"/>
+      </a:fillRef>
+      <a:effectRef idx="0">
+        <a:scrgbClr r="0" g="0" b="0"/>
+      </a:effectRef>
+      <a:fontRef idx="minor"/>
+    </dgm:style>
+  </dgm:styleLbl>
+  <dgm:styleLbl name="trAlignAcc1">
+    <dgm:scene3d>
+      <a:camera prst="orthographicFront"/>
+      <a:lightRig rig="threePt" dir="t"/>
+    </dgm:scene3d>
+    <dgm:sp3d/>
+    <dgm:txPr/>
+    <dgm:style>
+      <a:lnRef idx="1">
+        <a:scrgbClr r="0" g="0" b="0"/>
+      </a:lnRef>
+      <a:fillRef idx="1">
+        <a:scrgbClr r="0" g="0" b="0"/>
+      </a:fillRef>
+      <a:effectRef idx="0">
+        <a:scrgbClr r="0" g="0" b="0"/>
+      </a:effectRef>
+      <a:fontRef idx="minor"/>
+    </dgm:style>
+  </dgm:styleLbl>
+  <dgm:styleLbl name="bgAcc1">
+    <dgm:scene3d>
+      <a:camera prst="orthographicFront"/>
+      <a:lightRig rig="threePt" dir="t"/>
+    </dgm:scene3d>
+    <dgm:sp3d/>
+    <dgm:txPr/>
+    <dgm:style>
+      <a:lnRef idx="1">
+        <a:scrgbClr r="0" g="0" b="0"/>
+      </a:lnRef>
+      <a:fillRef idx="1">
+        <a:scrgbClr r="0" g="0" b="0"/>
+      </a:fillRef>
+      <a:effectRef idx="0">
+        <a:scrgbClr r="0" g="0" b="0"/>
+      </a:effectRef>
+      <a:fontRef idx="minor"/>
+    </dgm:style>
+  </dgm:styleLbl>
+  <dgm:styleLbl name="solidFgAcc1">
+    <dgm:scene3d>
+      <a:camera prst="orthographicFront"/>
+      <a:lightRig rig="threePt" dir="t"/>
+    </dgm:scene3d>
+    <dgm:sp3d/>
+    <dgm:txPr/>
+    <dgm:style>
+      <a:lnRef idx="1">
+        <a:scrgbClr r="0" g="0" b="0"/>
+      </a:lnRef>
+      <a:fillRef idx="1">
+        <a:scrgbClr r="0" g="0" b="0"/>
+      </a:fillRef>
+      <a:effectRef idx="0">
+        <a:scrgbClr r="0" g="0" b="0"/>
+      </a:effectRef>
+      <a:fontRef idx="minor"/>
+    </dgm:style>
+  </dgm:styleLbl>
+  <dgm:styleLbl name="solidAlignAcc1">
+    <dgm:scene3d>
+      <a:camera prst="orthographicFront"/>
+      <a:lightRig rig="threePt" dir="t"/>
+    </dgm:scene3d>
+    <dgm:sp3d/>
+    <dgm:txPr/>
+    <dgm:style>
+      <a:lnRef idx="1">
+        <a:scrgbClr r="0" g="0" b="0"/>
+      </a:lnRef>
+      <a:fillRef idx="1">
+        <a:scrgbClr r="0" g="0" b="0"/>
+      </a:fillRef>
+      <a:effectRef idx="0">
+        <a:scrgbClr r="0" g="0" b="0"/>
+      </a:effectRef>
+      <a:fontRef idx="minor"/>
+    </dgm:style>
+  </dgm:styleLbl>
+  <dgm:styleLbl name="solidBgAcc1">
+    <dgm:scene3d>
+      <a:camera prst="orthographicFront"/>
+      <a:lightRig rig="threePt" dir="t"/>
+    </dgm:scene3d>
+    <dgm:sp3d/>
+    <dgm:txPr/>
+    <dgm:style>
+      <a:lnRef idx="1">
+        <a:scrgbClr r="0" g="0" b="0"/>
+      </a:lnRef>
+      <a:fillRef idx="1">
+        <a:scrgbClr r="0" g="0" b="0"/>
+      </a:fillRef>
+      <a:effectRef idx="0">
+        <a:scrgbClr r="0" g="0" b="0"/>
+      </a:effectRef>
+      <a:fontRef idx="minor"/>
+    </dgm:style>
+  </dgm:styleLbl>
+  <dgm:styleLbl name="fgAccFollowNode1">
+    <dgm:scene3d>
+      <a:camera prst="orthographicFront"/>
+      <a:lightRig rig="threePt" dir="t"/>
+    </dgm:scene3d>
+    <dgm:sp3d/>
+    <dgm:txPr/>
+    <dgm:style>
+      <a:lnRef idx="1">
+        <a:scrgbClr r="0" g="0" b="0"/>
+      </a:lnRef>
+      <a:fillRef idx="1">
+        <a:scrgbClr r="0" g="0" b="0"/>
+      </a:fillRef>
+      <a:effectRef idx="0">
+        <a:scrgbClr r="0" g="0" b="0"/>
+      </a:effectRef>
+      <a:fontRef idx="minor"/>
+    </dgm:style>
+  </dgm:styleLbl>
+  <dgm:styleLbl name="alignAccFollowNode1">
+    <dgm:scene3d>
+      <a:camera prst="orthographicFront"/>
+      <a:lightRig rig="threePt" dir="t"/>
+    </dgm:scene3d>
+    <dgm:sp3d/>
+    <dgm:txPr/>
+    <dgm:style>
+      <a:lnRef idx="1">
+        <a:scrgbClr r="0" g="0" b="0"/>
+      </a:lnRef>
+      <a:fillRef idx="1">
+        <a:scrgbClr r="0" g="0" b="0"/>
+      </a:fillRef>
+      <a:effectRef idx="0">
+        <a:scrgbClr r="0" g="0" b="0"/>
+      </a:effectRef>
+      <a:fontRef idx="minor"/>
+    </dgm:style>
+  </dgm:styleLbl>
+  <dgm:styleLbl name="bgAccFollowNode1">
+    <dgm:scene3d>
+      <a:camera prst="orthographicFront"/>
+      <a:lightRig rig="threePt" dir="t"/>
+    </dgm:scene3d>
+    <dgm:sp3d/>
+    <dgm:txPr/>
+    <dgm:style>
+      <a:lnRef idx="1">
+        <a:scrgbClr r="0" g="0" b="0"/>
+      </a:lnRef>
+      <a:fillRef idx="1">
+        <a:scrgbClr r="0" g="0" b="0"/>
+      </a:fillRef>
+      <a:effectRef idx="0">
+        <a:scrgbClr r="0" g="0" b="0"/>
+      </a:effectRef>
+      <a:fontRef idx="minor"/>
+    </dgm:style>
+  </dgm:styleLbl>
+  <dgm:styleLbl name="fgAcc0">
+    <dgm:scene3d>
+      <a:camera prst="orthographicFront"/>
+      <a:lightRig rig="threePt" dir="t"/>
+    </dgm:scene3d>
+    <dgm:sp3d/>
+    <dgm:txPr/>
+    <dgm:style>
+      <a:lnRef idx="1">
+        <a:scrgbClr r="0" g="0" b="0"/>
+      </a:lnRef>
+      <a:fillRef idx="1">
+        <a:scrgbClr r="0" g="0" b="0"/>
+      </a:fillRef>
+      <a:effectRef idx="0">
+        <a:scrgbClr r="0" g="0" b="0"/>
+      </a:effectRef>
+      <a:fontRef idx="minor"/>
+    </dgm:style>
+  </dgm:styleLbl>
+  <dgm:styleLbl name="fgAcc2">
+    <dgm:scene3d>
+      <a:camera prst="orthographicFront"/>
+      <a:lightRig rig="threePt" dir="t"/>
+    </dgm:scene3d>
+    <dgm:sp3d/>
+    <dgm:txPr/>
+    <dgm:style>
+      <a:lnRef idx="1">
+        <a:scrgbClr r="0" g="0" b="0"/>
+      </a:lnRef>
+      <a:fillRef idx="1">
+        <a:scrgbClr r="0" g="0" b="0"/>
+      </a:fillRef>
+      <a:effectRef idx="0">
+        <a:scrgbClr r="0" g="0" b="0"/>
+      </a:effectRef>
+      <a:fontRef idx="minor"/>
+    </dgm:style>
+  </dgm:styleLbl>
+  <dgm:styleLbl name="fgAcc3">
+    <dgm:scene3d>
+      <a:camera prst="orthographicFront"/>
+      <a:lightRig rig="threePt" dir="t"/>
+    </dgm:scene3d>
+    <dgm:sp3d/>
+    <dgm:txPr/>
+    <dgm:style>
+      <a:lnRef idx="1">
+        <a:scrgbClr r="0" g="0" b="0"/>
+      </a:lnRef>
+      <a:fillRef idx="1">
+        <a:scrgbClr r="0" g="0" b="0"/>
+      </a:fillRef>
+      <a:effectRef idx="0">
+        <a:scrgbClr r="0" g="0" b="0"/>
+      </a:effectRef>
+      <a:fontRef idx="minor"/>
+    </dgm:style>
+  </dgm:styleLbl>
+  <dgm:styleLbl name="fgAcc4">
+    <dgm:scene3d>
+      <a:camera prst="orthographicFront"/>
+      <a:lightRig rig="threePt" dir="t"/>
+    </dgm:scene3d>
+    <dgm:sp3d/>
+    <dgm:txPr/>
+    <dgm:style>
+      <a:lnRef idx="1">
+        <a:scrgbClr r="0" g="0" b="0"/>
+      </a:lnRef>
+      <a:fillRef idx="1">
+        <a:scrgbClr r="0" g="0" b="0"/>
+      </a:fillRef>
+      <a:effectRef idx="0">
+        <a:scrgbClr r="0" g="0" b="0"/>
+      </a:effectRef>
+      <a:fontRef idx="minor"/>
+    </dgm:style>
+  </dgm:styleLbl>
+  <dgm:styleLbl name="bgShp">
+    <dgm:scene3d>
+      <a:camera prst="orthographicFront"/>
+      <a:lightRig rig="threePt" dir="t"/>
+    </dgm:scene3d>
+    <dgm:sp3d/>
+    <dgm:txPr/>
+    <dgm:style>
+      <a:lnRef idx="0">
+        <a:scrgbClr r="0" g="0" b="0"/>
+      </a:lnRef>
+      <a:fillRef idx="1">
+        <a:scrgbClr r="0" g="0" b="0"/>
+      </a:fillRef>
+      <a:effectRef idx="2">
+        <a:scrgbClr r="0" g="0" b="0"/>
+      </a:effectRef>
+      <a:fontRef idx="minor"/>
+    </dgm:style>
+  </dgm:styleLbl>
+  <dgm:styleLbl name="dkBgShp">
+    <dgm:scene3d>
+      <a:camera prst="orthographicFront"/>
+      <a:lightRig rig="threePt" dir="t"/>
+    </dgm:scene3d>
+    <dgm:sp3d/>
+    <dgm:txPr/>
+    <dgm:style>
+      <a:lnRef idx="0">
+        <a:scrgbClr r="0" g="0" b="0"/>
+      </a:lnRef>
+      <a:fillRef idx="1">
+        <a:scrgbClr r="0" g="0" b="0"/>
+      </a:fillRef>
+      <a:effectRef idx="2">
+        <a:scrgbClr r="0" g="0" b="0"/>
+      </a:effectRef>
+      <a:fontRef idx="minor"/>
+    </dgm:style>
+  </dgm:styleLbl>
+  <dgm:styleLbl name="trBgShp">
+    <dgm:scene3d>
+      <a:camera prst="orthographicFront"/>
+      <a:lightRig rig="threePt" dir="t"/>
+    </dgm:scene3d>
+    <dgm:sp3d/>
+    <dgm:txPr/>
+    <dgm:style>
+      <a:lnRef idx="0">
+        <a:scrgbClr r="0" g="0" b="0"/>
+      </a:lnRef>
+      <a:fillRef idx="1">
+        <a:scrgbClr r="0" g="0" b="0"/>
+      </a:fillRef>
+      <a:effectRef idx="0">
+        <a:scrgbClr r="0" g="0" b="0"/>
+      </a:effectRef>
+      <a:fontRef idx="minor"/>
+    </dgm:style>
+  </dgm:styleLbl>
+  <dgm:styleLbl name="fgShp">
+    <dgm:scene3d>
+      <a:camera prst="orthographicFront"/>
+      <a:lightRig rig="threePt" dir="t"/>
+    </dgm:scene3d>
+    <dgm:sp3d/>
+    <dgm:txPr/>
+    <dgm:style>
+      <a:lnRef idx="0">
+        <a:scrgbClr r="0" g="0" b="0"/>
+      </a:lnRef>
+      <a:fillRef idx="3">
+        <a:scrgbClr r="0" g="0" b="0"/>
+      </a:fillRef>
+      <a:effectRef idx="2">
+        <a:scrgbClr r="0" g="0" b="0"/>
+      </a:effectRef>
+      <a:fontRef idx="minor"/>
+    </dgm:style>
+  </dgm:styleLbl>
+  <dgm:styleLbl name="revTx">
+    <dgm:scene3d>
+      <a:camera prst="orthographicFront"/>
+      <a:lightRig rig="threePt" dir="t"/>
+    </dgm:scene3d>
+    <dgm:sp3d/>
+    <dgm:txPr/>
+    <dgm:style>
+      <a:lnRef idx="0">
+        <a:scrgbClr r="0" g="0" b="0"/>
+      </a:lnRef>
+      <a:fillRef idx="0">
+        <a:scrgbClr r="0" g="0" b="0"/>
+      </a:fillRef>
+      <a:effectRef idx="0">
+        <a:scrgbClr r="0" g="0" b="0"/>
+      </a:effectRef>
+      <a:fontRef idx="minor"/>
+    </dgm:style>
+  </dgm:styleLbl>
+</dgm:styleDef>
+</file>
+
 <file path=ppt/notesMasters/notesMaster1.xml><?xml version="1.0" encoding="utf-8"?>
 <p:notesMaster xmlns:a="http://schemas.openxmlformats.org/drawingml/2006/main" xmlns:r="http://schemas.openxmlformats.org/officeDocument/2006/relationships" xmlns:p="http://schemas.openxmlformats.org/presentationml/2006/main">
   <p:cSld>
@@ -222,7 +3107,7 @@
           <a:p>
             <a:fld id="{6D6D7260-B7E4-B548-BD1F-84ED14536037}" type="datetimeFigureOut">
               <a:rPr lang="en-AU" smtClean="0"/>
-              <a:t>29/4/21</a:t>
+              <a:t>20/7/21</a:t>
             </a:fld>
             <a:endParaRPr lang="en-AU"/>
           </a:p>
@@ -675,7 +3560,7 @@
           <a:p>
             <a:fld id="{88D38747-4367-4BD2-8D51-C97E202738E2}" type="datetime1">
               <a:rPr lang="en-US" smtClean="0"/>
-              <a:t>4/29/21</a:t>
+              <a:t>7/20/21</a:t>
             </a:fld>
             <a:endParaRPr lang="en-US" dirty="0"/>
           </a:p>
@@ -980,7 +3865,7 @@
           <a:p>
             <a:fld id="{11F1B079-7EF0-44EE-B798-BCC497C9F3B2}" type="datetime1">
               <a:rPr lang="en-US" smtClean="0"/>
-              <a:t>4/29/21</a:t>
+              <a:t>7/20/21</a:t>
             </a:fld>
             <a:endParaRPr lang="en-US" dirty="0"/>
           </a:p>
@@ -1174,7 +4059,7 @@
           <a:p>
             <a:fld id="{28FF70A8-1D13-4657-95F0-A9EA54967B8D}" type="datetime1">
               <a:rPr lang="en-US" smtClean="0"/>
-              <a:t>4/29/21</a:t>
+              <a:t>7/20/21</a:t>
             </a:fld>
             <a:endParaRPr lang="en-US" dirty="0"/>
           </a:p>
@@ -1437,7 +4322,7 @@
           <a:p>
             <a:fld id="{21EB90AC-71BD-4C7F-8ACA-7B3F18292E63}" type="datetime1">
               <a:rPr lang="en-US" smtClean="0"/>
-              <a:t>4/29/21</a:t>
+              <a:t>7/20/21</a:t>
             </a:fld>
             <a:endParaRPr lang="en-US" dirty="0"/>
           </a:p>
@@ -1873,7 +4758,7 @@
           <a:p>
             <a:fld id="{4E6EFC2C-8905-46F0-B443-CE905B76BA01}" type="datetime1">
               <a:rPr lang="en-US" smtClean="0"/>
-              <a:t>4/29/21</a:t>
+              <a:t>7/20/21</a:t>
             </a:fld>
             <a:endParaRPr lang="en-US" dirty="0"/>
           </a:p>
@@ -2410,7 +5295,7 @@
           <a:p>
             <a:fld id="{D9079DC3-C9B5-499E-9140-0DC28B7074E2}" type="datetime1">
               <a:rPr lang="en-US" smtClean="0"/>
-              <a:t>4/29/21</a:t>
+              <a:t>7/20/21</a:t>
             </a:fld>
             <a:endParaRPr lang="en-US" dirty="0"/>
           </a:p>
@@ -3292,7 +6177,7 @@
           <a:p>
             <a:fld id="{30BB33EA-E472-4D22-9C03-A9C14AA21CED}" type="datetime1">
               <a:rPr lang="en-US" smtClean="0"/>
-              <a:t>4/29/21</a:t>
+              <a:t>7/20/21</a:t>
             </a:fld>
             <a:endParaRPr lang="en-US" dirty="0"/>
           </a:p>
@@ -3462,7 +6347,7 @@
           <a:p>
             <a:fld id="{217E833E-1B6D-415F-AD29-75AE8C43BD0D}" type="datetime1">
               <a:rPr lang="en-US" smtClean="0"/>
-              <a:t>4/29/21</a:t>
+              <a:t>7/20/21</a:t>
             </a:fld>
             <a:endParaRPr lang="en-US" dirty="0"/>
           </a:p>
@@ -3646,7 +6531,7 @@
           <a:p>
             <a:fld id="{8452596F-08A7-4B70-989A-F2B1CF31E66B}" type="datetime1">
               <a:rPr lang="en-US" smtClean="0"/>
-              <a:t>4/29/21</a:t>
+              <a:t>7/20/21</a:t>
             </a:fld>
             <a:endParaRPr lang="en-US" dirty="0"/>
           </a:p>
@@ -3816,7 +6701,7 @@
           <a:p>
             <a:fld id="{73C55A3C-5767-4844-A0A3-83778C2E5409}" type="datetime1">
               <a:rPr lang="en-US" smtClean="0"/>
-              <a:t>4/29/21</a:t>
+              <a:t>7/20/21</a:t>
             </a:fld>
             <a:endParaRPr lang="en-US" dirty="0"/>
           </a:p>
@@ -4060,7 +6945,7 @@
           <a:p>
             <a:fld id="{CAE507A8-A5CF-4D38-AB86-7EDDA87A85D4}" type="datetime1">
               <a:rPr lang="en-US" smtClean="0"/>
-              <a:t>4/29/21</a:t>
+              <a:t>7/20/21</a:t>
             </a:fld>
             <a:endParaRPr lang="en-US" dirty="0"/>
           </a:p>
@@ -4302,7 +7187,7 @@
           <a:p>
             <a:fld id="{BDFCD27C-8599-43EF-BA1D-14DDC1946E06}" type="datetime1">
               <a:rPr lang="en-US" smtClean="0"/>
-              <a:t>4/29/21</a:t>
+              <a:t>7/20/21</a:t>
             </a:fld>
             <a:endParaRPr lang="en-US" dirty="0"/>
           </a:p>
@@ -4783,7 +7668,7 @@
           <a:p>
             <a:fld id="{49343D99-809A-49C0-96E5-4250D0B498EE}" type="datetime1">
               <a:rPr lang="en-US" smtClean="0"/>
-              <a:t>4/29/21</a:t>
+              <a:t>7/20/21</a:t>
             </a:fld>
             <a:endParaRPr lang="en-US" dirty="0"/>
           </a:p>
@@ -4901,7 +7786,7 @@
           <a:p>
             <a:fld id="{A143DE9B-B678-4EFB-BB7D-A4370204A0B0}" type="datetime1">
               <a:rPr lang="en-US" smtClean="0"/>
-              <a:t>4/29/21</a:t>
+              <a:t>7/20/21</a:t>
             </a:fld>
             <a:endParaRPr lang="en-US" dirty="0"/>
           </a:p>
@@ -4996,7 +7881,7 @@
           <a:p>
             <a:fld id="{E68812DA-F765-4142-A6A3-A8ED7235E082}" type="datetime1">
               <a:rPr lang="en-US" smtClean="0"/>
-              <a:t>4/29/21</a:t>
+              <a:t>7/20/21</a:t>
             </a:fld>
             <a:endParaRPr lang="en-US" dirty="0"/>
           </a:p>
@@ -5251,7 +8136,7 @@
           <a:p>
             <a:fld id="{3E0277FD-7DE6-41D4-930D-AC99F5AFE54E}" type="datetime1">
               <a:rPr lang="en-US" smtClean="0"/>
-              <a:t>4/29/21</a:t>
+              <a:t>7/20/21</a:t>
             </a:fld>
             <a:endParaRPr lang="en-US" dirty="0"/>
           </a:p>
@@ -5558,7 +8443,7 @@
           <a:p>
             <a:fld id="{9EA15526-7079-4B7B-987C-1B5FAE11A0FF}" type="datetime1">
               <a:rPr lang="en-US" smtClean="0"/>
-              <a:t>4/29/21</a:t>
+              <a:t>7/20/21</a:t>
             </a:fld>
             <a:endParaRPr lang="en-US" dirty="0"/>
           </a:p>
@@ -5793,7 +8678,7 @@
           <a:p>
             <a:fld id="{073ED0CC-082F-4160-86E5-0D6041F12778}" type="datetime1">
               <a:rPr lang="en-US" smtClean="0"/>
-              <a:t>4/29/21</a:t>
+              <a:t>7/20/21</a:t>
             </a:fld>
             <a:endParaRPr lang="en-US" dirty="0"/>
           </a:p>
@@ -6704,7 +9589,7 @@
           </a:effectLst>
           <a:extLst>
             <a:ext uri="{91240B29-F687-4f45-9708-019B960494DF}">
-              <a14:hiddenLine xmlns:a16="http://schemas.microsoft.com/office/drawing/2014/main" xmlns:p14="http://schemas.microsoft.com/office/powerpoint/2010/main" xmlns:a14="http://schemas.microsoft.com/office/drawing/2010/main" xmlns="" w="9525">
+              <a14:hiddenLine xmlns="" xmlns:a14="http://schemas.microsoft.com/office/drawing/2010/main" xmlns:p14="http://schemas.microsoft.com/office/powerpoint/2010/main" xmlns:a16="http://schemas.microsoft.com/office/drawing/2014/main" w="9525">
                 <a:solidFill>
                   <a:srgbClr val="000000"/>
                 </a:solidFill>
@@ -6822,539 +9707,6 @@
 </file>
 
 <file path=ppt/slides/slide10.xml><?xml version="1.0" encoding="utf-8"?>
-<p:sld xmlns:a="http://schemas.openxmlformats.org/drawingml/2006/main" xmlns:r="http://schemas.openxmlformats.org/officeDocument/2006/relationships" xmlns:p="http://schemas.openxmlformats.org/presentationml/2006/main">
-  <p:cSld>
-    <p:spTree>
-      <p:nvGrpSpPr>
-        <p:cNvPr id="1" name=""/>
-        <p:cNvGrpSpPr/>
-        <p:nvPr/>
-      </p:nvGrpSpPr>
-      <p:grpSpPr>
-        <a:xfrm>
-          <a:off x="0" y="0"/>
-          <a:ext cx="0" cy="0"/>
-          <a:chOff x="0" y="0"/>
-          <a:chExt cx="0" cy="0"/>
-        </a:xfrm>
-      </p:grpSpPr>
-      <p:sp>
-        <p:nvSpPr>
-          <p:cNvPr id="2" name="Title 1">
-            <a:extLst>
-              <a:ext uri="{FF2B5EF4-FFF2-40B4-BE49-F238E27FC236}">
-                <a16:creationId xmlns:a16="http://schemas.microsoft.com/office/drawing/2014/main" id="{5C4F01C5-5333-2248-B03B-703C97F7CC69}"/>
-              </a:ext>
-            </a:extLst>
-          </p:cNvPr>
-          <p:cNvSpPr>
-            <a:spLocks noGrp="1"/>
-          </p:cNvSpPr>
-          <p:nvPr>
-            <p:ph type="title"/>
-          </p:nvPr>
-        </p:nvSpPr>
-        <p:spPr/>
-        <p:txBody>
-          <a:bodyPr/>
-          <a:lstStyle/>
-          <a:p>
-            <a:r>
-              <a:rPr lang="en-AU" dirty="0"/>
-              <a:t>Attacks and Defences</a:t>
-            </a:r>
-          </a:p>
-        </p:txBody>
-      </p:sp>
-      <p:sp>
-        <p:nvSpPr>
-          <p:cNvPr id="3" name="Content Placeholder 2">
-            <a:extLst>
-              <a:ext uri="{FF2B5EF4-FFF2-40B4-BE49-F238E27FC236}">
-                <a16:creationId xmlns:a16="http://schemas.microsoft.com/office/drawing/2014/main" id="{F7DD7DCB-C7E2-1B4F-BD83-3B7AF005DD76}"/>
-              </a:ext>
-            </a:extLst>
-          </p:cNvPr>
-          <p:cNvSpPr>
-            <a:spLocks noGrp="1"/>
-          </p:cNvSpPr>
-          <p:nvPr>
-            <p:ph idx="1"/>
-          </p:nvPr>
-        </p:nvSpPr>
-        <p:spPr/>
-        <p:txBody>
-          <a:bodyPr>
-            <a:normAutofit/>
-          </a:bodyPr>
-          <a:lstStyle/>
-          <a:p>
-            <a:r>
-              <a:rPr lang="en-AU" dirty="0"/>
-              <a:t>Malware and attack technologies</a:t>
-            </a:r>
-          </a:p>
-          <a:p>
-            <a:pPr lvl="1"/>
-            <a:r>
-              <a:rPr lang="en-AU" dirty="0"/>
-              <a:t>Definitions and types  (taxonomy) of malware</a:t>
-            </a:r>
-          </a:p>
-          <a:p>
-            <a:pPr lvl="1"/>
-            <a:r>
-              <a:rPr lang="en-AU" dirty="0"/>
-              <a:t>Analysis techniques</a:t>
-            </a:r>
-          </a:p>
-          <a:p>
-            <a:pPr lvl="1"/>
-            <a:r>
-              <a:rPr lang="en-AU" dirty="0"/>
-              <a:t>Defences</a:t>
-            </a:r>
-          </a:p>
-          <a:p>
-            <a:r>
-              <a:rPr lang="en-AU" dirty="0"/>
-              <a:t>Adversarial Behaviours</a:t>
-            </a:r>
-          </a:p>
-          <a:p>
-            <a:pPr lvl="1"/>
-            <a:r>
-              <a:rPr lang="en-AU" dirty="0"/>
-              <a:t>Security operations and incident management</a:t>
-            </a:r>
-          </a:p>
-          <a:p>
-            <a:pPr lvl="1"/>
-            <a:r>
-              <a:rPr lang="en-AU" dirty="0"/>
-              <a:t>Forensics</a:t>
-            </a:r>
-          </a:p>
-        </p:txBody>
-      </p:sp>
-      <p:sp>
-        <p:nvSpPr>
-          <p:cNvPr id="4" name="Footer Placeholder 3">
-            <a:extLst>
-              <a:ext uri="{FF2B5EF4-FFF2-40B4-BE49-F238E27FC236}">
-                <a16:creationId xmlns:a16="http://schemas.microsoft.com/office/drawing/2014/main" id="{5293465A-4C2A-754E-8F5A-63A08A730A0E}"/>
-              </a:ext>
-            </a:extLst>
-          </p:cNvPr>
-          <p:cNvSpPr>
-            <a:spLocks noGrp="1"/>
-          </p:cNvSpPr>
-          <p:nvPr>
-            <p:ph type="ftr" sz="quarter" idx="11"/>
-          </p:nvPr>
-        </p:nvSpPr>
-        <p:spPr/>
-        <p:txBody>
-          <a:bodyPr/>
-          <a:lstStyle/>
-          <a:p>
-            <a:endParaRPr lang="en-US" dirty="0"/>
-          </a:p>
-        </p:txBody>
-      </p:sp>
-    </p:spTree>
-    <p:extLst>
-      <p:ext uri="{BB962C8B-B14F-4D97-AF65-F5344CB8AC3E}">
-        <p14:creationId xmlns:p14="http://schemas.microsoft.com/office/powerpoint/2010/main" val="1879703696"/>
-      </p:ext>
-    </p:extLst>
-  </p:cSld>
-  <p:clrMapOvr>
-    <a:masterClrMapping/>
-  </p:clrMapOvr>
-</p:sld>
-</file>
-
-<file path=ppt/slides/slide11.xml><?xml version="1.0" encoding="utf-8"?>
-<p:sld xmlns:a="http://schemas.openxmlformats.org/drawingml/2006/main" xmlns:r="http://schemas.openxmlformats.org/officeDocument/2006/relationships" xmlns:p="http://schemas.openxmlformats.org/presentationml/2006/main">
-  <p:cSld>
-    <p:spTree>
-      <p:nvGrpSpPr>
-        <p:cNvPr id="1" name=""/>
-        <p:cNvGrpSpPr/>
-        <p:nvPr/>
-      </p:nvGrpSpPr>
-      <p:grpSpPr>
-        <a:xfrm>
-          <a:off x="0" y="0"/>
-          <a:ext cx="0" cy="0"/>
-          <a:chOff x="0" y="0"/>
-          <a:chExt cx="0" cy="0"/>
-        </a:xfrm>
-      </p:grpSpPr>
-      <p:sp>
-        <p:nvSpPr>
-          <p:cNvPr id="2" name="Title 1">
-            <a:extLst>
-              <a:ext uri="{FF2B5EF4-FFF2-40B4-BE49-F238E27FC236}">
-                <a16:creationId xmlns:a16="http://schemas.microsoft.com/office/drawing/2014/main" id="{5C4F01C5-5333-2248-B03B-703C97F7CC69}"/>
-              </a:ext>
-            </a:extLst>
-          </p:cNvPr>
-          <p:cNvSpPr>
-            <a:spLocks noGrp="1"/>
-          </p:cNvSpPr>
-          <p:nvPr>
-            <p:ph type="title"/>
-          </p:nvPr>
-        </p:nvSpPr>
-        <p:spPr/>
-        <p:txBody>
-          <a:bodyPr/>
-          <a:lstStyle/>
-          <a:p>
-            <a:r>
-              <a:rPr lang="en-AU" dirty="0"/>
-              <a:t>System Security</a:t>
-            </a:r>
-          </a:p>
-        </p:txBody>
-      </p:sp>
-      <p:sp>
-        <p:nvSpPr>
-          <p:cNvPr id="3" name="Content Placeholder 2">
-            <a:extLst>
-              <a:ext uri="{FF2B5EF4-FFF2-40B4-BE49-F238E27FC236}">
-                <a16:creationId xmlns:a16="http://schemas.microsoft.com/office/drawing/2014/main" id="{F7DD7DCB-C7E2-1B4F-BD83-3B7AF005DD76}"/>
-              </a:ext>
-            </a:extLst>
-          </p:cNvPr>
-          <p:cNvSpPr>
-            <a:spLocks noGrp="1"/>
-          </p:cNvSpPr>
-          <p:nvPr>
-            <p:ph idx="1"/>
-          </p:nvPr>
-        </p:nvSpPr>
-        <p:spPr/>
-        <p:txBody>
-          <a:bodyPr>
-            <a:normAutofit lnSpcReduction="10000"/>
-          </a:bodyPr>
-          <a:lstStyle/>
-          <a:p>
-            <a:r>
-              <a:rPr lang="en-AU" dirty="0"/>
-              <a:t>Cryptography</a:t>
-            </a:r>
-          </a:p>
-          <a:p>
-            <a:pPr lvl="1"/>
-            <a:r>
-              <a:rPr lang="en-AU" dirty="0"/>
-              <a:t>History </a:t>
-            </a:r>
-          </a:p>
-          <a:p>
-            <a:pPr lvl="1"/>
-            <a:r>
-              <a:rPr lang="en-AU" dirty="0"/>
-              <a:t>Different forms of Cryptography</a:t>
-            </a:r>
-          </a:p>
-          <a:p>
-            <a:pPr lvl="1"/>
-            <a:r>
-              <a:rPr lang="en-AU" dirty="0"/>
-              <a:t>Keys, key strength</a:t>
-            </a:r>
-          </a:p>
-          <a:p>
-            <a:pPr lvl="1"/>
-            <a:r>
-              <a:rPr lang="en-AU" dirty="0"/>
-              <a:t>Contribution to Confidentiality and Integrity</a:t>
-            </a:r>
-          </a:p>
-          <a:p>
-            <a:r>
-              <a:rPr lang="en-AU" dirty="0"/>
-              <a:t>Authentication, Authorisation and Accountability</a:t>
-            </a:r>
-          </a:p>
-          <a:p>
-            <a:pPr lvl="1"/>
-            <a:r>
-              <a:rPr lang="en-AU" dirty="0"/>
-              <a:t>Ensuring that specific known people and processes have access to data and functions to carry out specific tasks</a:t>
-            </a:r>
-          </a:p>
-          <a:p>
-            <a:pPr lvl="1"/>
-            <a:r>
-              <a:rPr lang="en-AU" dirty="0"/>
-              <a:t>Access Control (Role, Attribute and Code)</a:t>
-            </a:r>
-          </a:p>
-        </p:txBody>
-      </p:sp>
-      <p:sp>
-        <p:nvSpPr>
-          <p:cNvPr id="4" name="Footer Placeholder 3">
-            <a:extLst>
-              <a:ext uri="{FF2B5EF4-FFF2-40B4-BE49-F238E27FC236}">
-                <a16:creationId xmlns:a16="http://schemas.microsoft.com/office/drawing/2014/main" id="{5293465A-4C2A-754E-8F5A-63A08A730A0E}"/>
-              </a:ext>
-            </a:extLst>
-          </p:cNvPr>
-          <p:cNvSpPr>
-            <a:spLocks noGrp="1"/>
-          </p:cNvSpPr>
-          <p:nvPr>
-            <p:ph type="ftr" sz="quarter" idx="11"/>
-          </p:nvPr>
-        </p:nvSpPr>
-        <p:spPr/>
-        <p:txBody>
-          <a:bodyPr/>
-          <a:lstStyle/>
-          <a:p>
-            <a:endParaRPr lang="en-US" dirty="0"/>
-          </a:p>
-        </p:txBody>
-      </p:sp>
-    </p:spTree>
-    <p:extLst>
-      <p:ext uri="{BB962C8B-B14F-4D97-AF65-F5344CB8AC3E}">
-        <p14:creationId xmlns:p14="http://schemas.microsoft.com/office/powerpoint/2010/main" val="755559664"/>
-      </p:ext>
-    </p:extLst>
-  </p:cSld>
-  <p:clrMapOvr>
-    <a:masterClrMapping/>
-  </p:clrMapOvr>
-</p:sld>
-</file>
-
-<file path=ppt/slides/slide12.xml><?xml version="1.0" encoding="utf-8"?>
-<p:sld xmlns:a="http://schemas.openxmlformats.org/drawingml/2006/main" xmlns:r="http://schemas.openxmlformats.org/officeDocument/2006/relationships" xmlns:p="http://schemas.openxmlformats.org/presentationml/2006/main">
-  <p:cSld>
-    <p:spTree>
-      <p:nvGrpSpPr>
-        <p:cNvPr id="1" name=""/>
-        <p:cNvGrpSpPr/>
-        <p:nvPr/>
-      </p:nvGrpSpPr>
-      <p:grpSpPr>
-        <a:xfrm>
-          <a:off x="0" y="0"/>
-          <a:ext cx="0" cy="0"/>
-          <a:chOff x="0" y="0"/>
-          <a:chExt cx="0" cy="0"/>
-        </a:xfrm>
-      </p:grpSpPr>
-      <p:sp>
-        <p:nvSpPr>
-          <p:cNvPr id="2" name="Title 1">
-            <a:extLst>
-              <a:ext uri="{FF2B5EF4-FFF2-40B4-BE49-F238E27FC236}">
-                <a16:creationId xmlns:a16="http://schemas.microsoft.com/office/drawing/2014/main" id="{5C4F01C5-5333-2248-B03B-703C97F7CC69}"/>
-              </a:ext>
-            </a:extLst>
-          </p:cNvPr>
-          <p:cNvSpPr>
-            <a:spLocks noGrp="1"/>
-          </p:cNvSpPr>
-          <p:nvPr>
-            <p:ph type="title"/>
-          </p:nvPr>
-        </p:nvSpPr>
-        <p:spPr/>
-        <p:txBody>
-          <a:bodyPr/>
-          <a:lstStyle/>
-          <a:p>
-            <a:r>
-              <a:rPr lang="en-AU" dirty="0"/>
-              <a:t>Software and Platform </a:t>
-            </a:r>
-            <a:r>
-              <a:rPr lang="en-AU" dirty="0" err="1"/>
-              <a:t>Secruity</a:t>
-            </a:r>
-            <a:endParaRPr lang="en-AU" dirty="0"/>
-          </a:p>
-        </p:txBody>
-      </p:sp>
-      <p:sp>
-        <p:nvSpPr>
-          <p:cNvPr id="3" name="Content Placeholder 2">
-            <a:extLst>
-              <a:ext uri="{FF2B5EF4-FFF2-40B4-BE49-F238E27FC236}">
-                <a16:creationId xmlns:a16="http://schemas.microsoft.com/office/drawing/2014/main" id="{F7DD7DCB-C7E2-1B4F-BD83-3B7AF005DD76}"/>
-              </a:ext>
-            </a:extLst>
-          </p:cNvPr>
-          <p:cNvSpPr>
-            <a:spLocks noGrp="1"/>
-          </p:cNvSpPr>
-          <p:nvPr>
-            <p:ph idx="1"/>
-          </p:nvPr>
-        </p:nvSpPr>
-        <p:spPr/>
-        <p:txBody>
-          <a:bodyPr>
-            <a:normAutofit fontScale="85000" lnSpcReduction="20000"/>
-          </a:bodyPr>
-          <a:lstStyle/>
-          <a:p>
-            <a:r>
-              <a:rPr lang="en-GB" dirty="0">
-                <a:effectLst/>
-              </a:rPr>
-              <a:t>Software security</a:t>
-            </a:r>
-          </a:p>
-          <a:p>
-            <a:pPr lvl="1"/>
-            <a:r>
-              <a:rPr lang="en-GB" dirty="0">
-                <a:effectLst/>
-              </a:rPr>
-              <a:t>Managing CIA in software</a:t>
-            </a:r>
-          </a:p>
-          <a:p>
-            <a:pPr lvl="1"/>
-            <a:r>
-              <a:rPr lang="en-GB" dirty="0">
-                <a:effectLst/>
-              </a:rPr>
-              <a:t>Software vulnerabilities</a:t>
-            </a:r>
-          </a:p>
-          <a:p>
-            <a:pPr lvl="2"/>
-            <a:r>
-              <a:rPr lang="en-GB" dirty="0">
-                <a:effectLst/>
-              </a:rPr>
-              <a:t>Detection</a:t>
-            </a:r>
-          </a:p>
-          <a:p>
-            <a:pPr lvl="2"/>
-            <a:r>
-              <a:rPr lang="en-GB" dirty="0">
-                <a:effectLst/>
-              </a:rPr>
-              <a:t>Remediation</a:t>
-            </a:r>
-          </a:p>
-          <a:p>
-            <a:pPr lvl="2"/>
-            <a:r>
-              <a:rPr lang="en-GB" dirty="0">
-                <a:effectLst/>
-              </a:rPr>
-              <a:t>Exploitation</a:t>
-            </a:r>
-          </a:p>
-          <a:p>
-            <a:r>
-              <a:rPr lang="en-GB" dirty="0">
-                <a:effectLst/>
-              </a:rPr>
-              <a:t>Web and mobile security</a:t>
-            </a:r>
-          </a:p>
-          <a:p>
-            <a:r>
-              <a:rPr lang="en-GB" dirty="0">
-                <a:effectLst/>
-              </a:rPr>
-              <a:t>Secure Software Lifecycle</a:t>
-            </a:r>
-          </a:p>
-          <a:p>
-            <a:pPr lvl="1"/>
-            <a:r>
-              <a:rPr lang="en-GB" dirty="0">
-                <a:effectLst/>
-              </a:rPr>
-              <a:t>Building, deploying and maintaining secure software</a:t>
-            </a:r>
-          </a:p>
-          <a:p>
-            <a:pPr lvl="1"/>
-            <a:r>
-              <a:rPr lang="en-GB" dirty="0">
-                <a:effectLst/>
-              </a:rPr>
-              <a:t>Microsoft Secure Development Lifecycle, </a:t>
-            </a:r>
-            <a:r>
-              <a:rPr lang="en-GB" dirty="0" err="1">
-                <a:effectLst/>
-              </a:rPr>
-              <a:t>SAFECode</a:t>
-            </a:r>
-            <a:endParaRPr lang="en-GB" dirty="0">
-              <a:effectLst/>
-            </a:endParaRPr>
-          </a:p>
-          <a:p>
-            <a:pPr lvl="1"/>
-            <a:r>
-              <a:rPr lang="en-GB" dirty="0">
-                <a:effectLst/>
-              </a:rPr>
-              <a:t>Assessment</a:t>
-            </a:r>
-            <a:endParaRPr lang="en-AU" dirty="0"/>
-          </a:p>
-        </p:txBody>
-      </p:sp>
-      <p:sp>
-        <p:nvSpPr>
-          <p:cNvPr id="4" name="Footer Placeholder 3">
-            <a:extLst>
-              <a:ext uri="{FF2B5EF4-FFF2-40B4-BE49-F238E27FC236}">
-                <a16:creationId xmlns:a16="http://schemas.microsoft.com/office/drawing/2014/main" id="{5293465A-4C2A-754E-8F5A-63A08A730A0E}"/>
-              </a:ext>
-            </a:extLst>
-          </p:cNvPr>
-          <p:cNvSpPr>
-            <a:spLocks noGrp="1"/>
-          </p:cNvSpPr>
-          <p:nvPr>
-            <p:ph type="ftr" sz="quarter" idx="11"/>
-          </p:nvPr>
-        </p:nvSpPr>
-        <p:spPr/>
-        <p:txBody>
-          <a:bodyPr/>
-          <a:lstStyle/>
-          <a:p>
-            <a:endParaRPr lang="en-US" dirty="0"/>
-          </a:p>
-        </p:txBody>
-      </p:sp>
-    </p:spTree>
-    <p:extLst>
-      <p:ext uri="{BB962C8B-B14F-4D97-AF65-F5344CB8AC3E}">
-        <p14:creationId xmlns:p14="http://schemas.microsoft.com/office/powerpoint/2010/main" val="3307510264"/>
-      </p:ext>
-    </p:extLst>
-  </p:cSld>
-  <p:clrMapOvr>
-    <a:masterClrMapping/>
-  </p:clrMapOvr>
-</p:sld>
-</file>
-
-<file path=ppt/slides/slide13.xml><?xml version="1.0" encoding="utf-8"?>
 <p:sld xmlns:a="http://schemas.openxmlformats.org/drawingml/2006/main" xmlns:r="http://schemas.openxmlformats.org/officeDocument/2006/relationships" xmlns:p="http://schemas.openxmlformats.org/presentationml/2006/main">
   <p:cSld>
     <p:bg>
@@ -7392,10 +9744,10 @@
       </p:grpSpPr>
       <p:sp useBgFill="1">
         <p:nvSpPr>
-          <p:cNvPr id="11" name="Rectangle 10">
+          <p:cNvPr id="27" name="Rectangle 26">
             <a:extLst>
               <a:ext uri="{FF2B5EF4-FFF2-40B4-BE49-F238E27FC236}">
-                <a16:creationId xmlns:a16="http://schemas.microsoft.com/office/drawing/2014/main" id="{95CB840F-8E41-4CA5-B79B-25CC80AD234A}"/>
+                <a16:creationId xmlns:a16="http://schemas.microsoft.com/office/drawing/2014/main" id="{1E70A317-DCED-4E80-AA2D-467D8702E5CB}"/>
               </a:ext>
               <a:ext uri="{C183D7F6-B498-43B3-948B-1728B52AA6E4}">
                 <adec:decorative xmlns:adec="http://schemas.microsoft.com/office/drawing/2017/decorative" val="1"/>
@@ -7431,8 +9783,8 @@
               <a:shade val="50000"/>
             </a:schemeClr>
           </a:lnRef>
-          <a:fillRef idx="1003">
-            <a:schemeClr val="dk2"/>
+          <a:fillRef idx="1">
+            <a:schemeClr val="accent1"/>
           </a:fillRef>
           <a:effectRef idx="0">
             <a:schemeClr val="accent1"/>
@@ -7468,19 +9820,671 @@
         </p:nvSpPr>
         <p:spPr>
           <a:xfrm>
-            <a:off x="913796" y="643465"/>
-            <a:ext cx="7762118" cy="1370605"/>
+            <a:off x="861791" y="835383"/>
+            <a:ext cx="3382832" cy="3499549"/>
           </a:xfrm>
         </p:spPr>
         <p:txBody>
-          <a:bodyPr>
+          <a:bodyPr vert="horz" lIns="91440" tIns="45720" rIns="91440" bIns="45720" rtlCol="0" anchor="b">
             <a:normAutofit/>
           </a:bodyPr>
           <a:lstStyle/>
           <a:p>
-            <a:r>
-              <a:rPr lang="en-AU" sz="3000" dirty="0"/>
-              <a:t>Infrastructure Security</a:t>
+            <a:pPr algn="l"/>
+            <a:r>
+              <a:rPr lang="en-US" sz="4200" dirty="0"/>
+              <a:t>Human Threats</a:t>
+            </a:r>
+          </a:p>
+        </p:txBody>
+      </p:sp>
+      <p:sp>
+        <p:nvSpPr>
+          <p:cNvPr id="19" name="Content Placeholder 18">
+            <a:extLst>
+              <a:ext uri="{FF2B5EF4-FFF2-40B4-BE49-F238E27FC236}">
+                <a16:creationId xmlns:a16="http://schemas.microsoft.com/office/drawing/2014/main" id="{F6948037-86E0-421A-B96C-F87438C98CFD}"/>
+              </a:ext>
+            </a:extLst>
+          </p:cNvPr>
+          <p:cNvSpPr>
+            <a:spLocks noGrp="1"/>
+          </p:cNvSpPr>
+          <p:nvPr>
+            <p:ph idx="1"/>
+          </p:nvPr>
+        </p:nvSpPr>
+        <p:spPr>
+          <a:xfrm>
+            <a:off x="861789" y="4334933"/>
+            <a:ext cx="3382831" cy="1185333"/>
+          </a:xfrm>
+        </p:spPr>
+        <p:txBody>
+          <a:bodyPr vert="horz" lIns="91440" tIns="45720" rIns="91440" bIns="45720" rtlCol="0" anchor="t">
+            <a:normAutofit/>
+          </a:bodyPr>
+          <a:lstStyle/>
+          <a:p>
+            <a:pPr marL="0" indent="0">
+              <a:buNone/>
+            </a:pPr>
+            <a:r>
+              <a:rPr lang="en-US" sz="2000" dirty="0">
+                <a:solidFill>
+                  <a:srgbClr val="2B95D5"/>
+                </a:solidFill>
+              </a:rPr>
+              <a:t>2018 breaches</a:t>
+            </a:r>
+          </a:p>
+        </p:txBody>
+      </p:sp>
+      <p:sp>
+        <p:nvSpPr>
+          <p:cNvPr id="29" name="Rectangle 28">
+            <a:extLst>
+              <a:ext uri="{FF2B5EF4-FFF2-40B4-BE49-F238E27FC236}">
+                <a16:creationId xmlns:a16="http://schemas.microsoft.com/office/drawing/2014/main" id="{A6D87845-294F-40CB-BC48-46455460D292}"/>
+              </a:ext>
+              <a:ext uri="{C183D7F6-B498-43B3-948B-1728B52AA6E4}">
+                <adec:decorative xmlns:adec="http://schemas.microsoft.com/office/drawing/2017/decorative" val="1"/>
+              </a:ext>
+            </a:extLst>
+          </p:cNvPr>
+          <p:cNvSpPr>
+            <a:spLocks noGrp="1" noRot="1" noChangeAspect="1" noMove="1" noResize="1" noEditPoints="1" noAdjustHandles="1" noChangeArrowheads="1" noChangeShapeType="1" noTextEdit="1"/>
+          </p:cNvSpPr>
+          <p:nvPr>
+            <p:extLst>
+              <p:ext uri="{386F3935-93C4-4BCD-93E2-E3B085C9AB24}">
+                <p16:designElem xmlns:p16="http://schemas.microsoft.com/office/powerpoint/2015/main" val="1"/>
+              </p:ext>
+            </p:extLst>
+          </p:nvPr>
+        </p:nvSpPr>
+        <p:spPr>
+          <a:xfrm>
+            <a:off x="4655671" y="0"/>
+            <a:ext cx="7536329" cy="6858000"/>
+          </a:xfrm>
+          <a:prstGeom prst="rect">
+            <a:avLst/>
+          </a:prstGeom>
+          <a:solidFill>
+            <a:schemeClr val="tx1"/>
+          </a:solidFill>
+          <a:ln>
+            <a:noFill/>
+          </a:ln>
+        </p:spPr>
+        <p:style>
+          <a:lnRef idx="2">
+            <a:schemeClr val="accent1">
+              <a:shade val="50000"/>
+            </a:schemeClr>
+          </a:lnRef>
+          <a:fillRef idx="1">
+            <a:schemeClr val="accent1"/>
+          </a:fillRef>
+          <a:effectRef idx="0">
+            <a:schemeClr val="accent1"/>
+          </a:effectRef>
+          <a:fontRef idx="minor">
+            <a:schemeClr val="lt1"/>
+          </a:fontRef>
+        </p:style>
+        <p:txBody>
+          <a:bodyPr rtlCol="0" anchor="ctr"/>
+          <a:lstStyle/>
+          <a:p>
+            <a:pPr algn="ctr"/>
+            <a:endParaRPr lang="en-US"/>
+          </a:p>
+        </p:txBody>
+      </p:sp>
+      <p:pic>
+        <p:nvPicPr>
+          <p:cNvPr id="8" name="Content Placeholder 7" descr="A screenshot of a cell phone&#10;&#10;Description automatically generated">
+            <a:extLst>
+              <a:ext uri="{FF2B5EF4-FFF2-40B4-BE49-F238E27FC236}">
+                <a16:creationId xmlns:a16="http://schemas.microsoft.com/office/drawing/2014/main" id="{D9C8E697-C622-BD44-BD2B-AFCE759D3EB8}"/>
+              </a:ext>
+            </a:extLst>
+          </p:cNvPr>
+          <p:cNvPicPr>
+            <a:picLocks noChangeAspect="1"/>
+          </p:cNvPicPr>
+          <p:nvPr/>
+        </p:nvPicPr>
+        <p:blipFill>
+          <a:blip r:embed="rId3"/>
+          <a:stretch>
+            <a:fillRect/>
+          </a:stretch>
+        </p:blipFill>
+        <p:spPr>
+          <a:xfrm>
+            <a:off x="6139435" y="609600"/>
+            <a:ext cx="4567427" cy="5638800"/>
+          </a:xfrm>
+          <a:prstGeom prst="rect">
+            <a:avLst/>
+          </a:prstGeom>
+        </p:spPr>
+      </p:pic>
+      <p:sp>
+        <p:nvSpPr>
+          <p:cNvPr id="4" name="Footer Placeholder 3">
+            <a:extLst>
+              <a:ext uri="{FF2B5EF4-FFF2-40B4-BE49-F238E27FC236}">
+                <a16:creationId xmlns:a16="http://schemas.microsoft.com/office/drawing/2014/main" id="{5293465A-4C2A-754E-8F5A-63A08A730A0E}"/>
+              </a:ext>
+            </a:extLst>
+          </p:cNvPr>
+          <p:cNvSpPr>
+            <a:spLocks noGrp="1"/>
+          </p:cNvSpPr>
+          <p:nvPr>
+            <p:ph type="ftr" sz="quarter" idx="11"/>
+          </p:nvPr>
+        </p:nvSpPr>
+        <p:spPr>
+          <a:xfrm>
+            <a:off x="913795" y="6310313"/>
+            <a:ext cx="6672865" cy="365125"/>
+          </a:xfrm>
+        </p:spPr>
+        <p:txBody>
+          <a:bodyPr vert="horz" lIns="91440" tIns="45720" rIns="91440" bIns="45720" rtlCol="0" anchor="ctr">
+            <a:normAutofit/>
+          </a:bodyPr>
+          <a:lstStyle/>
+          <a:p>
+            <a:pPr>
+              <a:lnSpc>
+                <a:spcPct val="90000"/>
+              </a:lnSpc>
+              <a:spcAft>
+                <a:spcPts val="600"/>
+              </a:spcAft>
+            </a:pPr>
+            <a:r>
+              <a:rPr lang="en-US" sz="700" kern="1200">
+                <a:solidFill>
+                  <a:schemeClr val="tx1">
+                    <a:lumMod val="95000"/>
+                  </a:schemeClr>
+                </a:solidFill>
+                <a:effectLst>
+                  <a:outerShdw blurRad="50800" dist="38100" dir="2700000" algn="tl" rotWithShape="0">
+                    <a:schemeClr val="bg1">
+                      <a:alpha val="43000"/>
+                    </a:schemeClr>
+                  </a:outerShdw>
+                </a:effectLst>
+                <a:latin typeface="+mn-lt"/>
+                <a:ea typeface="+mn-ea"/>
+                <a:cs typeface="+mn-cs"/>
+              </a:rPr>
+              <a:t>2018 Verizon DBIR </a:t>
+            </a:r>
+          </a:p>
+          <a:p>
+            <a:pPr>
+              <a:lnSpc>
+                <a:spcPct val="90000"/>
+              </a:lnSpc>
+              <a:spcAft>
+                <a:spcPts val="600"/>
+              </a:spcAft>
+            </a:pPr>
+            <a:r>
+              <a:rPr lang="en-US" sz="700" kern="1200">
+                <a:solidFill>
+                  <a:schemeClr val="tx1">
+                    <a:lumMod val="95000"/>
+                  </a:schemeClr>
+                </a:solidFill>
+                <a:effectLst>
+                  <a:outerShdw blurRad="50800" dist="38100" dir="2700000" algn="tl" rotWithShape="0">
+                    <a:schemeClr val="bg1">
+                      <a:alpha val="43000"/>
+                    </a:schemeClr>
+                  </a:outerShdw>
+                </a:effectLst>
+                <a:latin typeface="+mn-lt"/>
+                <a:ea typeface="+mn-ea"/>
+                <a:cs typeface="+mn-cs"/>
+              </a:rPr>
+              <a:t>https://enterprise.verizon.com/resources/executivebriefs/2019-dbir-executive-brief.pdf</a:t>
+            </a:r>
+          </a:p>
+        </p:txBody>
+      </p:sp>
+    </p:spTree>
+    <p:extLst>
+      <p:ext uri="{BB962C8B-B14F-4D97-AF65-F5344CB8AC3E}">
+        <p14:creationId xmlns:p14="http://schemas.microsoft.com/office/powerpoint/2010/main" val="3235645542"/>
+      </p:ext>
+    </p:extLst>
+  </p:cSld>
+  <p:clrMapOvr>
+    <a:masterClrMapping/>
+  </p:clrMapOvr>
+</p:sld>
+</file>
+
+<file path=ppt/slides/slide11.xml><?xml version="1.0" encoding="utf-8"?>
+<p:sld xmlns:a="http://schemas.openxmlformats.org/drawingml/2006/main" xmlns:r="http://schemas.openxmlformats.org/officeDocument/2006/relationships" xmlns:p="http://schemas.openxmlformats.org/presentationml/2006/main">
+  <p:cSld>
+    <p:bg>
+      <p:bgPr>
+        <a:blipFill rotWithShape="1">
+          <a:blip r:embed="rId2">
+            <a:duotone>
+              <a:schemeClr val="bg1">
+                <a:shade val="80000"/>
+                <a:lumMod val="80000"/>
+              </a:schemeClr>
+              <a:schemeClr val="bg1">
+                <a:tint val="98000"/>
+              </a:schemeClr>
+            </a:duotone>
+          </a:blip>
+          <a:stretch/>
+        </a:blipFill>
+        <a:effectLst/>
+      </p:bgPr>
+    </p:bg>
+    <p:spTree>
+      <p:nvGrpSpPr>
+        <p:cNvPr id="1" name=""/>
+        <p:cNvGrpSpPr/>
+        <p:nvPr/>
+      </p:nvGrpSpPr>
+      <p:grpSpPr>
+        <a:xfrm>
+          <a:off x="0" y="0"/>
+          <a:ext cx="0" cy="0"/>
+          <a:chOff x="0" y="0"/>
+          <a:chExt cx="0" cy="0"/>
+        </a:xfrm>
+      </p:grpSpPr>
+      <p:sp useBgFill="1">
+        <p:nvSpPr>
+          <p:cNvPr id="38" name="Rectangle 33">
+            <a:extLst>
+              <a:ext uri="{FF2B5EF4-FFF2-40B4-BE49-F238E27FC236}">
+                <a16:creationId xmlns:a16="http://schemas.microsoft.com/office/drawing/2014/main" id="{1E70A317-DCED-4E80-AA2D-467D8702E5CB}"/>
+              </a:ext>
+              <a:ext uri="{C183D7F6-B498-43B3-948B-1728B52AA6E4}">
+                <adec:decorative xmlns:adec="http://schemas.microsoft.com/office/drawing/2017/decorative" val="1"/>
+              </a:ext>
+            </a:extLst>
+          </p:cNvPr>
+          <p:cNvSpPr>
+            <a:spLocks noGrp="1" noRot="1" noChangeAspect="1" noMove="1" noResize="1" noEditPoints="1" noAdjustHandles="1" noChangeArrowheads="1" noChangeShapeType="1" noTextEdit="1"/>
+          </p:cNvSpPr>
+          <p:nvPr>
+            <p:extLst>
+              <p:ext uri="{386F3935-93C4-4BCD-93E2-E3B085C9AB24}">
+                <p16:designElem xmlns:p16="http://schemas.microsoft.com/office/powerpoint/2015/main" val="1"/>
+              </p:ext>
+            </p:extLst>
+          </p:nvPr>
+        </p:nvSpPr>
+        <p:spPr>
+          <a:xfrm>
+            <a:off x="0" y="0"/>
+            <a:ext cx="12192000" cy="6858000"/>
+          </a:xfrm>
+          <a:prstGeom prst="rect">
+            <a:avLst/>
+          </a:prstGeom>
+          <a:ln>
+            <a:noFill/>
+          </a:ln>
+        </p:spPr>
+        <p:style>
+          <a:lnRef idx="2">
+            <a:schemeClr val="accent1">
+              <a:shade val="50000"/>
+            </a:schemeClr>
+          </a:lnRef>
+          <a:fillRef idx="1">
+            <a:schemeClr val="accent1"/>
+          </a:fillRef>
+          <a:effectRef idx="0">
+            <a:schemeClr val="accent1"/>
+          </a:effectRef>
+          <a:fontRef idx="minor">
+            <a:schemeClr val="lt1"/>
+          </a:fontRef>
+        </p:style>
+        <p:txBody>
+          <a:bodyPr rtlCol="0" anchor="ctr"/>
+          <a:lstStyle/>
+          <a:p>
+            <a:pPr algn="ctr"/>
+            <a:endParaRPr lang="en-US"/>
+          </a:p>
+        </p:txBody>
+      </p:sp>
+      <p:sp>
+        <p:nvSpPr>
+          <p:cNvPr id="2" name="Title 1">
+            <a:extLst>
+              <a:ext uri="{FF2B5EF4-FFF2-40B4-BE49-F238E27FC236}">
+                <a16:creationId xmlns:a16="http://schemas.microsoft.com/office/drawing/2014/main" id="{5C4F01C5-5333-2248-B03B-703C97F7CC69}"/>
+              </a:ext>
+            </a:extLst>
+          </p:cNvPr>
+          <p:cNvSpPr>
+            <a:spLocks noGrp="1"/>
+          </p:cNvSpPr>
+          <p:nvPr>
+            <p:ph type="title"/>
+          </p:nvPr>
+        </p:nvSpPr>
+        <p:spPr>
+          <a:xfrm>
+            <a:off x="861791" y="835383"/>
+            <a:ext cx="3382832" cy="3499549"/>
+          </a:xfrm>
+        </p:spPr>
+        <p:txBody>
+          <a:bodyPr vert="horz" lIns="91440" tIns="45720" rIns="91440" bIns="45720" rtlCol="0" anchor="b">
+            <a:normAutofit/>
+          </a:bodyPr>
+          <a:lstStyle/>
+          <a:p>
+            <a:pPr algn="l"/>
+            <a:r>
+              <a:rPr lang="en-US" sz="4200" dirty="0"/>
+              <a:t>Human Exploits</a:t>
+            </a:r>
+          </a:p>
+        </p:txBody>
+      </p:sp>
+      <p:sp>
+        <p:nvSpPr>
+          <p:cNvPr id="19" name="Content Placeholder 18">
+            <a:extLst>
+              <a:ext uri="{FF2B5EF4-FFF2-40B4-BE49-F238E27FC236}">
+                <a16:creationId xmlns:a16="http://schemas.microsoft.com/office/drawing/2014/main" id="{F6948037-86E0-421A-B96C-F87438C98CFD}"/>
+              </a:ext>
+            </a:extLst>
+          </p:cNvPr>
+          <p:cNvSpPr>
+            <a:spLocks noGrp="1"/>
+          </p:cNvSpPr>
+          <p:nvPr>
+            <p:ph idx="1"/>
+          </p:nvPr>
+        </p:nvSpPr>
+        <p:spPr>
+          <a:xfrm>
+            <a:off x="861789" y="4334933"/>
+            <a:ext cx="3382831" cy="1185333"/>
+          </a:xfrm>
+        </p:spPr>
+        <p:txBody>
+          <a:bodyPr vert="horz" lIns="91440" tIns="45720" rIns="91440" bIns="45720" rtlCol="0" anchor="t">
+            <a:normAutofit/>
+          </a:bodyPr>
+          <a:lstStyle/>
+          <a:p>
+            <a:pPr marL="0" indent="0">
+              <a:buNone/>
+            </a:pPr>
+            <a:r>
+              <a:rPr lang="en-US" sz="2000">
+                <a:solidFill>
+                  <a:srgbClr val="2993D5"/>
+                </a:solidFill>
+              </a:rPr>
+              <a:t>2018 breaches</a:t>
+            </a:r>
+          </a:p>
+        </p:txBody>
+      </p:sp>
+      <p:sp>
+        <p:nvSpPr>
+          <p:cNvPr id="39" name="Rectangle 35">
+            <a:extLst>
+              <a:ext uri="{FF2B5EF4-FFF2-40B4-BE49-F238E27FC236}">
+                <a16:creationId xmlns:a16="http://schemas.microsoft.com/office/drawing/2014/main" id="{A6D87845-294F-40CB-BC48-46455460D292}"/>
+              </a:ext>
+              <a:ext uri="{C183D7F6-B498-43B3-948B-1728B52AA6E4}">
+                <adec:decorative xmlns:adec="http://schemas.microsoft.com/office/drawing/2017/decorative" val="1"/>
+              </a:ext>
+            </a:extLst>
+          </p:cNvPr>
+          <p:cNvSpPr>
+            <a:spLocks noGrp="1" noRot="1" noChangeAspect="1" noMove="1" noResize="1" noEditPoints="1" noAdjustHandles="1" noChangeArrowheads="1" noChangeShapeType="1" noTextEdit="1"/>
+          </p:cNvSpPr>
+          <p:nvPr>
+            <p:extLst>
+              <p:ext uri="{386F3935-93C4-4BCD-93E2-E3B085C9AB24}">
+                <p16:designElem xmlns:p16="http://schemas.microsoft.com/office/powerpoint/2015/main" val="1"/>
+              </p:ext>
+            </p:extLst>
+          </p:nvPr>
+        </p:nvSpPr>
+        <p:spPr>
+          <a:xfrm>
+            <a:off x="4655671" y="0"/>
+            <a:ext cx="7536329" cy="6858000"/>
+          </a:xfrm>
+          <a:prstGeom prst="rect">
+            <a:avLst/>
+          </a:prstGeom>
+          <a:solidFill>
+            <a:schemeClr val="tx1"/>
+          </a:solidFill>
+          <a:ln>
+            <a:noFill/>
+          </a:ln>
+        </p:spPr>
+        <p:style>
+          <a:lnRef idx="2">
+            <a:schemeClr val="accent1">
+              <a:shade val="50000"/>
+            </a:schemeClr>
+          </a:lnRef>
+          <a:fillRef idx="1">
+            <a:schemeClr val="accent1"/>
+          </a:fillRef>
+          <a:effectRef idx="0">
+            <a:schemeClr val="accent1"/>
+          </a:effectRef>
+          <a:fontRef idx="minor">
+            <a:schemeClr val="lt1"/>
+          </a:fontRef>
+        </p:style>
+        <p:txBody>
+          <a:bodyPr rtlCol="0" anchor="ctr"/>
+          <a:lstStyle/>
+          <a:p>
+            <a:pPr algn="ctr"/>
+            <a:endParaRPr lang="en-US"/>
+          </a:p>
+        </p:txBody>
+      </p:sp>
+      <p:pic>
+        <p:nvPicPr>
+          <p:cNvPr id="5" name="Picture 4" descr="A screenshot of a cell phone&#10;&#10;Description automatically generated">
+            <a:extLst>
+              <a:ext uri="{FF2B5EF4-FFF2-40B4-BE49-F238E27FC236}">
+                <a16:creationId xmlns:a16="http://schemas.microsoft.com/office/drawing/2014/main" id="{C2ED2737-1796-D54E-A0CA-4C7C7C4A0B91}"/>
+              </a:ext>
+            </a:extLst>
+          </p:cNvPr>
+          <p:cNvPicPr>
+            <a:picLocks noChangeAspect="1"/>
+          </p:cNvPicPr>
+          <p:nvPr/>
+        </p:nvPicPr>
+        <p:blipFill>
+          <a:blip r:embed="rId3"/>
+          <a:stretch>
+            <a:fillRect/>
+          </a:stretch>
+        </p:blipFill>
+        <p:spPr>
+          <a:xfrm>
+            <a:off x="6012562" y="609600"/>
+            <a:ext cx="4821173" cy="5638800"/>
+          </a:xfrm>
+          <a:prstGeom prst="rect">
+            <a:avLst/>
+          </a:prstGeom>
+        </p:spPr>
+      </p:pic>
+      <p:sp>
+        <p:nvSpPr>
+          <p:cNvPr id="4" name="Footer Placeholder 3">
+            <a:extLst>
+              <a:ext uri="{FF2B5EF4-FFF2-40B4-BE49-F238E27FC236}">
+                <a16:creationId xmlns:a16="http://schemas.microsoft.com/office/drawing/2014/main" id="{5293465A-4C2A-754E-8F5A-63A08A730A0E}"/>
+              </a:ext>
+            </a:extLst>
+          </p:cNvPr>
+          <p:cNvSpPr>
+            <a:spLocks noGrp="1"/>
+          </p:cNvSpPr>
+          <p:nvPr>
+            <p:ph type="ftr" sz="quarter" idx="11"/>
+          </p:nvPr>
+        </p:nvSpPr>
+        <p:spPr>
+          <a:xfrm>
+            <a:off x="913795" y="6310313"/>
+            <a:ext cx="6672865" cy="365125"/>
+          </a:xfrm>
+        </p:spPr>
+        <p:txBody>
+          <a:bodyPr vert="horz" lIns="91440" tIns="45720" rIns="91440" bIns="45720" rtlCol="0" anchor="ctr">
+            <a:normAutofit/>
+          </a:bodyPr>
+          <a:lstStyle/>
+          <a:p>
+            <a:pPr>
+              <a:lnSpc>
+                <a:spcPct val="90000"/>
+              </a:lnSpc>
+              <a:spcAft>
+                <a:spcPts val="600"/>
+              </a:spcAft>
+            </a:pPr>
+            <a:r>
+              <a:rPr lang="en-US" sz="700" kern="1200">
+                <a:solidFill>
+                  <a:schemeClr val="tx1">
+                    <a:lumMod val="95000"/>
+                  </a:schemeClr>
+                </a:solidFill>
+                <a:effectLst>
+                  <a:outerShdw blurRad="50800" dist="38100" dir="2700000" algn="tl" rotWithShape="0">
+                    <a:schemeClr val="bg1">
+                      <a:alpha val="43000"/>
+                    </a:schemeClr>
+                  </a:outerShdw>
+                </a:effectLst>
+                <a:latin typeface="+mn-lt"/>
+                <a:ea typeface="+mn-ea"/>
+                <a:cs typeface="+mn-cs"/>
+              </a:rPr>
+              <a:t>2018 Verizon DBIR </a:t>
+            </a:r>
+          </a:p>
+          <a:p>
+            <a:pPr>
+              <a:lnSpc>
+                <a:spcPct val="90000"/>
+              </a:lnSpc>
+              <a:spcAft>
+                <a:spcPts val="600"/>
+              </a:spcAft>
+            </a:pPr>
+            <a:r>
+              <a:rPr lang="en-US" sz="700" kern="1200">
+                <a:solidFill>
+                  <a:schemeClr val="tx1">
+                    <a:lumMod val="95000"/>
+                  </a:schemeClr>
+                </a:solidFill>
+                <a:effectLst>
+                  <a:outerShdw blurRad="50800" dist="38100" dir="2700000" algn="tl" rotWithShape="0">
+                    <a:schemeClr val="bg1">
+                      <a:alpha val="43000"/>
+                    </a:schemeClr>
+                  </a:outerShdw>
+                </a:effectLst>
+                <a:latin typeface="+mn-lt"/>
+                <a:ea typeface="+mn-ea"/>
+                <a:cs typeface="+mn-cs"/>
+              </a:rPr>
+              <a:t>https://enterprise.verizon.com/resources/executivebriefs/2019-dbir-executive-brief.pdf</a:t>
+            </a:r>
+          </a:p>
+        </p:txBody>
+      </p:sp>
+    </p:spTree>
+    <p:extLst>
+      <p:ext uri="{BB962C8B-B14F-4D97-AF65-F5344CB8AC3E}">
+        <p14:creationId xmlns:p14="http://schemas.microsoft.com/office/powerpoint/2010/main" val="3480672060"/>
+      </p:ext>
+    </p:extLst>
+  </p:cSld>
+  <p:clrMapOvr>
+    <a:masterClrMapping/>
+  </p:clrMapOvr>
+</p:sld>
+</file>
+
+<file path=ppt/slides/slide12.xml><?xml version="1.0" encoding="utf-8"?>
+<p:sld xmlns:a="http://schemas.openxmlformats.org/drawingml/2006/main" xmlns:r="http://schemas.openxmlformats.org/officeDocument/2006/relationships" xmlns:p="http://schemas.openxmlformats.org/presentationml/2006/main">
+  <p:cSld>
+    <p:spTree>
+      <p:nvGrpSpPr>
+        <p:cNvPr id="1" name=""/>
+        <p:cNvGrpSpPr/>
+        <p:nvPr/>
+      </p:nvGrpSpPr>
+      <p:grpSpPr>
+        <a:xfrm>
+          <a:off x="0" y="0"/>
+          <a:ext cx="0" cy="0"/>
+          <a:chOff x="0" y="0"/>
+          <a:chExt cx="0" cy="0"/>
+        </a:xfrm>
+      </p:grpSpPr>
+      <p:sp>
+        <p:nvSpPr>
+          <p:cNvPr id="2" name="Title 1">
+            <a:extLst>
+              <a:ext uri="{FF2B5EF4-FFF2-40B4-BE49-F238E27FC236}">
+                <a16:creationId xmlns:a16="http://schemas.microsoft.com/office/drawing/2014/main" id="{5C4F01C5-5333-2248-B03B-703C97F7CC69}"/>
+              </a:ext>
+            </a:extLst>
+          </p:cNvPr>
+          <p:cNvSpPr>
+            <a:spLocks noGrp="1"/>
+          </p:cNvSpPr>
+          <p:nvPr>
+            <p:ph type="title"/>
+          </p:nvPr>
+        </p:nvSpPr>
+        <p:spPr/>
+        <p:txBody>
+          <a:bodyPr/>
+          <a:lstStyle/>
+          <a:p>
+            <a:r>
+              <a:rPr lang="en-AU" dirty="0"/>
+              <a:t>Learning Outcomes</a:t>
             </a:r>
           </a:p>
         </p:txBody>
@@ -7501,87 +10505,86 @@
             <p:ph idx="1"/>
           </p:nvPr>
         </p:nvSpPr>
-        <p:spPr>
-          <a:xfrm>
-            <a:off x="913795" y="2247153"/>
-            <a:ext cx="8426147" cy="3544046"/>
-          </a:xfrm>
-        </p:spPr>
+        <p:spPr/>
         <p:txBody>
           <a:bodyPr>
-            <a:normAutofit/>
+            <a:normAutofit fontScale="92500" lnSpcReduction="20000"/>
           </a:bodyPr>
           <a:lstStyle/>
           <a:p>
             <a:r>
-              <a:rPr lang="en-GB" sz="1800" dirty="0">
+              <a:rPr lang="en-GB" dirty="0">
                 <a:effectLst/>
               </a:rPr>
-              <a:t>Network security</a:t>
+              <a:t>To understand and be able to articulate</a:t>
             </a:r>
           </a:p>
           <a:p>
             <a:pPr lvl="1"/>
             <a:r>
-              <a:rPr lang="en-GB" sz="1600" dirty="0">
+              <a:rPr lang="en-GB" dirty="0">
                 <a:effectLst/>
               </a:rPr>
-              <a:t>Network Layers</a:t>
+              <a:t>The language of Cybersecurity</a:t>
             </a:r>
           </a:p>
           <a:p>
             <a:pPr lvl="1"/>
             <a:r>
-              <a:rPr lang="en-GB" sz="1600" dirty="0">
+              <a:rPr lang="en-GB" dirty="0">
                 <a:effectLst/>
               </a:rPr>
-              <a:t>Communication security</a:t>
+              <a:t>The principles of preserving Confidentiality, Integrity and Availability</a:t>
             </a:r>
           </a:p>
           <a:p>
             <a:pPr lvl="1"/>
             <a:r>
-              <a:rPr lang="en-GB" sz="1600" dirty="0">
+              <a:rPr lang="en-GB" dirty="0">
                 <a:effectLst/>
               </a:rPr>
-              <a:t>Network defence tools</a:t>
-            </a:r>
-          </a:p>
-          <a:p>
-            <a:r>
-              <a:rPr lang="en-GB" sz="1800" dirty="0">
+              <a:t>Principles of Risk Management</a:t>
+            </a:r>
+          </a:p>
+          <a:p>
+            <a:pPr lvl="1"/>
+            <a:r>
+              <a:rPr lang="en-GB" dirty="0">
                 <a:effectLst/>
               </a:rPr>
-              <a:t>Cyber-physical systems security</a:t>
-            </a:r>
-          </a:p>
-          <a:p>
-            <a:pPr lvl="1"/>
-            <a:r>
-              <a:rPr lang="en-GB" sz="1600" dirty="0">
+              <a:t>Cybersecurity in the domains of </a:t>
+            </a:r>
+          </a:p>
+          <a:p>
+            <a:pPr lvl="2"/>
+            <a:r>
+              <a:rPr lang="en-GB" dirty="0">
                 <a:effectLst/>
               </a:rPr>
-              <a:t>Internet of Things</a:t>
-            </a:r>
-          </a:p>
-          <a:p>
-            <a:pPr lvl="1"/>
-            <a:r>
-              <a:rPr lang="en-GB" sz="1600" dirty="0">
+              <a:t>* Human organisational and regulatory aspects, * Attacks and Defences, * System Security, * Software and Platform Security, * Infrastructure Security</a:t>
+            </a:r>
+          </a:p>
+          <a:p>
+            <a:r>
+              <a:rPr lang="en-GB" dirty="0">
                 <a:effectLst/>
               </a:rPr>
-              <a:t>Industrial Control Systems</a:t>
-            </a:r>
-          </a:p>
-          <a:p>
-            <a:pPr lvl="1"/>
-            <a:r>
-              <a:rPr lang="en-GB" sz="1600" dirty="0">
+              <a:t>Case studies will be used to illustrate and concretise language, terms and concepts throughout</a:t>
+            </a:r>
+          </a:p>
+          <a:p>
+            <a:r>
+              <a:rPr lang="en-GB" dirty="0">
                 <a:effectLst/>
               </a:rPr>
-              <a:t>Vulnerabilities and Defences</a:t>
-            </a:r>
-            <a:endParaRPr lang="en-AU" sz="1600" dirty="0"/>
+              <a:t>Practical laboratory work will assist in practical aspects of Cybersecurity </a:t>
+            </a:r>
+          </a:p>
+          <a:p>
+            <a:r>
+              <a:rPr lang="en-AU" dirty="0"/>
+              <a:t>An essay will allow for reflection on a topic in more depth</a:t>
+            </a:r>
           </a:p>
         </p:txBody>
       </p:sp>
@@ -7601,26 +10604,155 @@
             <p:ph type="ftr" sz="quarter" idx="11"/>
           </p:nvPr>
         </p:nvSpPr>
-        <p:spPr>
-          <a:xfrm>
-            <a:off x="913795" y="6000749"/>
-            <a:ext cx="6672865" cy="365125"/>
-          </a:xfrm>
-        </p:spPr>
+        <p:spPr/>
+        <p:txBody>
+          <a:bodyPr/>
+          <a:lstStyle/>
+          <a:p>
+            <a:endParaRPr lang="en-US" dirty="0"/>
+          </a:p>
+        </p:txBody>
+      </p:sp>
+    </p:spTree>
+    <p:extLst>
+      <p:ext uri="{BB962C8B-B14F-4D97-AF65-F5344CB8AC3E}">
+        <p14:creationId xmlns:p14="http://schemas.microsoft.com/office/powerpoint/2010/main" val="1068746973"/>
+      </p:ext>
+    </p:extLst>
+  </p:cSld>
+  <p:clrMapOvr>
+    <a:masterClrMapping/>
+  </p:clrMapOvr>
+</p:sld>
+</file>
+
+<file path=ppt/slides/slide13.xml><?xml version="1.0" encoding="utf-8"?>
+<p:sld xmlns:a="http://schemas.openxmlformats.org/drawingml/2006/main" xmlns:r="http://schemas.openxmlformats.org/officeDocument/2006/relationships" xmlns:p="http://schemas.openxmlformats.org/presentationml/2006/main">
+  <p:cSld>
+    <p:spTree>
+      <p:nvGrpSpPr>
+        <p:cNvPr id="1" name=""/>
+        <p:cNvGrpSpPr/>
+        <p:nvPr/>
+      </p:nvGrpSpPr>
+      <p:grpSpPr>
+        <a:xfrm>
+          <a:off x="0" y="0"/>
+          <a:ext cx="0" cy="0"/>
+          <a:chOff x="0" y="0"/>
+          <a:chExt cx="0" cy="0"/>
+        </a:xfrm>
+      </p:grpSpPr>
+      <p:sp>
+        <p:nvSpPr>
+          <p:cNvPr id="2" name="Title 1">
+            <a:extLst>
+              <a:ext uri="{FF2B5EF4-FFF2-40B4-BE49-F238E27FC236}">
+                <a16:creationId xmlns:a16="http://schemas.microsoft.com/office/drawing/2014/main" id="{F504D983-BF7D-9343-B99F-81DCAC39D19B}"/>
+              </a:ext>
+            </a:extLst>
+          </p:cNvPr>
+          <p:cNvSpPr>
+            <a:spLocks noGrp="1"/>
+          </p:cNvSpPr>
+          <p:nvPr>
+            <p:ph type="title"/>
+          </p:nvPr>
+        </p:nvSpPr>
+        <p:spPr/>
+        <p:txBody>
+          <a:bodyPr/>
+          <a:lstStyle/>
+          <a:p>
+            <a:r>
+              <a:rPr lang="en-AU" dirty="0"/>
+              <a:t>Ethics</a:t>
+            </a:r>
+            <a:br>
+              <a:rPr lang="en-AU" dirty="0"/>
+            </a:br>
+            <a:r>
+              <a:rPr lang="en-AU" dirty="0"/>
+              <a:t>(or what you *absolutely* should not do)</a:t>
+            </a:r>
+          </a:p>
+        </p:txBody>
+      </p:sp>
+      <p:sp>
+        <p:nvSpPr>
+          <p:cNvPr id="3" name="Content Placeholder 2">
+            <a:extLst>
+              <a:ext uri="{FF2B5EF4-FFF2-40B4-BE49-F238E27FC236}">
+                <a16:creationId xmlns:a16="http://schemas.microsoft.com/office/drawing/2014/main" id="{BBEA6D1A-7BEE-D443-9695-FB4C23725F4D}"/>
+              </a:ext>
+            </a:extLst>
+          </p:cNvPr>
+          <p:cNvSpPr>
+            <a:spLocks noGrp="1"/>
+          </p:cNvSpPr>
+          <p:nvPr>
+            <p:ph idx="1"/>
+          </p:nvPr>
+        </p:nvSpPr>
+        <p:spPr/>
         <p:txBody>
           <a:bodyPr>
             <a:normAutofit/>
           </a:bodyPr>
           <a:lstStyle/>
           <a:p>
-            <a:endParaRPr lang="en-US" dirty="0"/>
+            <a:r>
+              <a:rPr lang="en-AU" dirty="0"/>
+              <a:t> Codes of Ethics are needed by all endeavours that are ”professions”. In cybersecurity, there are several organisations that have them</a:t>
+            </a:r>
+          </a:p>
+          <a:p>
+            <a:r>
+              <a:rPr lang="en-AU" dirty="0"/>
+              <a:t>ISC</a:t>
+            </a:r>
+            <a:r>
+              <a:rPr lang="en-AU" baseline="30000" dirty="0"/>
+              <a:t>2</a:t>
+            </a:r>
+          </a:p>
+          <a:p>
+            <a:pPr lvl="1"/>
+            <a:r>
+              <a:rPr lang="en-AU" dirty="0"/>
+              <a:t>Protect society, the common good, necessary public trust and confidence, and the infrastructure. </a:t>
+            </a:r>
+          </a:p>
+          <a:p>
+            <a:pPr lvl="1"/>
+            <a:r>
+              <a:rPr lang="en-AU" dirty="0"/>
+              <a:t>Act honourably, honestly, justly, responsibly, and legally. </a:t>
+            </a:r>
+          </a:p>
+          <a:p>
+            <a:pPr lvl="1"/>
+            <a:r>
+              <a:rPr lang="en-AU" dirty="0"/>
+              <a:t>Provide diligent and competent service to principals. </a:t>
+            </a:r>
+          </a:p>
+          <a:p>
+            <a:pPr lvl="1"/>
+            <a:r>
+              <a:rPr lang="en-AU" dirty="0"/>
+              <a:t>Advance and protect the profession.</a:t>
+            </a:r>
+          </a:p>
+          <a:p>
+            <a:endParaRPr lang="en-AU" dirty="0"/>
           </a:p>
         </p:txBody>
       </p:sp>
     </p:spTree>
     <p:extLst>
       <p:ext uri="{BB962C8B-B14F-4D97-AF65-F5344CB8AC3E}">
-        <p14:creationId xmlns:p14="http://schemas.microsoft.com/office/powerpoint/2010/main" val="3402210948"/>
+        <p14:creationId xmlns:p14="http://schemas.microsoft.com/office/powerpoint/2010/main" val="2805807811"/>
       </p:ext>
     </p:extLst>
   </p:cSld>
@@ -7652,7 +10784,7 @@
           <p:cNvPr id="2" name="Title 1">
             <a:extLst>
               <a:ext uri="{FF2B5EF4-FFF2-40B4-BE49-F238E27FC236}">
-                <a16:creationId xmlns:a16="http://schemas.microsoft.com/office/drawing/2014/main" id="{5C4F01C5-5333-2248-B03B-703C97F7CC69}"/>
+                <a16:creationId xmlns:a16="http://schemas.microsoft.com/office/drawing/2014/main" id="{0AB97A6F-E7F5-304A-A25F-61E764525B5B}"/>
               </a:ext>
             </a:extLst>
           </p:cNvPr>
@@ -7670,7 +10802,7 @@
           <a:p>
             <a:r>
               <a:rPr lang="en-AU" dirty="0"/>
-              <a:t>Learning Outcomes</a:t>
+              <a:t>Ethics continued…</a:t>
             </a:r>
           </a:p>
         </p:txBody>
@@ -7680,7 +10812,7 @@
           <p:cNvPr id="3" name="Content Placeholder 2">
             <a:extLst>
               <a:ext uri="{FF2B5EF4-FFF2-40B4-BE49-F238E27FC236}">
-                <a16:creationId xmlns:a16="http://schemas.microsoft.com/office/drawing/2014/main" id="{F7DD7DCB-C7E2-1B4F-BD83-3B7AF005DD76}"/>
+                <a16:creationId xmlns:a16="http://schemas.microsoft.com/office/drawing/2014/main" id="{88851BF1-8C4A-B14B-8144-02D268D45C5C}"/>
               </a:ext>
             </a:extLst>
           </p:cNvPr>
@@ -7693,116 +10825,44 @@
         </p:nvSpPr>
         <p:spPr/>
         <p:txBody>
-          <a:bodyPr>
-            <a:normAutofit fontScale="92500" lnSpcReduction="20000"/>
-          </a:bodyPr>
-          <a:lstStyle/>
-          <a:p>
-            <a:r>
-              <a:rPr lang="en-GB" dirty="0">
-                <a:effectLst/>
-              </a:rPr>
-              <a:t>To understand and be able to articulate</a:t>
-            </a:r>
-          </a:p>
-          <a:p>
-            <a:pPr lvl="1"/>
-            <a:r>
-              <a:rPr lang="en-GB" dirty="0">
-                <a:effectLst/>
-              </a:rPr>
-              <a:t>The language of Cybersecurity</a:t>
-            </a:r>
-          </a:p>
-          <a:p>
-            <a:pPr lvl="1"/>
-            <a:r>
-              <a:rPr lang="en-GB" dirty="0">
-                <a:effectLst/>
-              </a:rPr>
-              <a:t>The principles of preserving Confidentiality, Integrity and Availability</a:t>
-            </a:r>
-          </a:p>
-          <a:p>
-            <a:pPr lvl="1"/>
-            <a:r>
-              <a:rPr lang="en-GB" dirty="0">
-                <a:effectLst/>
-              </a:rPr>
-              <a:t>Principles of Risk Management</a:t>
-            </a:r>
-          </a:p>
-          <a:p>
-            <a:pPr lvl="1"/>
-            <a:r>
-              <a:rPr lang="en-GB" dirty="0">
-                <a:effectLst/>
-              </a:rPr>
-              <a:t>Cybersecurity in the domains of </a:t>
-            </a:r>
-          </a:p>
-          <a:p>
-            <a:pPr lvl="2"/>
-            <a:r>
-              <a:rPr lang="en-GB" dirty="0">
-                <a:effectLst/>
-              </a:rPr>
-              <a:t>* Human organisational and regulatory aspects, * Attacks and Defences, * System Security, * Software and Platform Security, * Infrastructure Security</a:t>
-            </a:r>
-          </a:p>
-          <a:p>
-            <a:r>
-              <a:rPr lang="en-GB" dirty="0">
-                <a:effectLst/>
-              </a:rPr>
-              <a:t>Case studies will be used to illustrate and concretise language, terms and concepts throughout</a:t>
-            </a:r>
-          </a:p>
-          <a:p>
-            <a:r>
-              <a:rPr lang="en-GB" dirty="0">
-                <a:effectLst/>
-              </a:rPr>
-              <a:t>Practical laboratory work will assist in practical aspects of Cybersecurity </a:t>
-            </a:r>
-          </a:p>
-          <a:p>
-            <a:r>
-              <a:rPr lang="en-AU" dirty="0"/>
-              <a:t>An essay will allow for reflection on a topic in more depth</a:t>
-            </a:r>
-          </a:p>
-        </p:txBody>
-      </p:sp>
-      <p:sp>
-        <p:nvSpPr>
-          <p:cNvPr id="4" name="Footer Placeholder 3">
-            <a:extLst>
-              <a:ext uri="{FF2B5EF4-FFF2-40B4-BE49-F238E27FC236}">
-                <a16:creationId xmlns:a16="http://schemas.microsoft.com/office/drawing/2014/main" id="{5293465A-4C2A-754E-8F5A-63A08A730A0E}"/>
-              </a:ext>
-            </a:extLst>
-          </p:cNvPr>
-          <p:cNvSpPr>
-            <a:spLocks noGrp="1"/>
-          </p:cNvSpPr>
-          <p:nvPr>
-            <p:ph type="ftr" sz="quarter" idx="11"/>
-          </p:nvPr>
-        </p:nvSpPr>
-        <p:spPr/>
-        <p:txBody>
           <a:bodyPr/>
           <a:lstStyle/>
           <a:p>
-            <a:endParaRPr lang="en-US" dirty="0"/>
+            <a:r>
+              <a:rPr lang="en-AU" dirty="0"/>
+              <a:t>Don’t do anything that you don’t have explicit authorisation to do</a:t>
+            </a:r>
+          </a:p>
+          <a:p>
+            <a:r>
+              <a:rPr lang="en-AU" dirty="0"/>
+              <a:t>Being helpful and pointing out vulnerabilities to organisations is often problematic</a:t>
+            </a:r>
+          </a:p>
+          <a:p>
+            <a:r>
+              <a:rPr lang="en-AU" dirty="0"/>
+              <a:t>Hacking without authorization is a crime in most countries</a:t>
+            </a:r>
+          </a:p>
+          <a:p>
+            <a:r>
+              <a:rPr lang="en-AU" dirty="0"/>
+              <a:t>You can cause damage to yourself and others by being negligent</a:t>
+            </a:r>
+          </a:p>
+          <a:p>
+            <a:r>
+              <a:rPr lang="en-AU" dirty="0"/>
+              <a:t>However that doesn’t stop you exploring, investigating and learning</a:t>
+            </a:r>
           </a:p>
         </p:txBody>
       </p:sp>
     </p:spTree>
     <p:extLst>
       <p:ext uri="{BB962C8B-B14F-4D97-AF65-F5344CB8AC3E}">
-        <p14:creationId xmlns:p14="http://schemas.microsoft.com/office/powerpoint/2010/main" val="1068746973"/>
+        <p14:creationId xmlns:p14="http://schemas.microsoft.com/office/powerpoint/2010/main" val="548683949"/>
       </p:ext>
     </p:extLst>
   </p:cSld>
@@ -8051,6 +11111,14 @@
 <file path=ppt/slides/slide3.xml><?xml version="1.0" encoding="utf-8"?>
 <p:sld xmlns:a="http://schemas.openxmlformats.org/drawingml/2006/main" xmlns:r="http://schemas.openxmlformats.org/officeDocument/2006/relationships" xmlns:p="http://schemas.openxmlformats.org/presentationml/2006/main">
   <p:cSld>
+    <p:bg>
+      <p:bgPr>
+        <a:solidFill>
+          <a:schemeClr val="bg1"/>
+        </a:solidFill>
+        <a:effectLst/>
+      </p:bgPr>
+    </p:bg>
     <p:spTree>
       <p:nvGrpSpPr>
         <p:cNvPr id="1" name=""/>
@@ -8067,10 +11135,70 @@
       </p:grpSpPr>
       <p:sp>
         <p:nvSpPr>
+          <p:cNvPr id="9" name="Rectangle 8">
+            <a:extLst>
+              <a:ext uri="{FF2B5EF4-FFF2-40B4-BE49-F238E27FC236}">
+                <a16:creationId xmlns:a16="http://schemas.microsoft.com/office/drawing/2014/main" id="{5BAB7C38-AF9A-43A2-9B1C-F1DEBC80BC7B}"/>
+              </a:ext>
+              <a:ext uri="{C183D7F6-B498-43B3-948B-1728B52AA6E4}">
+                <adec:decorative xmlns:adec="http://schemas.microsoft.com/office/drawing/2017/decorative" val="1"/>
+              </a:ext>
+            </a:extLst>
+          </p:cNvPr>
+          <p:cNvSpPr>
+            <a:spLocks noGrp="1" noRot="1" noChangeAspect="1" noMove="1" noResize="1" noEditPoints="1" noAdjustHandles="1" noChangeArrowheads="1" noChangeShapeType="1" noTextEdit="1"/>
+          </p:cNvSpPr>
+          <p:nvPr>
+            <p:extLst>
+              <p:ext uri="{386F3935-93C4-4BCD-93E2-E3B085C9AB24}">
+                <p16:designElem xmlns:p16="http://schemas.microsoft.com/office/powerpoint/2015/main" val="1"/>
+              </p:ext>
+            </p:extLst>
+          </p:nvPr>
+        </p:nvSpPr>
+        <p:spPr>
+          <a:xfrm>
+            <a:off x="0" y="0"/>
+            <a:ext cx="12186676" cy="2108723"/>
+          </a:xfrm>
+          <a:prstGeom prst="rect">
+            <a:avLst/>
+          </a:prstGeom>
+          <a:ln>
+            <a:noFill/>
+          </a:ln>
+        </p:spPr>
+        <p:style>
+          <a:lnRef idx="2">
+            <a:schemeClr val="accent1">
+              <a:shade val="50000"/>
+            </a:schemeClr>
+          </a:lnRef>
+          <a:fillRef idx="1003">
+            <a:schemeClr val="dk1"/>
+          </a:fillRef>
+          <a:effectRef idx="0">
+            <a:schemeClr val="accent1"/>
+          </a:effectRef>
+          <a:fontRef idx="minor">
+            <a:schemeClr val="lt1"/>
+          </a:fontRef>
+        </p:style>
+        <p:txBody>
+          <a:bodyPr rtlCol="0" anchor="ctr"/>
+          <a:lstStyle/>
+          <a:p>
+            <a:pPr algn="ctr"/>
+            <a:endParaRPr lang="en-US"/>
+          </a:p>
+        </p:txBody>
+      </p:sp>
+      <p:sp>
+        <p:nvSpPr>
           <p:cNvPr id="2" name="Title 1">
             <a:extLst>
               <a:ext uri="{FF2B5EF4-FFF2-40B4-BE49-F238E27FC236}">
-                <a16:creationId xmlns:a16="http://schemas.microsoft.com/office/drawing/2014/main" id="{5C4F01C5-5333-2248-B03B-703C97F7CC69}"/>
+                <a16:creationId xmlns:a16="http://schemas.microsoft.com/office/drawing/2014/main" id="{8D0C49C1-730C-F94A-AE4C-BE3A366F79A1}"/>
               </a:ext>
             </a:extLst>
           </p:cNvPr>
@@ -8081,35 +11209,12 @@
             <p:ph type="title"/>
           </p:nvPr>
         </p:nvSpPr>
-        <p:spPr/>
-        <p:txBody>
-          <a:bodyPr/>
-          <a:lstStyle/>
-          <a:p>
-            <a:r>
-              <a:rPr lang="en-AU" dirty="0"/>
-              <a:t>Pre-Requisites and Target Audience</a:t>
-            </a:r>
-          </a:p>
-        </p:txBody>
-      </p:sp>
-      <p:sp>
-        <p:nvSpPr>
-          <p:cNvPr id="3" name="Content Placeholder 2">
-            <a:extLst>
-              <a:ext uri="{FF2B5EF4-FFF2-40B4-BE49-F238E27FC236}">
-                <a16:creationId xmlns:a16="http://schemas.microsoft.com/office/drawing/2014/main" id="{F7DD7DCB-C7E2-1B4F-BD83-3B7AF005DD76}"/>
-              </a:ext>
-            </a:extLst>
-          </p:cNvPr>
-          <p:cNvSpPr>
-            <a:spLocks noGrp="1"/>
-          </p:cNvSpPr>
-          <p:nvPr>
-            <p:ph idx="1"/>
-          </p:nvPr>
-        </p:nvSpPr>
-        <p:spPr/>
+        <p:spPr>
+          <a:xfrm>
+            <a:off x="913795" y="609600"/>
+            <a:ext cx="10353762" cy="1257300"/>
+          </a:xfrm>
+        </p:spPr>
         <p:txBody>
           <a:bodyPr>
             <a:normAutofit/>
@@ -8117,57 +11222,107 @@
           <a:lstStyle/>
           <a:p>
             <a:r>
-              <a:rPr lang="en-AU" dirty="0"/>
-              <a:t>There will be no coding in this unit and no assumption of prior knowledge in computer science or mathematics</a:t>
-            </a:r>
-          </a:p>
-          <a:p>
-            <a:r>
-              <a:rPr lang="en-AU" dirty="0"/>
-              <a:t>This is an introductory course and so suitable for anyone wishing to familiarise themselves with the terms and concepts of Cybersecurity</a:t>
-            </a:r>
-          </a:p>
-          <a:p>
-            <a:r>
-              <a:rPr lang="en-AU" dirty="0"/>
-              <a:t>The course is based on </a:t>
-            </a:r>
-            <a:r>
-              <a:rPr lang="en-AU" dirty="0" err="1"/>
-              <a:t>CyBOK</a:t>
-            </a:r>
-            <a:r>
-              <a:rPr lang="en-AU" dirty="0"/>
-              <a:t> - the Cybersecurity Book of Knowledge project (</a:t>
-            </a:r>
-            <a:r>
               <a:rPr lang="en-AU" dirty="0">
-                <a:hlinkClick r:id="rId2"/>
+                <a:solidFill>
+                  <a:srgbClr val="FFFFFF"/>
+                </a:solidFill>
               </a:rPr>
-              <a:t>https://www.cybok.org/</a:t>
-            </a:r>
-            <a:r>
-              <a:rPr lang="en-AU" dirty="0"/>
-              <a:t>)</a:t>
-            </a:r>
-          </a:p>
-          <a:p>
-            <a:pPr marL="36900" indent="0">
-              <a:buNone/>
-            </a:pPr>
-            <a:endParaRPr lang="en-AU" dirty="0"/>
-          </a:p>
-        </p:txBody>
-      </p:sp>
+              <a:t>3 Things</a:t>
+            </a:r>
+          </a:p>
+        </p:txBody>
+      </p:sp>
+      <p:pic>
+        <p:nvPicPr>
+          <p:cNvPr id="11" name="Picture 10">
+            <a:extLst>
+              <a:ext uri="{FF2B5EF4-FFF2-40B4-BE49-F238E27FC236}">
+                <a16:creationId xmlns:a16="http://schemas.microsoft.com/office/drawing/2014/main" id="{A8D526D7-C782-4F65-A21F-A6B40D869B47}"/>
+              </a:ext>
+              <a:ext uri="{C183D7F6-B498-43B3-948B-1728B52AA6E4}">
+                <adec:decorative xmlns:adec="http://schemas.microsoft.com/office/drawing/2017/decorative" val="1"/>
+              </a:ext>
+            </a:extLst>
+          </p:cNvPr>
+          <p:cNvPicPr preferRelativeResize="0">
+            <a:picLocks noGrp="1" noRot="1" noChangeAspect="1" noMove="1" noResize="1" noEditPoints="1" noAdjustHandles="1" noChangeArrowheads="1" noChangeShapeType="1" noCrop="1"/>
+          </p:cNvPicPr>
+          <p:nvPr>
+            <p:extLst>
+              <p:ext uri="{386F3935-93C4-4BCD-93E2-E3B085C9AB24}">
+                <p16:designElem xmlns:p16="http://schemas.microsoft.com/office/powerpoint/2015/main" val="1"/>
+              </p:ext>
+            </p:extLst>
+          </p:nvPr>
+        </p:nvPicPr>
+        <p:blipFill rotWithShape="1">
+          <a:blip r:embed="rId2">
+            <a:extLst>
+              <a:ext uri="{28A0092B-C50C-407E-A947-70E740481C1C}">
+                <a14:useLocalDpi xmlns:a14="http://schemas.microsoft.com/office/drawing/2010/main" val="0"/>
+              </a:ext>
+            </a:extLst>
+          </a:blip>
+          <a:srcRect l="798" t="2669" r="616"/>
+          <a:stretch/>
+        </p:blipFill>
+        <p:spPr>
+          <a:xfrm>
+            <a:off x="-5325" y="2049331"/>
+            <a:ext cx="12192001" cy="4808669"/>
+          </a:xfrm>
+          <a:prstGeom prst="rect">
+            <a:avLst/>
+          </a:prstGeom>
+          <a:effectLst>
+            <a:innerShdw blurRad="63500" dist="50800" dir="16200000">
+              <a:prstClr val="black">
+                <a:alpha val="50000"/>
+              </a:prstClr>
+            </a:innerShdw>
+          </a:effectLst>
+        </p:spPr>
+      </p:pic>
+      <p:graphicFrame>
+        <p:nvGraphicFramePr>
+          <p:cNvPr id="5" name="Content Placeholder 2">
+            <a:extLst>
+              <a:ext uri="{FF2B5EF4-FFF2-40B4-BE49-F238E27FC236}">
+                <a16:creationId xmlns:a16="http://schemas.microsoft.com/office/drawing/2014/main" id="{2B81B40E-1876-4B42-AF04-04C3FC3951A0}"/>
+              </a:ext>
+            </a:extLst>
+          </p:cNvPr>
+          <p:cNvGraphicFramePr>
+            <a:graphicFrameLocks noGrp="1"/>
+          </p:cNvGraphicFramePr>
+          <p:nvPr>
+            <p:ph idx="1"/>
+            <p:extLst>
+              <p:ext uri="{D42A27DB-BD31-4B8C-83A1-F6EECF244321}">
+                <p14:modId xmlns:p14="http://schemas.microsoft.com/office/powerpoint/2010/main" val="2309335205"/>
+              </p:ext>
+            </p:extLst>
+          </p:nvPr>
+        </p:nvGraphicFramePr>
+        <p:xfrm>
+          <a:off x="914400" y="2647784"/>
+          <a:ext cx="10353675" cy="3143416"/>
+        </p:xfrm>
+        <a:graphic>
+          <a:graphicData uri="http://schemas.openxmlformats.org/drawingml/2006/diagram">
+            <dgm:relIds xmlns:dgm="http://schemas.openxmlformats.org/drawingml/2006/diagram" xmlns:r="http://schemas.openxmlformats.org/officeDocument/2006/relationships" r:dm="rId3" r:lo="rId4" r:qs="rId5" r:cs="rId6"/>
+          </a:graphicData>
+        </a:graphic>
+      </p:graphicFrame>
     </p:spTree>
     <p:extLst>
       <p:ext uri="{BB962C8B-B14F-4D97-AF65-F5344CB8AC3E}">
-        <p14:creationId xmlns:p14="http://schemas.microsoft.com/office/powerpoint/2010/main" val="1112541085"/>
+        <p14:creationId xmlns:p14="http://schemas.microsoft.com/office/powerpoint/2010/main" val="1128614340"/>
       </p:ext>
     </p:extLst>
   </p:cSld>
   <p:clrMapOvr>
-    <a:masterClrMapping/>
+    <a:overrideClrMapping bg1="lt1" tx1="dk1" bg2="lt2" tx2="dk2" accent1="accent1" accent2="accent2" accent3="accent3" accent4="accent4" accent5="accent5" accent6="accent6" hlink="hlink" folHlink="folHlink"/>
   </p:clrMapOvr>
 </p:sld>
 </file>
@@ -8212,7 +11367,7 @@
           <a:p>
             <a:r>
               <a:rPr lang="en-AU" dirty="0"/>
-              <a:t>Information Security</a:t>
+              <a:t>Pre-Requisites and Target Audience</a:t>
             </a:r>
           </a:p>
         </p:txBody>
@@ -8242,119 +11397,61 @@
           <a:p>
             <a:r>
               <a:rPr lang="en-AU" dirty="0"/>
-              <a:t>All human endeavour relies on information </a:t>
-            </a:r>
-          </a:p>
-          <a:p>
-            <a:pPr lvl="1"/>
+              <a:t>There are over 500 students enrolled in the unit from diverse backgrounds</a:t>
+            </a:r>
+          </a:p>
+          <a:p>
             <a:r>
               <a:rPr lang="en-AU" dirty="0"/>
-              <a:t>Business, Government, Education, Research, Personal life</a:t>
+              <a:t>There will be no coding (unless you want to) in this unit and no assumption of prior knowledge in computer science or mathematics</a:t>
             </a:r>
           </a:p>
           <a:p>
             <a:r>
               <a:rPr lang="en-AU" dirty="0"/>
-              <a:t>Information security is about protecting this information from “unauthorised access, harm or misuse”</a:t>
+              <a:t>This is an introductory course and so suitable for anyone wishing to familiarise themselves with the terms, concepts and practical aspects of Cybersecurity</a:t>
+            </a:r>
+          </a:p>
+          <a:p>
+            <a:r>
+              <a:rPr lang="en-AU" dirty="0"/>
+              <a:t>The course is based on </a:t>
+            </a:r>
+            <a:r>
+              <a:rPr lang="en-AU" dirty="0" err="1"/>
+              <a:t>CyBOK</a:t>
+            </a:r>
+            <a:r>
+              <a:rPr lang="en-AU" dirty="0"/>
+              <a:t> - the Cybersecurity Book of Knowledge project (</a:t>
+            </a:r>
+            <a:r>
+              <a:rPr lang="en-AU" dirty="0">
+                <a:hlinkClick r:id="rId2"/>
+              </a:rPr>
+              <a:t>https://www.cybok.org/</a:t>
+            </a:r>
+            <a:r>
+              <a:rPr lang="en-AU" dirty="0"/>
+              <a:t>) and some elements of CISSP (Certified Information Systems Security Professional) from ISC</a:t>
             </a:r>
             <a:r>
               <a:rPr lang="en-AU" baseline="30000" dirty="0"/>
-              <a:t>1</a:t>
-            </a:r>
+              <a:t>2</a:t>
+            </a:r>
+          </a:p>
+          <a:p>
+            <a:pPr marL="36900" indent="0">
+              <a:buNone/>
+            </a:pPr>
             <a:endParaRPr lang="en-AU" dirty="0"/>
-          </a:p>
-          <a:p>
-            <a:r>
-              <a:rPr lang="en-AU" dirty="0"/>
-              <a:t>This is done by preserving </a:t>
-            </a:r>
-            <a:r>
-              <a:rPr lang="en-AU" u="sng" dirty="0">
-                <a:solidFill>
-                  <a:srgbClr val="00B0F0"/>
-                </a:solidFill>
-              </a:rPr>
-              <a:t>C</a:t>
-            </a:r>
-            <a:r>
-              <a:rPr lang="en-AU" dirty="0"/>
-              <a:t>onfidentiality, </a:t>
-            </a:r>
-            <a:r>
-              <a:rPr lang="en-AU" u="sng" dirty="0">
-                <a:solidFill>
-                  <a:srgbClr val="00B0F0"/>
-                </a:solidFill>
-              </a:rPr>
-              <a:t>I</a:t>
-            </a:r>
-            <a:r>
-              <a:rPr lang="en-AU" dirty="0"/>
-              <a:t>ntegrity and </a:t>
-            </a:r>
-            <a:r>
-              <a:rPr lang="en-AU" u="sng" dirty="0">
-                <a:solidFill>
-                  <a:srgbClr val="00B0F0"/>
-                </a:solidFill>
-              </a:rPr>
-              <a:t>A</a:t>
-            </a:r>
-            <a:r>
-              <a:rPr lang="en-AU" dirty="0"/>
-              <a:t>vailability of information</a:t>
-            </a:r>
-          </a:p>
-        </p:txBody>
-      </p:sp>
-      <p:sp>
-        <p:nvSpPr>
-          <p:cNvPr id="4" name="Footer Placeholder 3">
-            <a:extLst>
-              <a:ext uri="{FF2B5EF4-FFF2-40B4-BE49-F238E27FC236}">
-                <a16:creationId xmlns:a16="http://schemas.microsoft.com/office/drawing/2014/main" id="{5293465A-4C2A-754E-8F5A-63A08A730A0E}"/>
-              </a:ext>
-            </a:extLst>
-          </p:cNvPr>
-          <p:cNvSpPr>
-            <a:spLocks noGrp="1"/>
-          </p:cNvSpPr>
-          <p:nvPr>
-            <p:ph type="ftr" sz="quarter" idx="11"/>
-          </p:nvPr>
-        </p:nvSpPr>
-        <p:spPr/>
-        <p:txBody>
-          <a:bodyPr/>
-          <a:lstStyle/>
-          <a:p>
-            <a:r>
-              <a:rPr lang="en-US" dirty="0"/>
-              <a:t>1 </a:t>
-            </a:r>
-            <a:r>
-              <a:rPr lang="en-US" dirty="0" err="1"/>
-              <a:t>Cybok</a:t>
-            </a:r>
-            <a:r>
-              <a:rPr lang="en-US" dirty="0"/>
-              <a:t> 1.0 2019 https://</a:t>
-            </a:r>
-            <a:r>
-              <a:rPr lang="en-US" dirty="0" err="1"/>
-              <a:t>www.cybok.org</a:t>
-            </a:r>
-            <a:r>
-              <a:rPr lang="en-US" dirty="0"/>
-              <a:t>/media/downloads/CyBOK_version_1.0_YMKBy7a.pdf</a:t>
-            </a:r>
           </a:p>
         </p:txBody>
       </p:sp>
     </p:spTree>
     <p:extLst>
       <p:ext uri="{BB962C8B-B14F-4D97-AF65-F5344CB8AC3E}">
-        <p14:creationId xmlns:p14="http://schemas.microsoft.com/office/powerpoint/2010/main" val="1476963364"/>
+        <p14:creationId xmlns:p14="http://schemas.microsoft.com/office/powerpoint/2010/main" val="1112541085"/>
       </p:ext>
     </p:extLst>
   </p:cSld>
@@ -8386,7 +11483,7 @@
           <p:cNvPr id="2" name="Title 1">
             <a:extLst>
               <a:ext uri="{FF2B5EF4-FFF2-40B4-BE49-F238E27FC236}">
-                <a16:creationId xmlns:a16="http://schemas.microsoft.com/office/drawing/2014/main" id="{5C4F01C5-5333-2248-B03B-703C97F7CC69}"/>
+                <a16:creationId xmlns:a16="http://schemas.microsoft.com/office/drawing/2014/main" id="{92B3B218-E6B7-E949-9413-DBDFA9A361B9}"/>
               </a:ext>
             </a:extLst>
           </p:cNvPr>
@@ -8404,7 +11501,7 @@
           <a:p>
             <a:r>
               <a:rPr lang="en-AU" dirty="0"/>
-              <a:t>Cybersecurity</a:t>
+              <a:t>Topics</a:t>
             </a:r>
           </a:p>
         </p:txBody>
@@ -8414,7 +11511,7 @@
           <p:cNvPr id="3" name="Content Placeholder 2">
             <a:extLst>
               <a:ext uri="{FF2B5EF4-FFF2-40B4-BE49-F238E27FC236}">
-                <a16:creationId xmlns:a16="http://schemas.microsoft.com/office/drawing/2014/main" id="{F7DD7DCB-C7E2-1B4F-BD83-3B7AF005DD76}"/>
+                <a16:creationId xmlns:a16="http://schemas.microsoft.com/office/drawing/2014/main" id="{13DB3674-2D4B-8645-8753-8E30E629B377}"/>
               </a:ext>
             </a:extLst>
           </p:cNvPr>
@@ -8428,87 +11525,133 @@
         <p:spPr/>
         <p:txBody>
           <a:bodyPr>
-            <a:normAutofit/>
+            <a:normAutofit fontScale="70000" lnSpcReduction="20000"/>
           </a:bodyPr>
           <a:lstStyle/>
           <a:p>
+            <a:pPr marL="494100" indent="-457200">
+              <a:buFont typeface="+mj-lt"/>
+              <a:buAutoNum type="arabicPeriod"/>
+            </a:pPr>
             <a:r>
               <a:rPr lang="en-AU" dirty="0"/>
-              <a:t>Cybersecurity is a subset of Information Security that concerns the digital realm – so:</a:t>
-            </a:r>
-          </a:p>
-          <a:p>
-            <a:pPr marL="414000" lvl="1" indent="0">
-              <a:buNone/>
+              <a:t>Introduction to overall definitions and concepts of information security, the AIC triad, vulnerabilities, threats and risk</a:t>
+            </a:r>
+          </a:p>
+          <a:p>
+            <a:pPr marL="494100" indent="-457200">
+              <a:buFont typeface="+mj-lt"/>
+              <a:buAutoNum type="arabicPeriod"/>
             </a:pPr>
             <a:r>
-              <a:rPr lang="en-AU" b="1" i="1" dirty="0">
-                <a:effectLst/>
-              </a:rPr>
-              <a:t>Cyber security </a:t>
-            </a:r>
-            <a:r>
-              <a:rPr lang="en-AU" dirty="0">
-                <a:effectLst/>
-              </a:rPr>
-              <a:t>refers to the protection of information systems (hardware, software and associated infrastructure), the data on them, and the services they provide, from unauthorised access, harm or misuse. This includes harm caused intentionally by the operator of the system, or accidentally, as a result of failing to follow security procedures.</a:t>
-            </a:r>
-            <a:r>
-              <a:rPr lang="en-AU" baseline="30000" dirty="0">
-                <a:effectLst/>
-              </a:rPr>
-              <a:t>1</a:t>
-            </a:r>
-            <a:r>
-              <a:rPr lang="en-AU" dirty="0">
-                <a:effectLst/>
-              </a:rPr>
-              <a:t> </a:t>
-            </a:r>
-          </a:p>
-          <a:p>
-            <a:r>
-              <a:rPr lang="en-AU" dirty="0">
-                <a:effectLst/>
-              </a:rPr>
-              <a:t>CIA is sometimes extended to include Authentication, Accountability, Non-Repudiation and Reliability</a:t>
-            </a:r>
-            <a:endParaRPr lang="en-AU" dirty="0"/>
-          </a:p>
-          <a:p>
-            <a:endParaRPr lang="en-AU" dirty="0"/>
-          </a:p>
-        </p:txBody>
-      </p:sp>
-      <p:sp>
-        <p:nvSpPr>
-          <p:cNvPr id="4" name="Footer Placeholder 3">
-            <a:extLst>
-              <a:ext uri="{FF2B5EF4-FFF2-40B4-BE49-F238E27FC236}">
-                <a16:creationId xmlns:a16="http://schemas.microsoft.com/office/drawing/2014/main" id="{5293465A-4C2A-754E-8F5A-63A08A730A0E}"/>
-              </a:ext>
-            </a:extLst>
-          </p:cNvPr>
-          <p:cNvSpPr>
-            <a:spLocks noGrp="1"/>
-          </p:cNvSpPr>
-          <p:nvPr>
-            <p:ph type="ftr" sz="quarter" idx="11"/>
-          </p:nvPr>
-        </p:nvSpPr>
-        <p:spPr/>
-        <p:txBody>
-          <a:bodyPr/>
-          <a:lstStyle/>
-          <a:p>
-            <a:endParaRPr lang="en-US" dirty="0"/>
+              <a:rPr lang="en-AU" dirty="0"/>
+              <a:t>Cryptography: codes and ciphers</a:t>
+            </a:r>
+          </a:p>
+          <a:p>
+            <a:pPr marL="494100" indent="-457200">
+              <a:buFont typeface="+mj-lt"/>
+              <a:buAutoNum type="arabicPeriod"/>
+            </a:pPr>
+            <a:r>
+              <a:rPr lang="en-AU" dirty="0"/>
+              <a:t>Computers and Networks</a:t>
+            </a:r>
+          </a:p>
+          <a:p>
+            <a:pPr marL="494100" indent="-457200">
+              <a:buFont typeface="+mj-lt"/>
+              <a:buAutoNum type="arabicPeriod"/>
+            </a:pPr>
+            <a:r>
+              <a:rPr lang="en-AU" dirty="0"/>
+              <a:t>Threats</a:t>
+            </a:r>
+          </a:p>
+          <a:p>
+            <a:pPr marL="494100" indent="-457200">
+              <a:buFont typeface="+mj-lt"/>
+              <a:buAutoNum type="arabicPeriod"/>
+            </a:pPr>
+            <a:r>
+              <a:rPr lang="en-AU" dirty="0"/>
+              <a:t>Vulnerabilities</a:t>
+            </a:r>
+          </a:p>
+          <a:p>
+            <a:pPr marL="494100" indent="-457200">
+              <a:buFont typeface="+mj-lt"/>
+              <a:buAutoNum type="arabicPeriod"/>
+            </a:pPr>
+            <a:r>
+              <a:rPr lang="en-AU" dirty="0"/>
+              <a:t>Security management</a:t>
+            </a:r>
+          </a:p>
+          <a:p>
+            <a:pPr marL="494100" indent="-457200">
+              <a:buFont typeface="+mj-lt"/>
+              <a:buAutoNum type="arabicPeriod"/>
+            </a:pPr>
+            <a:r>
+              <a:rPr lang="en-AU" dirty="0"/>
+              <a:t>Incidents</a:t>
+            </a:r>
+          </a:p>
+          <a:p>
+            <a:pPr marL="494100" indent="-457200">
+              <a:buFont typeface="+mj-lt"/>
+              <a:buAutoNum type="arabicPeriod"/>
+            </a:pPr>
+            <a:r>
+              <a:rPr lang="en-AU" dirty="0"/>
+              <a:t>Forensics</a:t>
+            </a:r>
+          </a:p>
+          <a:p>
+            <a:pPr marL="494100" indent="-457200">
+              <a:buFont typeface="+mj-lt"/>
+              <a:buAutoNum type="arabicPeriod"/>
+            </a:pPr>
+            <a:r>
+              <a:rPr lang="en-AU" dirty="0"/>
+              <a:t>Critical Infrastructure and </a:t>
+            </a:r>
+            <a:r>
+              <a:rPr lang="en-AU" dirty="0" err="1"/>
+              <a:t>Cyberphysical</a:t>
+            </a:r>
+            <a:r>
+              <a:rPr lang="en-AU" dirty="0"/>
+              <a:t> systems</a:t>
+            </a:r>
+          </a:p>
+          <a:p>
+            <a:pPr marL="494100" indent="-457200">
+              <a:buFont typeface="+mj-lt"/>
+              <a:buAutoNum type="arabicPeriod"/>
+            </a:pPr>
+            <a:r>
+              <a:rPr lang="en-AU" dirty="0"/>
+              <a:t>Cyber Law</a:t>
+            </a:r>
+          </a:p>
+          <a:p>
+            <a:pPr marL="494100" indent="-457200">
+              <a:buFont typeface="+mj-lt"/>
+              <a:buAutoNum type="arabicPeriod"/>
+            </a:pPr>
+            <a:r>
+              <a:rPr lang="en-AU" dirty="0"/>
+              <a:t>AI and Cybersecurity</a:t>
+            </a:r>
           </a:p>
         </p:txBody>
       </p:sp>
     </p:spTree>
     <p:extLst>
       <p:ext uri="{BB962C8B-B14F-4D97-AF65-F5344CB8AC3E}">
-        <p14:creationId xmlns:p14="http://schemas.microsoft.com/office/powerpoint/2010/main" val="2850690858"/>
+        <p14:creationId xmlns:p14="http://schemas.microsoft.com/office/powerpoint/2010/main" val="182683393"/>
       </p:ext>
     </p:extLst>
   </p:cSld>
@@ -8540,7 +11683,7 @@
           <p:cNvPr id="2" name="Title 1">
             <a:extLst>
               <a:ext uri="{FF2B5EF4-FFF2-40B4-BE49-F238E27FC236}">
-                <a16:creationId xmlns:a16="http://schemas.microsoft.com/office/drawing/2014/main" id="{5C4F01C5-5333-2248-B03B-703C97F7CC69}"/>
+                <a16:creationId xmlns:a16="http://schemas.microsoft.com/office/drawing/2014/main" id="{AF12F404-5848-8D4C-8FB6-3349BDEB8F75}"/>
               </a:ext>
             </a:extLst>
           </p:cNvPr>
@@ -8558,7 +11701,7 @@
           <a:p>
             <a:r>
               <a:rPr lang="en-AU" dirty="0"/>
-              <a:t>Vulnerabilities, Threats and Risks</a:t>
+              <a:t>Labs</a:t>
             </a:r>
           </a:p>
         </p:txBody>
@@ -8568,7 +11711,7 @@
           <p:cNvPr id="3" name="Content Placeholder 2">
             <a:extLst>
               <a:ext uri="{FF2B5EF4-FFF2-40B4-BE49-F238E27FC236}">
-                <a16:creationId xmlns:a16="http://schemas.microsoft.com/office/drawing/2014/main" id="{F7DD7DCB-C7E2-1B4F-BD83-3B7AF005DD76}"/>
+                <a16:creationId xmlns:a16="http://schemas.microsoft.com/office/drawing/2014/main" id="{56279952-E4DB-7445-83D2-1C8ADC55F074}"/>
               </a:ext>
             </a:extLst>
           </p:cNvPr>
@@ -8582,67 +11725,70 @@
         <p:spPr/>
         <p:txBody>
           <a:bodyPr>
-            <a:normAutofit/>
+            <a:normAutofit fontScale="92500" lnSpcReduction="20000"/>
           </a:bodyPr>
           <a:lstStyle/>
           <a:p>
             <a:r>
               <a:rPr lang="en-AU" dirty="0"/>
-              <a:t>We protect information because information systems (hardware, software, networks, infrastructure) have vulnerabilities</a:t>
+              <a:t>The labs rely on using a technology called Docker</a:t>
             </a:r>
           </a:p>
           <a:p>
             <a:r>
               <a:rPr lang="en-AU" dirty="0"/>
-              <a:t>Threats are the people or things that can exploit a vulnerability which will affect information system that affect an activity (including human life!)</a:t>
+              <a:t>As this technology is *not* available on UWA lab machines, it must be run on your laptops</a:t>
             </a:r>
           </a:p>
           <a:p>
             <a:r>
               <a:rPr lang="en-AU" dirty="0"/>
-              <a:t>There is a process by which we can calculate the risk of a vulnerability being exploited by a threat and the likely impact of that event.</a:t>
-            </a:r>
+              <a:t>If you do not have a laptop that is capable of running the labs, you can arrange to borrow one: </a:t>
+            </a:r>
+            <a:r>
+              <a:rPr lang="en-AU" dirty="0">
+                <a:hlinkClick r:id="rId2"/>
+              </a:rPr>
+              <a:t>https://introlabs.cybermnemosyne.xyz</a:t>
+            </a:r>
+            <a:endParaRPr lang="en-AU" dirty="0"/>
           </a:p>
           <a:p>
             <a:r>
               <a:rPr lang="en-AU" dirty="0"/>
-              <a:t>Risk management allows governments, organisations and individuals to put effective risk mitigations in place to protect information (mitigate the risk) from these risks.</a:t>
-            </a:r>
-          </a:p>
-          <a:p>
-            <a:endParaRPr lang="en-AU" dirty="0"/>
-          </a:p>
-        </p:txBody>
-      </p:sp>
-      <p:sp>
-        <p:nvSpPr>
-          <p:cNvPr id="4" name="Footer Placeholder 3">
-            <a:extLst>
-              <a:ext uri="{FF2B5EF4-FFF2-40B4-BE49-F238E27FC236}">
-                <a16:creationId xmlns:a16="http://schemas.microsoft.com/office/drawing/2014/main" id="{5293465A-4C2A-754E-8F5A-63A08A730A0E}"/>
-              </a:ext>
-            </a:extLst>
-          </p:cNvPr>
-          <p:cNvSpPr>
-            <a:spLocks noGrp="1"/>
-          </p:cNvSpPr>
-          <p:nvPr>
-            <p:ph type="ftr" sz="quarter" idx="11"/>
-          </p:nvPr>
-        </p:nvSpPr>
-        <p:spPr/>
-        <p:txBody>
-          <a:bodyPr/>
-          <a:lstStyle/>
-          <a:p>
-            <a:endParaRPr lang="en-US" dirty="0"/>
+              <a:t>Else – invest in a decent laptop – it will make a big difference to your University life.</a:t>
+            </a:r>
+          </a:p>
+          <a:p>
+            <a:r>
+              <a:rPr lang="en-AU" dirty="0"/>
+              <a:t>There is a contingency to run cloud-based sessions but it comes at a cost to us.</a:t>
+            </a:r>
+          </a:p>
+          <a:p>
+            <a:r>
+              <a:rPr lang="en-AU" dirty="0"/>
+              <a:t>Labs start in Week 2</a:t>
+            </a:r>
+          </a:p>
+          <a:p>
+            <a:r>
+              <a:rPr lang="en-AU" dirty="0"/>
+              <a:t>There will be a companion Capture The Flag server where you will need to provide flags that you find during the labs as evidence that you have completed them </a:t>
+            </a:r>
+          </a:p>
+          <a:p>
+            <a:r>
+              <a:rPr lang="en-AU" dirty="0"/>
+              <a:t>Labs are worth 25% of assessment.</a:t>
+            </a:r>
           </a:p>
         </p:txBody>
       </p:sp>
     </p:spTree>
     <p:extLst>
       <p:ext uri="{BB962C8B-B14F-4D97-AF65-F5344CB8AC3E}">
-        <p14:creationId xmlns:p14="http://schemas.microsoft.com/office/powerpoint/2010/main" val="2581189352"/>
+        <p14:creationId xmlns:p14="http://schemas.microsoft.com/office/powerpoint/2010/main" val="3259726858"/>
       </p:ext>
     </p:extLst>
   </p:cSld>
@@ -8674,7 +11820,7 @@
           <p:cNvPr id="2" name="Title 1">
             <a:extLst>
               <a:ext uri="{FF2B5EF4-FFF2-40B4-BE49-F238E27FC236}">
-                <a16:creationId xmlns:a16="http://schemas.microsoft.com/office/drawing/2014/main" id="{5C4F01C5-5333-2248-B03B-703C97F7CC69}"/>
+                <a16:creationId xmlns:a16="http://schemas.microsoft.com/office/drawing/2014/main" id="{DDA4E7FC-13D5-D64F-970D-EE15EF0A474C}"/>
               </a:ext>
             </a:extLst>
           </p:cNvPr>
@@ -8692,7 +11838,7 @@
           <a:p>
             <a:r>
               <a:rPr lang="en-AU" dirty="0"/>
-              <a:t>Human, Organisational and Regulatory Aspects</a:t>
+              <a:t>Other Assessment</a:t>
             </a:r>
           </a:p>
         </p:txBody>
@@ -8702,7 +11848,7 @@
           <p:cNvPr id="3" name="Content Placeholder 2">
             <a:extLst>
               <a:ext uri="{FF2B5EF4-FFF2-40B4-BE49-F238E27FC236}">
-                <a16:creationId xmlns:a16="http://schemas.microsoft.com/office/drawing/2014/main" id="{F7DD7DCB-C7E2-1B4F-BD83-3B7AF005DD76}"/>
+                <a16:creationId xmlns:a16="http://schemas.microsoft.com/office/drawing/2014/main" id="{D414E03A-E6FC-764F-9D80-282B98177B8B}"/>
               </a:ext>
             </a:extLst>
           </p:cNvPr>
@@ -8715,93 +11861,47 @@
         </p:nvSpPr>
         <p:spPr/>
         <p:txBody>
-          <a:bodyPr>
-            <a:normAutofit fontScale="92500" lnSpcReduction="10000"/>
-          </a:bodyPr>
-          <a:lstStyle/>
-          <a:p>
-            <a:r>
-              <a:rPr lang="en-AU" dirty="0"/>
-              <a:t>Law &amp; Regulation: Cybersecurity is global and so knowledge of important laws in other countries outside Australia is important</a:t>
-            </a:r>
-          </a:p>
-          <a:p>
-            <a:r>
-              <a:rPr lang="en-AU" dirty="0"/>
-              <a:t>Although not covered in detail, Cyberwarfare and National Security will be touched on</a:t>
-            </a:r>
-          </a:p>
-          <a:p>
-            <a:r>
-              <a:rPr lang="en-AU" dirty="0"/>
-              <a:t>Human factors</a:t>
-            </a:r>
-          </a:p>
-          <a:p>
-            <a:pPr lvl="1"/>
-            <a:r>
-              <a:rPr lang="en-AU" dirty="0"/>
-              <a:t>Humans are central to all aspects of cybersecurity</a:t>
-            </a:r>
-          </a:p>
-          <a:p>
-            <a:pPr lvl="1"/>
-            <a:r>
-              <a:rPr lang="en-AU" dirty="0"/>
-              <a:t>Security usability becomes important to improve human’s ability to avoid being vulnerable and exploited</a:t>
-            </a:r>
-          </a:p>
-          <a:p>
-            <a:pPr lvl="1"/>
-            <a:r>
-              <a:rPr lang="en-AU" dirty="0"/>
-              <a:t>Human error</a:t>
-            </a:r>
-          </a:p>
-          <a:p>
-            <a:pPr lvl="1"/>
-            <a:r>
-              <a:rPr lang="en-AU" dirty="0"/>
-              <a:t>Cybersecurity awareness and education</a:t>
-            </a:r>
-          </a:p>
-          <a:p>
-            <a:r>
-              <a:rPr lang="en-AU" dirty="0"/>
-              <a:t>Privacy and Online Rights</a:t>
-            </a:r>
-          </a:p>
-        </p:txBody>
-      </p:sp>
-      <p:sp>
-        <p:nvSpPr>
-          <p:cNvPr id="4" name="Footer Placeholder 3">
-            <a:extLst>
-              <a:ext uri="{FF2B5EF4-FFF2-40B4-BE49-F238E27FC236}">
-                <a16:creationId xmlns:a16="http://schemas.microsoft.com/office/drawing/2014/main" id="{5293465A-4C2A-754E-8F5A-63A08A730A0E}"/>
-              </a:ext>
-            </a:extLst>
-          </p:cNvPr>
-          <p:cNvSpPr>
-            <a:spLocks noGrp="1"/>
-          </p:cNvSpPr>
-          <p:nvPr>
-            <p:ph type="ftr" sz="quarter" idx="11"/>
-          </p:nvPr>
-        </p:nvSpPr>
-        <p:spPr/>
-        <p:txBody>
           <a:bodyPr/>
           <a:lstStyle/>
           <a:p>
-            <a:endParaRPr lang="en-US" dirty="0"/>
+            <a:r>
+              <a:rPr lang="en-AU" dirty="0"/>
+              <a:t>Project released in Week 6 and ending in Week 10. This will be similar in format to the labs – except without the guidance part</a:t>
+            </a:r>
+          </a:p>
+          <a:p>
+            <a:pPr lvl="1"/>
+            <a:r>
+              <a:rPr lang="en-AU" dirty="0"/>
+              <a:t>Project is worth 25% of assessment</a:t>
+            </a:r>
+          </a:p>
+          <a:p>
+            <a:r>
+              <a:rPr lang="en-AU" dirty="0"/>
+              <a:t>Final Exam: 50% of final assessment</a:t>
+            </a:r>
+          </a:p>
+          <a:p>
+            <a:pPr lvl="1"/>
+            <a:r>
+              <a:rPr lang="en-AU" dirty="0"/>
+              <a:t>Part multiple choice 40% of overall exam mark</a:t>
+            </a:r>
+          </a:p>
+          <a:p>
+            <a:pPr lvl="1"/>
+            <a:r>
+              <a:rPr lang="en-AU" dirty="0"/>
+              <a:t>Part short answers – closed book. 60% of overall exam mark.</a:t>
+            </a:r>
           </a:p>
         </p:txBody>
       </p:sp>
     </p:spTree>
     <p:extLst>
       <p:ext uri="{BB962C8B-B14F-4D97-AF65-F5344CB8AC3E}">
-        <p14:creationId xmlns:p14="http://schemas.microsoft.com/office/powerpoint/2010/main" val="1396022378"/>
+        <p14:creationId xmlns:p14="http://schemas.microsoft.com/office/powerpoint/2010/main" val="1892611882"/>
       </p:ext>
     </p:extLst>
   </p:cSld>
@@ -8814,25 +11914,6 @@
 <file path=ppt/slides/slide8.xml><?xml version="1.0" encoding="utf-8"?>
 <p:sld xmlns:a="http://schemas.openxmlformats.org/drawingml/2006/main" xmlns:r="http://schemas.openxmlformats.org/officeDocument/2006/relationships" xmlns:p="http://schemas.openxmlformats.org/presentationml/2006/main">
   <p:cSld>
-    <p:bg>
-      <p:bgPr>
-        <a:blipFill rotWithShape="1">
-          <a:blip r:embed="rId2">
-            <a:duotone>
-              <a:schemeClr val="bg1">
-                <a:shade val="80000"/>
-                <a:lumMod val="80000"/>
-              </a:schemeClr>
-              <a:schemeClr val="bg1">
-                <a:tint val="98000"/>
-              </a:schemeClr>
-            </a:duotone>
-          </a:blip>
-          <a:stretch/>
-        </a:blipFill>
-        <a:effectLst/>
-      </p:bgPr>
-    </p:bg>
     <p:spTree>
       <p:nvGrpSpPr>
         <p:cNvPr id="1" name=""/>
@@ -8847,66 +11928,6 @@
           <a:chExt cx="0" cy="0"/>
         </a:xfrm>
       </p:grpSpPr>
-      <p:sp useBgFill="1">
-        <p:nvSpPr>
-          <p:cNvPr id="27" name="Rectangle 26">
-            <a:extLst>
-              <a:ext uri="{FF2B5EF4-FFF2-40B4-BE49-F238E27FC236}">
-                <a16:creationId xmlns:a16="http://schemas.microsoft.com/office/drawing/2014/main" id="{1E70A317-DCED-4E80-AA2D-467D8702E5CB}"/>
-              </a:ext>
-              <a:ext uri="{C183D7F6-B498-43B3-948B-1728B52AA6E4}">
-                <adec:decorative xmlns:adec="http://schemas.microsoft.com/office/drawing/2017/decorative" val="1"/>
-              </a:ext>
-            </a:extLst>
-          </p:cNvPr>
-          <p:cNvSpPr>
-            <a:spLocks noGrp="1" noRot="1" noChangeAspect="1" noMove="1" noResize="1" noEditPoints="1" noAdjustHandles="1" noChangeArrowheads="1" noChangeShapeType="1" noTextEdit="1"/>
-          </p:cNvSpPr>
-          <p:nvPr>
-            <p:extLst>
-              <p:ext uri="{386F3935-93C4-4BCD-93E2-E3B085C9AB24}">
-                <p16:designElem xmlns:p16="http://schemas.microsoft.com/office/powerpoint/2015/main" val="1"/>
-              </p:ext>
-            </p:extLst>
-          </p:nvPr>
-        </p:nvSpPr>
-        <p:spPr>
-          <a:xfrm>
-            <a:off x="0" y="0"/>
-            <a:ext cx="12192000" cy="6858000"/>
-          </a:xfrm>
-          <a:prstGeom prst="rect">
-            <a:avLst/>
-          </a:prstGeom>
-          <a:ln>
-            <a:noFill/>
-          </a:ln>
-        </p:spPr>
-        <p:style>
-          <a:lnRef idx="2">
-            <a:schemeClr val="accent1">
-              <a:shade val="50000"/>
-            </a:schemeClr>
-          </a:lnRef>
-          <a:fillRef idx="1">
-            <a:schemeClr val="accent1"/>
-          </a:fillRef>
-          <a:effectRef idx="0">
-            <a:schemeClr val="accent1"/>
-          </a:effectRef>
-          <a:fontRef idx="minor">
-            <a:schemeClr val="lt1"/>
-          </a:fontRef>
-        </p:style>
-        <p:txBody>
-          <a:bodyPr rtlCol="0" anchor="ctr"/>
-          <a:lstStyle/>
-          <a:p>
-            <a:pPr algn="ctr"/>
-            <a:endParaRPr lang="en-US"/>
-          </a:p>
-        </p:txBody>
-      </p:sp>
       <p:sp>
         <p:nvSpPr>
           <p:cNvPr id="2" name="Title 1">
@@ -8923,161 +11944,108 @@
             <p:ph type="title"/>
           </p:nvPr>
         </p:nvSpPr>
-        <p:spPr>
-          <a:xfrm>
-            <a:off x="861791" y="835383"/>
-            <a:ext cx="3382832" cy="3499549"/>
-          </a:xfrm>
-        </p:spPr>
-        <p:txBody>
-          <a:bodyPr vert="horz" lIns="91440" tIns="45720" rIns="91440" bIns="45720" rtlCol="0" anchor="b">
+        <p:spPr/>
+        <p:txBody>
+          <a:bodyPr/>
+          <a:lstStyle/>
+          <a:p>
+            <a:r>
+              <a:rPr lang="en-AU" dirty="0"/>
+              <a:t>Information Security</a:t>
+            </a:r>
+          </a:p>
+        </p:txBody>
+      </p:sp>
+      <p:sp>
+        <p:nvSpPr>
+          <p:cNvPr id="3" name="Content Placeholder 2">
+            <a:extLst>
+              <a:ext uri="{FF2B5EF4-FFF2-40B4-BE49-F238E27FC236}">
+                <a16:creationId xmlns:a16="http://schemas.microsoft.com/office/drawing/2014/main" id="{F7DD7DCB-C7E2-1B4F-BD83-3B7AF005DD76}"/>
+              </a:ext>
+            </a:extLst>
+          </p:cNvPr>
+          <p:cNvSpPr>
+            <a:spLocks noGrp="1"/>
+          </p:cNvSpPr>
+          <p:nvPr>
+            <p:ph idx="1"/>
+          </p:nvPr>
+        </p:nvSpPr>
+        <p:spPr/>
+        <p:txBody>
+          <a:bodyPr>
             <a:normAutofit/>
           </a:bodyPr>
           <a:lstStyle/>
           <a:p>
-            <a:pPr algn="l"/>
-            <a:r>
-              <a:rPr lang="en-US" sz="4200" dirty="0"/>
-              <a:t>Human Threats</a:t>
-            </a:r>
-          </a:p>
-        </p:txBody>
-      </p:sp>
-      <p:sp>
-        <p:nvSpPr>
-          <p:cNvPr id="19" name="Content Placeholder 18">
-            <a:extLst>
-              <a:ext uri="{FF2B5EF4-FFF2-40B4-BE49-F238E27FC236}">
-                <a16:creationId xmlns:a16="http://schemas.microsoft.com/office/drawing/2014/main" id="{F6948037-86E0-421A-B96C-F87438C98CFD}"/>
-              </a:ext>
-            </a:extLst>
-          </p:cNvPr>
-          <p:cNvSpPr>
-            <a:spLocks noGrp="1"/>
-          </p:cNvSpPr>
-          <p:nvPr>
-            <p:ph idx="1"/>
-          </p:nvPr>
-        </p:nvSpPr>
-        <p:spPr>
-          <a:xfrm>
-            <a:off x="861789" y="4334933"/>
-            <a:ext cx="3382831" cy="1185333"/>
-          </a:xfrm>
-        </p:spPr>
-        <p:txBody>
-          <a:bodyPr vert="horz" lIns="91440" tIns="45720" rIns="91440" bIns="45720" rtlCol="0" anchor="t">
-            <a:normAutofit/>
-          </a:bodyPr>
-          <a:lstStyle/>
-          <a:p>
-            <a:pPr marL="0" indent="0">
-              <a:buNone/>
-            </a:pPr>
-            <a:r>
-              <a:rPr lang="en-US" sz="2000" dirty="0">
+            <a:r>
+              <a:rPr lang="en-AU" dirty="0"/>
+              <a:t>All human endeavour relies on information </a:t>
+            </a:r>
+          </a:p>
+          <a:p>
+            <a:pPr lvl="1"/>
+            <a:r>
+              <a:rPr lang="en-AU" dirty="0"/>
+              <a:t>Business, Government, Education, Research, Personal life</a:t>
+            </a:r>
+          </a:p>
+          <a:p>
+            <a:r>
+              <a:rPr lang="en-AU" dirty="0"/>
+              <a:t>Information security is about protecting this information from “unauthorised access, harm or misuse”</a:t>
+            </a:r>
+            <a:r>
+              <a:rPr lang="en-AU" baseline="30000" dirty="0"/>
+              <a:t>1</a:t>
+            </a:r>
+            <a:endParaRPr lang="en-AU" dirty="0"/>
+          </a:p>
+          <a:p>
+            <a:r>
+              <a:rPr lang="en-AU" dirty="0"/>
+              <a:t>This is done by preserving </a:t>
+            </a:r>
+            <a:r>
+              <a:rPr lang="en-AU" u="sng" dirty="0">
                 <a:solidFill>
-                  <a:srgbClr val="2B95D5"/>
+                  <a:srgbClr val="00B0F0"/>
                 </a:solidFill>
               </a:rPr>
-              <a:t>2018 breaches</a:t>
-            </a:r>
-          </a:p>
-        </p:txBody>
-      </p:sp>
-      <p:sp>
-        <p:nvSpPr>
-          <p:cNvPr id="29" name="Rectangle 28">
-            <a:extLst>
-              <a:ext uri="{FF2B5EF4-FFF2-40B4-BE49-F238E27FC236}">
-                <a16:creationId xmlns:a16="http://schemas.microsoft.com/office/drawing/2014/main" id="{A6D87845-294F-40CB-BC48-46455460D292}"/>
-              </a:ext>
-              <a:ext uri="{C183D7F6-B498-43B3-948B-1728B52AA6E4}">
-                <adec:decorative xmlns:adec="http://schemas.microsoft.com/office/drawing/2017/decorative" val="1"/>
-              </a:ext>
-            </a:extLst>
-          </p:cNvPr>
-          <p:cNvSpPr>
-            <a:spLocks noGrp="1" noRot="1" noChangeAspect="1" noMove="1" noResize="1" noEditPoints="1" noAdjustHandles="1" noChangeArrowheads="1" noChangeShapeType="1" noTextEdit="1"/>
-          </p:cNvSpPr>
-          <p:nvPr>
-            <p:extLst>
-              <p:ext uri="{386F3935-93C4-4BCD-93E2-E3B085C9AB24}">
-                <p16:designElem xmlns:p16="http://schemas.microsoft.com/office/powerpoint/2015/main" val="1"/>
-              </p:ext>
-            </p:extLst>
-          </p:nvPr>
-        </p:nvSpPr>
-        <p:spPr>
-          <a:xfrm>
-            <a:off x="4655671" y="0"/>
-            <a:ext cx="7536329" cy="6858000"/>
-          </a:xfrm>
-          <a:prstGeom prst="rect">
-            <a:avLst/>
-          </a:prstGeom>
-          <a:solidFill>
-            <a:schemeClr val="tx1"/>
-          </a:solidFill>
-          <a:ln>
-            <a:noFill/>
-          </a:ln>
-        </p:spPr>
-        <p:style>
-          <a:lnRef idx="2">
-            <a:schemeClr val="accent1">
-              <a:shade val="50000"/>
-            </a:schemeClr>
-          </a:lnRef>
-          <a:fillRef idx="1">
-            <a:schemeClr val="accent1"/>
-          </a:fillRef>
-          <a:effectRef idx="0">
-            <a:schemeClr val="accent1"/>
-          </a:effectRef>
-          <a:fontRef idx="minor">
-            <a:schemeClr val="lt1"/>
-          </a:fontRef>
-        </p:style>
-        <p:txBody>
-          <a:bodyPr rtlCol="0" anchor="ctr"/>
-          <a:lstStyle/>
-          <a:p>
-            <a:pPr algn="ctr"/>
-            <a:endParaRPr lang="en-US"/>
-          </a:p>
-        </p:txBody>
-      </p:sp>
-      <p:pic>
-        <p:nvPicPr>
-          <p:cNvPr id="8" name="Content Placeholder 7" descr="A screenshot of a cell phone&#10;&#10;Description automatically generated">
-            <a:extLst>
-              <a:ext uri="{FF2B5EF4-FFF2-40B4-BE49-F238E27FC236}">
-                <a16:creationId xmlns:a16="http://schemas.microsoft.com/office/drawing/2014/main" id="{D9C8E697-C622-BD44-BD2B-AFCE759D3EB8}"/>
-              </a:ext>
-            </a:extLst>
-          </p:cNvPr>
-          <p:cNvPicPr>
-            <a:picLocks noChangeAspect="1"/>
-          </p:cNvPicPr>
-          <p:nvPr/>
-        </p:nvPicPr>
-        <p:blipFill>
-          <a:blip r:embed="rId3"/>
-          <a:stretch>
-            <a:fillRect/>
-          </a:stretch>
-        </p:blipFill>
-        <p:spPr>
-          <a:xfrm>
-            <a:off x="6139435" y="609600"/>
-            <a:ext cx="4567427" cy="5638800"/>
-          </a:xfrm>
-          <a:prstGeom prst="rect">
-            <a:avLst/>
-          </a:prstGeom>
-        </p:spPr>
-      </p:pic>
+              <a:t>C</a:t>
+            </a:r>
+            <a:r>
+              <a:rPr lang="en-AU" dirty="0"/>
+              <a:t>onfidentiality, </a:t>
+            </a:r>
+            <a:r>
+              <a:rPr lang="en-AU" u="sng" dirty="0">
+                <a:solidFill>
+                  <a:srgbClr val="00B0F0"/>
+                </a:solidFill>
+              </a:rPr>
+              <a:t>I</a:t>
+            </a:r>
+            <a:r>
+              <a:rPr lang="en-AU" dirty="0"/>
+              <a:t>ntegrity and </a:t>
+            </a:r>
+            <a:r>
+              <a:rPr lang="en-AU" u="sng" dirty="0">
+                <a:solidFill>
+                  <a:srgbClr val="00B0F0"/>
+                </a:solidFill>
+              </a:rPr>
+              <a:t>A</a:t>
+            </a:r>
+            <a:r>
+              <a:rPr lang="en-AU" dirty="0"/>
+              <a:t>vailability of information</a:t>
+            </a:r>
+          </a:p>
+        </p:txBody>
+      </p:sp>
       <p:sp>
         <p:nvSpPr>
           <p:cNvPr id="4" name="Footer Placeholder 3">
@@ -9094,75 +12062,30 @@
             <p:ph type="ftr" sz="quarter" idx="11"/>
           </p:nvPr>
         </p:nvSpPr>
-        <p:spPr>
-          <a:xfrm>
-            <a:off x="913795" y="6310313"/>
-            <a:ext cx="6672865" cy="365125"/>
-          </a:xfrm>
-        </p:spPr>
-        <p:txBody>
-          <a:bodyPr vert="horz" lIns="91440" tIns="45720" rIns="91440" bIns="45720" rtlCol="0" anchor="ctr">
-            <a:normAutofit/>
-          </a:bodyPr>
+        <p:spPr/>
+        <p:txBody>
+          <a:bodyPr/>
           <a:lstStyle/>
           <a:p>
-            <a:pPr>
-              <a:lnSpc>
-                <a:spcPct val="90000"/>
-              </a:lnSpc>
-              <a:spcAft>
-                <a:spcPts val="600"/>
-              </a:spcAft>
-            </a:pPr>
-            <a:r>
-              <a:rPr lang="en-US" sz="700" kern="1200">
-                <a:solidFill>
-                  <a:schemeClr val="tx1">
-                    <a:lumMod val="95000"/>
-                  </a:schemeClr>
-                </a:solidFill>
-                <a:effectLst>
-                  <a:outerShdw blurRad="50800" dist="38100" dir="2700000" algn="tl" rotWithShape="0">
-                    <a:schemeClr val="bg1">
-                      <a:alpha val="43000"/>
-                    </a:schemeClr>
-                  </a:outerShdw>
-                </a:effectLst>
-                <a:latin typeface="+mn-lt"/>
-                <a:ea typeface="+mn-ea"/>
-                <a:cs typeface="+mn-cs"/>
-              </a:rPr>
-              <a:t>2018 Verizon DBIR </a:t>
-            </a:r>
-          </a:p>
-          <a:p>
-            <a:pPr>
-              <a:lnSpc>
-                <a:spcPct val="90000"/>
-              </a:lnSpc>
-              <a:spcAft>
-                <a:spcPts val="600"/>
-              </a:spcAft>
-            </a:pPr>
-            <a:r>
-              <a:rPr lang="en-US" sz="700" kern="1200">
-                <a:solidFill>
-                  <a:schemeClr val="tx1">
-                    <a:lumMod val="95000"/>
-                  </a:schemeClr>
-                </a:solidFill>
-                <a:effectLst>
-                  <a:outerShdw blurRad="50800" dist="38100" dir="2700000" algn="tl" rotWithShape="0">
-                    <a:schemeClr val="bg1">
-                      <a:alpha val="43000"/>
-                    </a:schemeClr>
-                  </a:outerShdw>
-                </a:effectLst>
-                <a:latin typeface="+mn-lt"/>
-                <a:ea typeface="+mn-ea"/>
-                <a:cs typeface="+mn-cs"/>
-              </a:rPr>
-              <a:t>https://enterprise.verizon.com/resources/executivebriefs/2019-dbir-executive-brief.pdf</a:t>
+            <a:r>
+              <a:rPr lang="en-US" dirty="0"/>
+              <a:t>1 </a:t>
+            </a:r>
+            <a:r>
+              <a:rPr lang="en-US" dirty="0" err="1"/>
+              <a:t>Cybok</a:t>
+            </a:r>
+            <a:r>
+              <a:rPr lang="en-US" dirty="0"/>
+              <a:t> 1.0 2019 https://</a:t>
+            </a:r>
+            <a:r>
+              <a:rPr lang="en-US" dirty="0" err="1"/>
+              <a:t>www.cybok.org</a:t>
+            </a:r>
+            <a:r>
+              <a:rPr lang="en-US" dirty="0"/>
+              <a:t>/media/downloads/CyBOK_version_1.0_YMKBy7a.pdf</a:t>
             </a:r>
           </a:p>
         </p:txBody>
@@ -9170,7 +12093,7 @@
     </p:spTree>
     <p:extLst>
       <p:ext uri="{BB962C8B-B14F-4D97-AF65-F5344CB8AC3E}">
-        <p14:creationId xmlns:p14="http://schemas.microsoft.com/office/powerpoint/2010/main" val="3235645542"/>
+        <p14:creationId xmlns:p14="http://schemas.microsoft.com/office/powerpoint/2010/main" val="1476963364"/>
       </p:ext>
     </p:extLst>
   </p:cSld>
@@ -9183,25 +12106,6 @@
 <file path=ppt/slides/slide9.xml><?xml version="1.0" encoding="utf-8"?>
 <p:sld xmlns:a="http://schemas.openxmlformats.org/drawingml/2006/main" xmlns:r="http://schemas.openxmlformats.org/officeDocument/2006/relationships" xmlns:p="http://schemas.openxmlformats.org/presentationml/2006/main">
   <p:cSld>
-    <p:bg>
-      <p:bgPr>
-        <a:blipFill rotWithShape="1">
-          <a:blip r:embed="rId2">
-            <a:duotone>
-              <a:schemeClr val="bg1">
-                <a:shade val="80000"/>
-                <a:lumMod val="80000"/>
-              </a:schemeClr>
-              <a:schemeClr val="bg1">
-                <a:tint val="98000"/>
-              </a:schemeClr>
-            </a:duotone>
-          </a:blip>
-          <a:stretch/>
-        </a:blipFill>
-        <a:effectLst/>
-      </p:bgPr>
-    </p:bg>
     <p:spTree>
       <p:nvGrpSpPr>
         <p:cNvPr id="1" name=""/>
@@ -9216,66 +12120,6 @@
           <a:chExt cx="0" cy="0"/>
         </a:xfrm>
       </p:grpSpPr>
-      <p:sp useBgFill="1">
-        <p:nvSpPr>
-          <p:cNvPr id="38" name="Rectangle 33">
-            <a:extLst>
-              <a:ext uri="{FF2B5EF4-FFF2-40B4-BE49-F238E27FC236}">
-                <a16:creationId xmlns:a16="http://schemas.microsoft.com/office/drawing/2014/main" id="{1E70A317-DCED-4E80-AA2D-467D8702E5CB}"/>
-              </a:ext>
-              <a:ext uri="{C183D7F6-B498-43B3-948B-1728B52AA6E4}">
-                <adec:decorative xmlns:adec="http://schemas.microsoft.com/office/drawing/2017/decorative" val="1"/>
-              </a:ext>
-            </a:extLst>
-          </p:cNvPr>
-          <p:cNvSpPr>
-            <a:spLocks noGrp="1" noRot="1" noChangeAspect="1" noMove="1" noResize="1" noEditPoints="1" noAdjustHandles="1" noChangeArrowheads="1" noChangeShapeType="1" noTextEdit="1"/>
-          </p:cNvSpPr>
-          <p:nvPr>
-            <p:extLst>
-              <p:ext uri="{386F3935-93C4-4BCD-93E2-E3B085C9AB24}">
-                <p16:designElem xmlns:p16="http://schemas.microsoft.com/office/powerpoint/2015/main" val="1"/>
-              </p:ext>
-            </p:extLst>
-          </p:nvPr>
-        </p:nvSpPr>
-        <p:spPr>
-          <a:xfrm>
-            <a:off x="0" y="0"/>
-            <a:ext cx="12192000" cy="6858000"/>
-          </a:xfrm>
-          <a:prstGeom prst="rect">
-            <a:avLst/>
-          </a:prstGeom>
-          <a:ln>
-            <a:noFill/>
-          </a:ln>
-        </p:spPr>
-        <p:style>
-          <a:lnRef idx="2">
-            <a:schemeClr val="accent1">
-              <a:shade val="50000"/>
-            </a:schemeClr>
-          </a:lnRef>
-          <a:fillRef idx="1">
-            <a:schemeClr val="accent1"/>
-          </a:fillRef>
-          <a:effectRef idx="0">
-            <a:schemeClr val="accent1"/>
-          </a:effectRef>
-          <a:fontRef idx="minor">
-            <a:schemeClr val="lt1"/>
-          </a:fontRef>
-        </p:style>
-        <p:txBody>
-          <a:bodyPr rtlCol="0" anchor="ctr"/>
-          <a:lstStyle/>
-          <a:p>
-            <a:pPr algn="ctr"/>
-            <a:endParaRPr lang="en-US"/>
-          </a:p>
-        </p:txBody>
-      </p:sp>
       <p:sp>
         <p:nvSpPr>
           <p:cNvPr id="2" name="Title 1">
@@ -9292,161 +12136,89 @@
             <p:ph type="title"/>
           </p:nvPr>
         </p:nvSpPr>
-        <p:spPr>
-          <a:xfrm>
-            <a:off x="861791" y="835383"/>
-            <a:ext cx="3382832" cy="3499549"/>
-          </a:xfrm>
-        </p:spPr>
-        <p:txBody>
-          <a:bodyPr vert="horz" lIns="91440" tIns="45720" rIns="91440" bIns="45720" rtlCol="0" anchor="b">
+        <p:spPr/>
+        <p:txBody>
+          <a:bodyPr/>
+          <a:lstStyle/>
+          <a:p>
+            <a:r>
+              <a:rPr lang="en-AU" dirty="0"/>
+              <a:t>Cybersecurity</a:t>
+            </a:r>
+          </a:p>
+        </p:txBody>
+      </p:sp>
+      <p:sp>
+        <p:nvSpPr>
+          <p:cNvPr id="3" name="Content Placeholder 2">
+            <a:extLst>
+              <a:ext uri="{FF2B5EF4-FFF2-40B4-BE49-F238E27FC236}">
+                <a16:creationId xmlns:a16="http://schemas.microsoft.com/office/drawing/2014/main" id="{F7DD7DCB-C7E2-1B4F-BD83-3B7AF005DD76}"/>
+              </a:ext>
+            </a:extLst>
+          </p:cNvPr>
+          <p:cNvSpPr>
+            <a:spLocks noGrp="1"/>
+          </p:cNvSpPr>
+          <p:nvPr>
+            <p:ph idx="1"/>
+          </p:nvPr>
+        </p:nvSpPr>
+        <p:spPr/>
+        <p:txBody>
+          <a:bodyPr>
             <a:normAutofit/>
           </a:bodyPr>
           <a:lstStyle/>
           <a:p>
-            <a:pPr algn="l"/>
-            <a:r>
-              <a:rPr lang="en-US" sz="4200" dirty="0"/>
-              <a:t>Human Exploits</a:t>
-            </a:r>
-          </a:p>
-        </p:txBody>
-      </p:sp>
-      <p:sp>
-        <p:nvSpPr>
-          <p:cNvPr id="19" name="Content Placeholder 18">
-            <a:extLst>
-              <a:ext uri="{FF2B5EF4-FFF2-40B4-BE49-F238E27FC236}">
-                <a16:creationId xmlns:a16="http://schemas.microsoft.com/office/drawing/2014/main" id="{F6948037-86E0-421A-B96C-F87438C98CFD}"/>
-              </a:ext>
-            </a:extLst>
-          </p:cNvPr>
-          <p:cNvSpPr>
-            <a:spLocks noGrp="1"/>
-          </p:cNvSpPr>
-          <p:nvPr>
-            <p:ph idx="1"/>
-          </p:nvPr>
-        </p:nvSpPr>
-        <p:spPr>
-          <a:xfrm>
-            <a:off x="861789" y="4334933"/>
-            <a:ext cx="3382831" cy="1185333"/>
-          </a:xfrm>
-        </p:spPr>
-        <p:txBody>
-          <a:bodyPr vert="horz" lIns="91440" tIns="45720" rIns="91440" bIns="45720" rtlCol="0" anchor="t">
-            <a:normAutofit/>
-          </a:bodyPr>
-          <a:lstStyle/>
-          <a:p>
-            <a:pPr marL="0" indent="0">
+            <a:r>
+              <a:rPr lang="en-AU" dirty="0"/>
+              <a:t>Cybersecurity is a subset of Information Security that concerns the digital realm – so:</a:t>
+            </a:r>
+          </a:p>
+          <a:p>
+            <a:pPr marL="414000" lvl="1" indent="0">
               <a:buNone/>
             </a:pPr>
             <a:r>
-              <a:rPr lang="en-US" sz="2000">
-                <a:solidFill>
-                  <a:srgbClr val="2993D5"/>
-                </a:solidFill>
+              <a:rPr lang="en-AU" b="1" i="1" dirty="0">
+                <a:effectLst/>
               </a:rPr>
-              <a:t>2018 breaches</a:t>
-            </a:r>
-          </a:p>
-        </p:txBody>
-      </p:sp>
-      <p:sp>
-        <p:nvSpPr>
-          <p:cNvPr id="39" name="Rectangle 35">
-            <a:extLst>
-              <a:ext uri="{FF2B5EF4-FFF2-40B4-BE49-F238E27FC236}">
-                <a16:creationId xmlns:a16="http://schemas.microsoft.com/office/drawing/2014/main" id="{A6D87845-294F-40CB-BC48-46455460D292}"/>
-              </a:ext>
-              <a:ext uri="{C183D7F6-B498-43B3-948B-1728B52AA6E4}">
-                <adec:decorative xmlns:adec="http://schemas.microsoft.com/office/drawing/2017/decorative" val="1"/>
-              </a:ext>
-            </a:extLst>
-          </p:cNvPr>
-          <p:cNvSpPr>
-            <a:spLocks noGrp="1" noRot="1" noChangeAspect="1" noMove="1" noResize="1" noEditPoints="1" noAdjustHandles="1" noChangeArrowheads="1" noChangeShapeType="1" noTextEdit="1"/>
-          </p:cNvSpPr>
-          <p:nvPr>
-            <p:extLst>
-              <p:ext uri="{386F3935-93C4-4BCD-93E2-E3B085C9AB24}">
-                <p16:designElem xmlns:p16="http://schemas.microsoft.com/office/powerpoint/2015/main" val="1"/>
-              </p:ext>
-            </p:extLst>
-          </p:nvPr>
-        </p:nvSpPr>
-        <p:spPr>
-          <a:xfrm>
-            <a:off x="4655671" y="0"/>
-            <a:ext cx="7536329" cy="6858000"/>
-          </a:xfrm>
-          <a:prstGeom prst="rect">
-            <a:avLst/>
-          </a:prstGeom>
-          <a:solidFill>
-            <a:schemeClr val="tx1"/>
-          </a:solidFill>
-          <a:ln>
-            <a:noFill/>
-          </a:ln>
-        </p:spPr>
-        <p:style>
-          <a:lnRef idx="2">
-            <a:schemeClr val="accent1">
-              <a:shade val="50000"/>
-            </a:schemeClr>
-          </a:lnRef>
-          <a:fillRef idx="1">
-            <a:schemeClr val="accent1"/>
-          </a:fillRef>
-          <a:effectRef idx="0">
-            <a:schemeClr val="accent1"/>
-          </a:effectRef>
-          <a:fontRef idx="minor">
-            <a:schemeClr val="lt1"/>
-          </a:fontRef>
-        </p:style>
-        <p:txBody>
-          <a:bodyPr rtlCol="0" anchor="ctr"/>
-          <a:lstStyle/>
-          <a:p>
-            <a:pPr algn="ctr"/>
-            <a:endParaRPr lang="en-US"/>
-          </a:p>
-        </p:txBody>
-      </p:sp>
-      <p:pic>
-        <p:nvPicPr>
-          <p:cNvPr id="5" name="Picture 4" descr="A screenshot of a cell phone&#10;&#10;Description automatically generated">
-            <a:extLst>
-              <a:ext uri="{FF2B5EF4-FFF2-40B4-BE49-F238E27FC236}">
-                <a16:creationId xmlns:a16="http://schemas.microsoft.com/office/drawing/2014/main" id="{C2ED2737-1796-D54E-A0CA-4C7C7C4A0B91}"/>
-              </a:ext>
-            </a:extLst>
-          </p:cNvPr>
-          <p:cNvPicPr>
-            <a:picLocks noChangeAspect="1"/>
-          </p:cNvPicPr>
-          <p:nvPr/>
-        </p:nvPicPr>
-        <p:blipFill>
-          <a:blip r:embed="rId3"/>
-          <a:stretch>
-            <a:fillRect/>
-          </a:stretch>
-        </p:blipFill>
-        <p:spPr>
-          <a:xfrm>
-            <a:off x="6012562" y="609600"/>
-            <a:ext cx="4821173" cy="5638800"/>
-          </a:xfrm>
-          <a:prstGeom prst="rect">
-            <a:avLst/>
-          </a:prstGeom>
-        </p:spPr>
-      </p:pic>
+              <a:t>Cyber security </a:t>
+            </a:r>
+            <a:r>
+              <a:rPr lang="en-AU" dirty="0">
+                <a:effectLst/>
+              </a:rPr>
+              <a:t>refers to the protection of information systems (hardware, software and associated infrastructure), the data on them, and the services they provide, from unauthorised access, harm or misuse. This includes harm caused intentionally by the operator of the system, or accidentally, as a result of failing to follow security procedures.</a:t>
+            </a:r>
+            <a:r>
+              <a:rPr lang="en-AU" baseline="30000" dirty="0">
+                <a:effectLst/>
+              </a:rPr>
+              <a:t>1</a:t>
+            </a:r>
+            <a:r>
+              <a:rPr lang="en-AU" dirty="0">
+                <a:effectLst/>
+              </a:rPr>
+              <a:t> </a:t>
+            </a:r>
+          </a:p>
+          <a:p>
+            <a:r>
+              <a:rPr lang="en-AU" dirty="0">
+                <a:effectLst/>
+              </a:rPr>
+              <a:t>CIA is sometimes extended to include Authentication, Accountability, Non-Repudiation and Reliability</a:t>
+            </a:r>
+            <a:endParaRPr lang="en-AU" dirty="0"/>
+          </a:p>
+          <a:p>
+            <a:endParaRPr lang="en-AU" dirty="0"/>
+          </a:p>
+        </p:txBody>
+      </p:sp>
       <p:sp>
         <p:nvSpPr>
           <p:cNvPr id="4" name="Footer Placeholder 3">
@@ -9463,83 +12235,19 @@
             <p:ph type="ftr" sz="quarter" idx="11"/>
           </p:nvPr>
         </p:nvSpPr>
-        <p:spPr>
-          <a:xfrm>
-            <a:off x="913795" y="6310313"/>
-            <a:ext cx="6672865" cy="365125"/>
-          </a:xfrm>
-        </p:spPr>
-        <p:txBody>
-          <a:bodyPr vert="horz" lIns="91440" tIns="45720" rIns="91440" bIns="45720" rtlCol="0" anchor="ctr">
-            <a:normAutofit/>
-          </a:bodyPr>
+        <p:spPr/>
+        <p:txBody>
+          <a:bodyPr/>
           <a:lstStyle/>
           <a:p>
-            <a:pPr>
-              <a:lnSpc>
-                <a:spcPct val="90000"/>
-              </a:lnSpc>
-              <a:spcAft>
-                <a:spcPts val="600"/>
-              </a:spcAft>
-            </a:pPr>
-            <a:r>
-              <a:rPr lang="en-US" sz="700" kern="1200">
-                <a:solidFill>
-                  <a:schemeClr val="tx1">
-                    <a:lumMod val="95000"/>
-                  </a:schemeClr>
-                </a:solidFill>
-                <a:effectLst>
-                  <a:outerShdw blurRad="50800" dist="38100" dir="2700000" algn="tl" rotWithShape="0">
-                    <a:schemeClr val="bg1">
-                      <a:alpha val="43000"/>
-                    </a:schemeClr>
-                  </a:outerShdw>
-                </a:effectLst>
-                <a:latin typeface="+mn-lt"/>
-                <a:ea typeface="+mn-ea"/>
-                <a:cs typeface="+mn-cs"/>
-              </a:rPr>
-              <a:t>2018 Verizon DBIR </a:t>
-            </a:r>
-          </a:p>
-          <a:p>
-            <a:pPr>
-              <a:lnSpc>
-                <a:spcPct val="90000"/>
-              </a:lnSpc>
-              <a:spcAft>
-                <a:spcPts val="600"/>
-              </a:spcAft>
-            </a:pPr>
-            <a:r>
-              <a:rPr lang="en-US" sz="700" kern="1200">
-                <a:solidFill>
-                  <a:schemeClr val="tx1">
-                    <a:lumMod val="95000"/>
-                  </a:schemeClr>
-                </a:solidFill>
-                <a:effectLst>
-                  <a:outerShdw blurRad="50800" dist="38100" dir="2700000" algn="tl" rotWithShape="0">
-                    <a:schemeClr val="bg1">
-                      <a:alpha val="43000"/>
-                    </a:schemeClr>
-                  </a:outerShdw>
-                </a:effectLst>
-                <a:latin typeface="+mn-lt"/>
-                <a:ea typeface="+mn-ea"/>
-                <a:cs typeface="+mn-cs"/>
-              </a:rPr>
-              <a:t>https://enterprise.verizon.com/resources/executivebriefs/2019-dbir-executive-brief.pdf</a:t>
-            </a:r>
+            <a:endParaRPr lang="en-US" dirty="0"/>
           </a:p>
         </p:txBody>
       </p:sp>
     </p:spTree>
     <p:extLst>
       <p:ext uri="{BB962C8B-B14F-4D97-AF65-F5344CB8AC3E}">
-        <p14:creationId xmlns:p14="http://schemas.microsoft.com/office/powerpoint/2010/main" val="3480672060"/>
+        <p14:creationId xmlns:p14="http://schemas.microsoft.com/office/powerpoint/2010/main" val="2850690858"/>
       </p:ext>
     </p:extLst>
   </p:cSld>

--- a/Lectures/CITS1003-1 Overview.pptx
+++ b/Lectures/CITS1003-1 Overview.pptx
@@ -3107,7 +3107,7 @@
           <a:p>
             <a:fld id="{6D6D7260-B7E4-B548-BD1F-84ED14536037}" type="datetimeFigureOut">
               <a:rPr lang="en-AU" smtClean="0"/>
-              <a:t>20/7/21</a:t>
+              <a:t>29/7/21</a:t>
             </a:fld>
             <a:endParaRPr lang="en-AU"/>
           </a:p>
@@ -3560,7 +3560,7 @@
           <a:p>
             <a:fld id="{88D38747-4367-4BD2-8D51-C97E202738E2}" type="datetime1">
               <a:rPr lang="en-US" smtClean="0"/>
-              <a:t>7/20/21</a:t>
+              <a:t>7/29/21</a:t>
             </a:fld>
             <a:endParaRPr lang="en-US" dirty="0"/>
           </a:p>
@@ -3865,7 +3865,7 @@
           <a:p>
             <a:fld id="{11F1B079-7EF0-44EE-B798-BCC497C9F3B2}" type="datetime1">
               <a:rPr lang="en-US" smtClean="0"/>
-              <a:t>7/20/21</a:t>
+              <a:t>7/29/21</a:t>
             </a:fld>
             <a:endParaRPr lang="en-US" dirty="0"/>
           </a:p>
@@ -4059,7 +4059,7 @@
           <a:p>
             <a:fld id="{28FF70A8-1D13-4657-95F0-A9EA54967B8D}" type="datetime1">
               <a:rPr lang="en-US" smtClean="0"/>
-              <a:t>7/20/21</a:t>
+              <a:t>7/29/21</a:t>
             </a:fld>
             <a:endParaRPr lang="en-US" dirty="0"/>
           </a:p>
@@ -4322,7 +4322,7 @@
           <a:p>
             <a:fld id="{21EB90AC-71BD-4C7F-8ACA-7B3F18292E63}" type="datetime1">
               <a:rPr lang="en-US" smtClean="0"/>
-              <a:t>7/20/21</a:t>
+              <a:t>7/29/21</a:t>
             </a:fld>
             <a:endParaRPr lang="en-US" dirty="0"/>
           </a:p>
@@ -4758,7 +4758,7 @@
           <a:p>
             <a:fld id="{4E6EFC2C-8905-46F0-B443-CE905B76BA01}" type="datetime1">
               <a:rPr lang="en-US" smtClean="0"/>
-              <a:t>7/20/21</a:t>
+              <a:t>7/29/21</a:t>
             </a:fld>
             <a:endParaRPr lang="en-US" dirty="0"/>
           </a:p>
@@ -5295,7 +5295,7 @@
           <a:p>
             <a:fld id="{D9079DC3-C9B5-499E-9140-0DC28B7074E2}" type="datetime1">
               <a:rPr lang="en-US" smtClean="0"/>
-              <a:t>7/20/21</a:t>
+              <a:t>7/29/21</a:t>
             </a:fld>
             <a:endParaRPr lang="en-US" dirty="0"/>
           </a:p>
@@ -6177,7 +6177,7 @@
           <a:p>
             <a:fld id="{30BB33EA-E472-4D22-9C03-A9C14AA21CED}" type="datetime1">
               <a:rPr lang="en-US" smtClean="0"/>
-              <a:t>7/20/21</a:t>
+              <a:t>7/29/21</a:t>
             </a:fld>
             <a:endParaRPr lang="en-US" dirty="0"/>
           </a:p>
@@ -6347,7 +6347,7 @@
           <a:p>
             <a:fld id="{217E833E-1B6D-415F-AD29-75AE8C43BD0D}" type="datetime1">
               <a:rPr lang="en-US" smtClean="0"/>
-              <a:t>7/20/21</a:t>
+              <a:t>7/29/21</a:t>
             </a:fld>
             <a:endParaRPr lang="en-US" dirty="0"/>
           </a:p>
@@ -6531,7 +6531,7 @@
           <a:p>
             <a:fld id="{8452596F-08A7-4B70-989A-F2B1CF31E66B}" type="datetime1">
               <a:rPr lang="en-US" smtClean="0"/>
-              <a:t>7/20/21</a:t>
+              <a:t>7/29/21</a:t>
             </a:fld>
             <a:endParaRPr lang="en-US" dirty="0"/>
           </a:p>
@@ -6701,7 +6701,7 @@
           <a:p>
             <a:fld id="{73C55A3C-5767-4844-A0A3-83778C2E5409}" type="datetime1">
               <a:rPr lang="en-US" smtClean="0"/>
-              <a:t>7/20/21</a:t>
+              <a:t>7/29/21</a:t>
             </a:fld>
             <a:endParaRPr lang="en-US" dirty="0"/>
           </a:p>
@@ -6945,7 +6945,7 @@
           <a:p>
             <a:fld id="{CAE507A8-A5CF-4D38-AB86-7EDDA87A85D4}" type="datetime1">
               <a:rPr lang="en-US" smtClean="0"/>
-              <a:t>7/20/21</a:t>
+              <a:t>7/29/21</a:t>
             </a:fld>
             <a:endParaRPr lang="en-US" dirty="0"/>
           </a:p>
@@ -7187,7 +7187,7 @@
           <a:p>
             <a:fld id="{BDFCD27C-8599-43EF-BA1D-14DDC1946E06}" type="datetime1">
               <a:rPr lang="en-US" smtClean="0"/>
-              <a:t>7/20/21</a:t>
+              <a:t>7/29/21</a:t>
             </a:fld>
             <a:endParaRPr lang="en-US" dirty="0"/>
           </a:p>
@@ -7668,7 +7668,7 @@
           <a:p>
             <a:fld id="{49343D99-809A-49C0-96E5-4250D0B498EE}" type="datetime1">
               <a:rPr lang="en-US" smtClean="0"/>
-              <a:t>7/20/21</a:t>
+              <a:t>7/29/21</a:t>
             </a:fld>
             <a:endParaRPr lang="en-US" dirty="0"/>
           </a:p>
@@ -7786,7 +7786,7 @@
           <a:p>
             <a:fld id="{A143DE9B-B678-4EFB-BB7D-A4370204A0B0}" type="datetime1">
               <a:rPr lang="en-US" smtClean="0"/>
-              <a:t>7/20/21</a:t>
+              <a:t>7/29/21</a:t>
             </a:fld>
             <a:endParaRPr lang="en-US" dirty="0"/>
           </a:p>
@@ -7881,7 +7881,7 @@
           <a:p>
             <a:fld id="{E68812DA-F765-4142-A6A3-A8ED7235E082}" type="datetime1">
               <a:rPr lang="en-US" smtClean="0"/>
-              <a:t>7/20/21</a:t>
+              <a:t>7/29/21</a:t>
             </a:fld>
             <a:endParaRPr lang="en-US" dirty="0"/>
           </a:p>
@@ -8136,7 +8136,7 @@
           <a:p>
             <a:fld id="{3E0277FD-7DE6-41D4-930D-AC99F5AFE54E}" type="datetime1">
               <a:rPr lang="en-US" smtClean="0"/>
-              <a:t>7/20/21</a:t>
+              <a:t>7/29/21</a:t>
             </a:fld>
             <a:endParaRPr lang="en-US" dirty="0"/>
           </a:p>
@@ -8443,7 +8443,7 @@
           <a:p>
             <a:fld id="{9EA15526-7079-4B7B-987C-1B5FAE11A0FF}" type="datetime1">
               <a:rPr lang="en-US" smtClean="0"/>
-              <a:t>7/20/21</a:t>
+              <a:t>7/29/21</a:t>
             </a:fld>
             <a:endParaRPr lang="en-US" dirty="0"/>
           </a:p>
@@ -8678,7 +8678,7 @@
           <a:p>
             <a:fld id="{073ED0CC-082F-4160-86E5-0D6041F12778}" type="datetime1">
               <a:rPr lang="en-US" smtClean="0"/>
-              <a:t>7/20/21</a:t>
+              <a:t>7/29/21</a:t>
             </a:fld>
             <a:endParaRPr lang="en-US" dirty="0"/>
           </a:p>
@@ -9589,7 +9589,7 @@
           </a:effectLst>
           <a:extLst>
             <a:ext uri="{91240B29-F687-4f45-9708-019B960494DF}">
-              <a14:hiddenLine xmlns="" xmlns:a14="http://schemas.microsoft.com/office/drawing/2010/main" xmlns:p14="http://schemas.microsoft.com/office/powerpoint/2010/main" xmlns:a16="http://schemas.microsoft.com/office/drawing/2014/main" w="9525">
+              <a14:hiddenLine xmlns:a16="http://schemas.microsoft.com/office/drawing/2014/main" xmlns:p14="http://schemas.microsoft.com/office/powerpoint/2010/main" xmlns:a14="http://schemas.microsoft.com/office/drawing/2010/main" xmlns="" w="9525">
                 <a:solidFill>
                   <a:srgbClr val="000000"/>
                 </a:solidFill>
@@ -10508,7 +10508,7 @@
         <p:spPr/>
         <p:txBody>
           <a:bodyPr>
-            <a:normAutofit fontScale="92500" lnSpcReduction="20000"/>
+            <a:normAutofit fontScale="92500"/>
           </a:bodyPr>
           <a:lstStyle/>
           <a:p>
@@ -10577,13 +10577,7 @@
               <a:rPr lang="en-GB" dirty="0">
                 <a:effectLst/>
               </a:rPr>
-              <a:t>Practical laboratory work will assist in practical aspects of Cybersecurity </a:t>
-            </a:r>
-          </a:p>
-          <a:p>
-            <a:r>
-              <a:rPr lang="en-AU" dirty="0"/>
-              <a:t>An essay will allow for reflection on a topic in more depth</a:t>
+              <a:t>Practical laboratory work will assist in practical aspects of Cybersecurity</a:t>
             </a:r>
           </a:p>
         </p:txBody>
